--- a/Big Data and Analytics/Azure Machine Learning/Session 1 - Introduction and Slides/Azure Machine Learning.pptx
+++ b/Big Data and Analytics/Azure Machine Learning/Session 1 - Introduction and Slides/Azure Machine Learning.pptx
@@ -6,23 +6,24 @@
     <p:sldMasterId id="2147483663" r:id="rId2"/>
   </p:sldMasterIdLst>
   <p:notesMasterIdLst>
-    <p:notesMasterId r:id="rId17"/>
+    <p:notesMasterId r:id="rId18"/>
   </p:notesMasterIdLst>
   <p:sldIdLst>
     <p:sldId id="256" r:id="rId3"/>
-    <p:sldId id="287" r:id="rId4"/>
-    <p:sldId id="288" r:id="rId5"/>
-    <p:sldId id="296" r:id="rId6"/>
-    <p:sldId id="303" r:id="rId7"/>
-    <p:sldId id="290" r:id="rId8"/>
-    <p:sldId id="289" r:id="rId9"/>
-    <p:sldId id="292" r:id="rId10"/>
-    <p:sldId id="294" r:id="rId11"/>
-    <p:sldId id="302" r:id="rId12"/>
-    <p:sldId id="293" r:id="rId13"/>
-    <p:sldId id="301" r:id="rId14"/>
-    <p:sldId id="300" r:id="rId15"/>
-    <p:sldId id="299" r:id="rId16"/>
+    <p:sldId id="304" r:id="rId4"/>
+    <p:sldId id="287" r:id="rId5"/>
+    <p:sldId id="288" r:id="rId6"/>
+    <p:sldId id="296" r:id="rId7"/>
+    <p:sldId id="303" r:id="rId8"/>
+    <p:sldId id="290" r:id="rId9"/>
+    <p:sldId id="289" r:id="rId10"/>
+    <p:sldId id="292" r:id="rId11"/>
+    <p:sldId id="294" r:id="rId12"/>
+    <p:sldId id="302" r:id="rId13"/>
+    <p:sldId id="293" r:id="rId14"/>
+    <p:sldId id="301" r:id="rId15"/>
+    <p:sldId id="300" r:id="rId16"/>
+    <p:sldId id="299" r:id="rId17"/>
   </p:sldIdLst>
   <p:sldSz cx="12192000" cy="6858000"/>
   <p:notesSz cx="6858000" cy="9144000"/>
@@ -129,6 +130,10 @@
 </p:presentation>
 </file>
 
+<file path=ppt/revisionInfo.xml><?xml version="1.0" encoding="utf-8"?>
+<p1510:revInfo xmlns:a="http://schemas.openxmlformats.org/drawingml/2006/main" xmlns:r="http://schemas.openxmlformats.org/officeDocument/2006/relationships" xmlns:p1510="http://schemas.microsoft.com/office/powerpoint/2015/10/main"/>
+</file>
+
 <file path=ppt/notesMasters/notesMaster1.xml><?xml version="1.0" encoding="utf-8"?>
 <p:notesMaster xmlns:a="http://schemas.openxmlformats.org/drawingml/2006/main" xmlns:r="http://schemas.openxmlformats.org/officeDocument/2006/relationships" xmlns:p="http://schemas.openxmlformats.org/presentationml/2006/main">
   <p:cSld>
@@ -211,7 +216,7 @@
           <a:p>
             <a:fld id="{49B60EF2-7028-489F-85D8-FE86CD7CF2A0}" type="datetimeFigureOut">
               <a:rPr lang="en-US" smtClean="0"/>
-              <a:t>10/1/2016</a:t>
+              <a:t>2017-05-16</a:t>
             </a:fld>
             <a:endParaRPr lang="en-US"/>
           </a:p>
@@ -607,36 +612,156 @@
           <a:lstStyle/>
           <a:p>
             <a:r>
-              <a:rPr lang="en-US" dirty="0" smtClean="0"/>
-              <a:t>Linear regression has been around for hundreds of years and is widely used in statistical modeling. The simplest form of linear regression (univariate) has one input variable and one output variable. Various</a:t>
-            </a:r>
-            <a:r>
-              <a:rPr lang="en-US" baseline="0" dirty="0" smtClean="0"/>
-              <a:t> techniques are used to best-fit a line (hence, LINEAR regression) to the data. Multivariate linear regression is similar, but adds additional terms to the equation (b2, b3, and so on).</a:t>
-            </a:r>
-          </a:p>
-          <a:p>
-            <a:endParaRPr lang="en-US" baseline="0" dirty="0" smtClean="0"/>
-          </a:p>
-          <a:p>
-            <a:r>
-              <a:rPr lang="en-US" baseline="0" dirty="0" smtClean="0"/>
-              <a:t>Training a linear regression model with millions of values can take time, but once the model is trained, using it to perform predictive analysis is fast because "running" the model involves little more than solving an equation whose coefficients have already been computed (during training).</a:t>
-            </a:r>
-            <a:br>
-              <a:rPr lang="en-US" baseline="0" dirty="0" smtClean="0"/>
-            </a:br>
-            <a:r>
-              <a:rPr lang="en-US" baseline="0" dirty="0" smtClean="0"/>
-              <a:t/>
-            </a:r>
-            <a:br>
-              <a:rPr lang="en-US" baseline="0" dirty="0" smtClean="0"/>
-            </a:br>
-            <a:r>
-              <a:rPr lang="en-US" baseline="0" dirty="0" smtClean="0"/>
-              <a:t>This illustration can be used to explain why picking the right algorithm is key to building an effective model. If there is not a relatively linear relationship between input variable(s) and output variable(s), then linear regression won't produce a robust predictive model.</a:t>
-            </a:r>
+              <a:rPr lang="en-US" sz="1200" kern="1200" dirty="0">
+                <a:solidFill>
+                  <a:schemeClr val="tx1"/>
+                </a:solidFill>
+                <a:effectLst/>
+                <a:latin typeface="+mn-lt"/>
+                <a:ea typeface="+mn-ea"/>
+                <a:cs typeface="+mn-cs"/>
+              </a:rPr>
+              <a:t>ML Studio provides canned implementations of 25 of </a:t>
+            </a:r>
+            <a:r>
+              <a:rPr lang="en-US" sz="1200" kern="1200" baseline="0" dirty="0">
+                <a:solidFill>
+                  <a:schemeClr val="tx1"/>
+                </a:solidFill>
+                <a:effectLst/>
+                <a:latin typeface="+mn-lt"/>
+                <a:ea typeface="+mn-ea"/>
+                <a:cs typeface="+mn-cs"/>
+              </a:rPr>
+              <a:t>the classic algorithms used in machine learning.  It divides them into four categories.</a:t>
+            </a:r>
+          </a:p>
+          <a:p>
+            <a:endParaRPr lang="en-US" sz="1200" kern="1200" dirty="0">
+              <a:solidFill>
+                <a:schemeClr val="tx1"/>
+              </a:solidFill>
+              <a:effectLst/>
+              <a:latin typeface="+mn-lt"/>
+              <a:ea typeface="+mn-ea"/>
+              <a:cs typeface="+mn-cs"/>
+            </a:endParaRPr>
+          </a:p>
+          <a:p>
+            <a:r>
+              <a:rPr lang="en-US" sz="1200" kern="1200" dirty="0">
+                <a:solidFill>
+                  <a:schemeClr val="tx1"/>
+                </a:solidFill>
+                <a:effectLst/>
+                <a:latin typeface="+mn-lt"/>
+                <a:ea typeface="+mn-ea"/>
+                <a:cs typeface="+mn-cs"/>
+              </a:rPr>
+              <a:t>Anomaly detection is the identification of items, events, or observations which do not conform to an expected pattern or other items in a dataset. A classic example is examining a dataset representing banking transactions and detecting potentially fraudulent transactions in that group.</a:t>
+            </a:r>
+          </a:p>
+          <a:p>
+            <a:endParaRPr lang="en-US" sz="1200" kern="1200" dirty="0">
+              <a:solidFill>
+                <a:schemeClr val="tx1"/>
+              </a:solidFill>
+              <a:effectLst/>
+              <a:latin typeface="+mn-lt"/>
+              <a:ea typeface="+mn-ea"/>
+              <a:cs typeface="+mn-cs"/>
+            </a:endParaRPr>
+          </a:p>
+          <a:p>
+            <a:r>
+              <a:rPr lang="en-US" sz="1200" kern="1200" dirty="0">
+                <a:solidFill>
+                  <a:schemeClr val="tx1"/>
+                </a:solidFill>
+                <a:effectLst/>
+                <a:latin typeface="+mn-lt"/>
+                <a:ea typeface="+mn-ea"/>
+                <a:cs typeface="+mn-cs"/>
+              </a:rPr>
+              <a:t>Regression algorithms seek to establish and quantify relationships between variables. By establishing a relationship between a dependent variable and one or more independent variables, regression analysis can enable the value of a dependent variable to be predicted given a set of inputs with a quantifiable accuracy. A great example can be seen at </a:t>
+            </a:r>
+            <a:r>
+              <a:rPr lang="en-US" sz="1200" u="sng" kern="1200" dirty="0">
+                <a:solidFill>
+                  <a:schemeClr val="tx1"/>
+                </a:solidFill>
+                <a:effectLst/>
+                <a:latin typeface="+mn-lt"/>
+                <a:ea typeface="+mn-ea"/>
+                <a:cs typeface="+mn-cs"/>
+                <a:hlinkClick r:id="rId3"/>
+              </a:rPr>
+              <a:t>https://how-old.net/#</a:t>
+            </a:r>
+            <a:r>
+              <a:rPr lang="en-US" sz="1200" kern="1200" dirty="0">
+                <a:solidFill>
+                  <a:schemeClr val="tx1"/>
+                </a:solidFill>
+                <a:effectLst/>
+                <a:latin typeface="+mn-lt"/>
+                <a:ea typeface="+mn-ea"/>
+                <a:cs typeface="+mn-cs"/>
+              </a:rPr>
+              <a:t>, a site that lets you upload a photo and then guesses your age with uncanny accuracy. The site uses Azure Machine Learning and combines classic regression with advanced image recognition.</a:t>
+            </a:r>
+          </a:p>
+          <a:p>
+            <a:endParaRPr lang="en-US" sz="1200" kern="1200" dirty="0">
+              <a:solidFill>
+                <a:schemeClr val="tx1"/>
+              </a:solidFill>
+              <a:effectLst/>
+              <a:latin typeface="+mn-lt"/>
+              <a:ea typeface="+mn-ea"/>
+              <a:cs typeface="+mn-cs"/>
+            </a:endParaRPr>
+          </a:p>
+          <a:p>
+            <a:r>
+              <a:rPr lang="en-US" sz="1200" kern="1200" dirty="0">
+                <a:solidFill>
+                  <a:schemeClr val="tx1"/>
+                </a:solidFill>
+                <a:effectLst/>
+                <a:latin typeface="+mn-lt"/>
+                <a:ea typeface="+mn-ea"/>
+                <a:cs typeface="+mn-cs"/>
+              </a:rPr>
+              <a:t>The purpose of classification algorithms is to identify the category to which an observation belongs based on training data consisting of observations which have already been classified (assigned to a category). A great example is determining whether an e-mail belongs to the "spam" category or the "not-spam" category.</a:t>
+            </a:r>
+          </a:p>
+          <a:p>
+            <a:endParaRPr lang="en-US" sz="1200" kern="1200" dirty="0">
+              <a:solidFill>
+                <a:schemeClr val="tx1"/>
+              </a:solidFill>
+              <a:effectLst/>
+              <a:latin typeface="+mn-lt"/>
+              <a:ea typeface="+mn-ea"/>
+              <a:cs typeface="+mn-cs"/>
+            </a:endParaRPr>
+          </a:p>
+          <a:p>
+            <a:r>
+              <a:rPr lang="en-US" sz="1200" kern="1200" dirty="0">
+                <a:solidFill>
+                  <a:schemeClr val="tx1"/>
+                </a:solidFill>
+                <a:effectLst/>
+                <a:latin typeface="+mn-lt"/>
+                <a:ea typeface="+mn-ea"/>
+                <a:cs typeface="+mn-cs"/>
+              </a:rPr>
+              <a:t>Clustering seeks to group a set of objects in such a way that objects in the same group (called a cluster) are more similar to each other than to those in other groups (clusters).</a:t>
+            </a:r>
+          </a:p>
+          <a:p>
             <a:endParaRPr lang="en-US" dirty="0"/>
           </a:p>
         </p:txBody>
@@ -667,7 +792,7 @@
     </p:spTree>
     <p:extLst>
       <p:ext uri="{BB962C8B-B14F-4D97-AF65-F5344CB8AC3E}">
-        <p14:creationId xmlns:p14="http://schemas.microsoft.com/office/powerpoint/2010/main" val="3306435751"/>
+        <p14:creationId xmlns:p14="http://schemas.microsoft.com/office/powerpoint/2010/main" val="2218694453"/>
       </p:ext>
     </p:extLst>
   </p:cSld>
@@ -721,40 +846,34 @@
           <a:bodyPr/>
           <a:lstStyle/>
           <a:p>
-            <a:pPr marL="0" marR="0" indent="0" algn="l" defTabSz="914400" rtl="0" eaLnBrk="1" fontAlgn="auto" latinLnBrk="0" hangingPunct="1">
-              <a:lnSpc>
-                <a:spcPct val="100000"/>
-              </a:lnSpc>
-              <a:spcBef>
-                <a:spcPts val="0"/>
-              </a:spcBef>
-              <a:spcAft>
-                <a:spcPts val="0"/>
-              </a:spcAft>
-              <a:buClrTx/>
-              <a:buSzTx/>
-              <a:buFontTx/>
-              <a:buNone/>
-              <a:tabLst/>
-              <a:defRPr/>
-            </a:pPr>
-            <a:r>
-              <a:rPr lang="en-US" dirty="0" smtClean="0"/>
-              <a:t>The Azure ML Cheat Sheet helps</a:t>
-            </a:r>
-            <a:r>
-              <a:rPr lang="en-US" baseline="0" dirty="0" smtClean="0"/>
-              <a:t> you pick the right algorithm for a model, even if you're not a trained data scientist. </a:t>
-            </a:r>
-            <a:r>
-              <a:rPr lang="en-US" dirty="0" smtClean="0"/>
-              <a:t>One example is if you want to use a set of input values to predict</a:t>
-            </a:r>
-            <a:r>
-              <a:rPr lang="en-US" baseline="0" dirty="0" smtClean="0"/>
-              <a:t> an output value from a continuous set of values (e.g., a person's age), use linear regression. But if you're more interested in the distribution of the output, you might use fast forest quantile regression instead. An example of when you would use the latter is using growth charts to assess child development. "Abby's height is in the 10% quantile of the heights of kids her age." Classification algorithms, by contrast, are used to predict a value from a discrete set of values -- for example, classifying an e-mail as spam or not spam.</a:t>
-            </a:r>
-            <a:endParaRPr lang="en-US" dirty="0" smtClean="0"/>
+            <a:r>
+              <a:rPr lang="en-US" dirty="0"/>
+              <a:t>Linear regression has been around for hundreds of years and is widely used in statistical modeling. The simplest form of linear regression (univariate) has one input variable and one output variable. Various</a:t>
+            </a:r>
+            <a:r>
+              <a:rPr lang="en-US" baseline="0" dirty="0"/>
+              <a:t> techniques are used to best-fit a line (hence, LINEAR regression) to the data. Multivariate linear regression is similar, but adds additional terms to the equation (b2, b3, and so on).</a:t>
+            </a:r>
+          </a:p>
+          <a:p>
+            <a:endParaRPr lang="en-US" baseline="0" dirty="0"/>
+          </a:p>
+          <a:p>
+            <a:r>
+              <a:rPr lang="en-US" baseline="0" dirty="0"/>
+              <a:t>Training a linear regression model with millions of values can take time, but once the model is trained, using it to perform predictive analysis is fast because "running" the model involves little more than solving an equation whose coefficients have already been computed (during training).</a:t>
+            </a:r>
+            <a:br>
+              <a:rPr lang="en-US" baseline="0" dirty="0"/>
+            </a:br>
+            <a:br>
+              <a:rPr lang="en-US" baseline="0" dirty="0"/>
+            </a:br>
+            <a:r>
+              <a:rPr lang="en-US" baseline="0" dirty="0"/>
+              <a:t>This illustration can be used to explain why picking the right algorithm is key to building an effective model. If there is not a relatively linear relationship between input variable(s) and output variable(s), then linear regression won't produce a robust predictive model.</a:t>
+            </a:r>
+            <a:endParaRPr lang="en-US" dirty="0"/>
           </a:p>
         </p:txBody>
       </p:sp>
@@ -784,7 +903,7 @@
     </p:spTree>
     <p:extLst>
       <p:ext uri="{BB962C8B-B14F-4D97-AF65-F5344CB8AC3E}">
-        <p14:creationId xmlns:p14="http://schemas.microsoft.com/office/powerpoint/2010/main" val="67531957"/>
+        <p14:creationId xmlns:p14="http://schemas.microsoft.com/office/powerpoint/2010/main" val="3306435751"/>
       </p:ext>
     </p:extLst>
   </p:cSld>
@@ -838,13 +957,38 @@
           <a:bodyPr/>
           <a:lstStyle/>
           <a:p>
-            <a:r>
-              <a:rPr lang="en-US" dirty="0" smtClean="0"/>
-              <a:t>Once deployed as a Web service, a model can be used</a:t>
-            </a:r>
-            <a:r>
-              <a:rPr lang="en-US" baseline="0" dirty="0" smtClean="0"/>
-              <a:t> with simple REST calls over HTTP. This enables developers to build "smart apps" that get their intelligence from ML. In the next lab, students will build and train an ML model, deploy it as a Web service, and then write a client app that uses it.</a:t>
+            <a:pPr marL="0" marR="0" indent="0" algn="l" defTabSz="914400" rtl="0" eaLnBrk="1" fontAlgn="auto" latinLnBrk="0" hangingPunct="1">
+              <a:lnSpc>
+                <a:spcPct val="100000"/>
+              </a:lnSpc>
+              <a:spcBef>
+                <a:spcPts val="0"/>
+              </a:spcBef>
+              <a:spcAft>
+                <a:spcPts val="0"/>
+              </a:spcAft>
+              <a:buClrTx/>
+              <a:buSzTx/>
+              <a:buFontTx/>
+              <a:buNone/>
+              <a:tabLst/>
+              <a:defRPr/>
+            </a:pPr>
+            <a:r>
+              <a:rPr lang="en-US" dirty="0"/>
+              <a:t>The Azure ML Cheat Sheet helps</a:t>
+            </a:r>
+            <a:r>
+              <a:rPr lang="en-US" baseline="0" dirty="0"/>
+              <a:t> you pick the right algorithm for a model, even if you're not a trained data scientist. </a:t>
+            </a:r>
+            <a:r>
+              <a:rPr lang="en-US" dirty="0"/>
+              <a:t>One example is if you want to use a set of input values to predict</a:t>
+            </a:r>
+            <a:r>
+              <a:rPr lang="en-US" baseline="0" dirty="0"/>
+              <a:t> an output value from a continuous set of values (e.g., a person's age), use linear regression. But if you're more interested in the distribution of the output, you might use fast forest quantile regression instead. An example of when you would use the latter is using growth charts to assess child development. "Abby's height is in the 10% quantile of the heights of kids her age." Classification algorithms, by contrast, are used to predict a value from a discrete set of values -- for example, classifying an e-mail as spam or not spam.</a:t>
             </a:r>
             <a:endParaRPr lang="en-US" dirty="0"/>
           </a:p>
@@ -876,7 +1020,7 @@
     </p:spTree>
     <p:extLst>
       <p:ext uri="{BB962C8B-B14F-4D97-AF65-F5344CB8AC3E}">
-        <p14:creationId xmlns:p14="http://schemas.microsoft.com/office/powerpoint/2010/main" val="1999800174"/>
+        <p14:creationId xmlns:p14="http://schemas.microsoft.com/office/powerpoint/2010/main" val="67531957"/>
       </p:ext>
     </p:extLst>
   </p:cSld>
@@ -931,12 +1075,12 @@
           <a:lstStyle/>
           <a:p>
             <a:r>
-              <a:rPr lang="en-US" dirty="0" smtClean="0"/>
-              <a:t>Good book -- and free!</a:t>
-            </a:r>
-            <a:r>
-              <a:rPr lang="en-US" baseline="0" dirty="0" smtClean="0"/>
-              <a:t> Another recommended book on Azure Machine is Learning is "Predictive Analytics with Microsoft Azure Machine Learning " (https://www.amazon.com/Predictive-Analytics-Microsoft-Machine-Learning/dp/1484212010).</a:t>
+              <a:rPr lang="en-US" dirty="0"/>
+              <a:t>Once deployed as a Web service, a model can be used</a:t>
+            </a:r>
+            <a:r>
+              <a:rPr lang="en-US" baseline="0" dirty="0"/>
+              <a:t> with simple REST calls over HTTP. This enables developers to build "smart apps" that get their intelligence from ML. In the next lab, students will build and train an ML model, deploy it as a Web service, and then write a client app that uses it.</a:t>
             </a:r>
             <a:endParaRPr lang="en-US" dirty="0"/>
           </a:p>
@@ -957,6 +1101,98 @@
           <a:bodyPr/>
           <a:lstStyle/>
           <a:p>
+            <a:fld id="{01283FAC-A721-45A3-BBDE-EAF2B09B7CD9}" type="slidenum">
+              <a:rPr lang="en-US" smtClean="0"/>
+              <a:t>13</a:t>
+            </a:fld>
+            <a:endParaRPr lang="en-US"/>
+          </a:p>
+        </p:txBody>
+      </p:sp>
+    </p:spTree>
+    <p:extLst>
+      <p:ext uri="{BB962C8B-B14F-4D97-AF65-F5344CB8AC3E}">
+        <p14:creationId xmlns:p14="http://schemas.microsoft.com/office/powerpoint/2010/main" val="1999800174"/>
+      </p:ext>
+    </p:extLst>
+  </p:cSld>
+  <p:clrMapOvr>
+    <a:masterClrMapping/>
+  </p:clrMapOvr>
+</p:notes>
+</file>
+
+<file path=ppt/notesSlides/notesSlide14.xml><?xml version="1.0" encoding="utf-8"?>
+<p:notes xmlns:a="http://schemas.openxmlformats.org/drawingml/2006/main" xmlns:r="http://schemas.openxmlformats.org/officeDocument/2006/relationships" xmlns:p="http://schemas.openxmlformats.org/presentationml/2006/main">
+  <p:cSld>
+    <p:spTree>
+      <p:nvGrpSpPr>
+        <p:cNvPr id="1" name=""/>
+        <p:cNvGrpSpPr/>
+        <p:nvPr/>
+      </p:nvGrpSpPr>
+      <p:grpSpPr>
+        <a:xfrm>
+          <a:off x="0" y="0"/>
+          <a:ext cx="0" cy="0"/>
+          <a:chOff x="0" y="0"/>
+          <a:chExt cx="0" cy="0"/>
+        </a:xfrm>
+      </p:grpSpPr>
+      <p:sp>
+        <p:nvSpPr>
+          <p:cNvPr id="2" name="Slide Image Placeholder 1"/>
+          <p:cNvSpPr>
+            <a:spLocks noGrp="1" noRot="1" noChangeAspect="1"/>
+          </p:cNvSpPr>
+          <p:nvPr>
+            <p:ph type="sldImg"/>
+          </p:nvPr>
+        </p:nvSpPr>
+        <p:spPr/>
+      </p:sp>
+      <p:sp>
+        <p:nvSpPr>
+          <p:cNvPr id="3" name="Notes Placeholder 2"/>
+          <p:cNvSpPr>
+            <a:spLocks noGrp="1"/>
+          </p:cNvSpPr>
+          <p:nvPr>
+            <p:ph type="body" idx="1"/>
+          </p:nvPr>
+        </p:nvSpPr>
+        <p:spPr/>
+        <p:txBody>
+          <a:bodyPr/>
+          <a:lstStyle/>
+          <a:p>
+            <a:r>
+              <a:rPr lang="en-US" dirty="0"/>
+              <a:t>Good book -- and free!</a:t>
+            </a:r>
+            <a:r>
+              <a:rPr lang="en-US" baseline="0" dirty="0"/>
+              <a:t> Another recommended book on Azure Machine is Learning is "Predictive Analytics with Microsoft Azure Machine Learning " (https://www.amazon.com/Predictive-Analytics-Microsoft-Machine-Learning/dp/1484212010).</a:t>
+            </a:r>
+            <a:endParaRPr lang="en-US" dirty="0"/>
+          </a:p>
+        </p:txBody>
+      </p:sp>
+      <p:sp>
+        <p:nvSpPr>
+          <p:cNvPr id="4" name="Slide Number Placeholder 3"/>
+          <p:cNvSpPr>
+            <a:spLocks noGrp="1"/>
+          </p:cNvSpPr>
+          <p:nvPr>
+            <p:ph type="sldNum" sz="quarter" idx="10"/>
+          </p:nvPr>
+        </p:nvSpPr>
+        <p:spPr/>
+        <p:txBody>
+          <a:bodyPr/>
+          <a:lstStyle/>
+          <a:p>
             <a:fld id="{BC60BE34-BC89-4C98-A56B-79B7A098D024}" type="slidenum">
               <a:rPr lang="en-US" smtClean="0">
                 <a:solidFill>
@@ -964,7 +1200,7 @@
                 </a:solidFill>
               </a:rPr>
               <a:pPr/>
-              <a:t>13</a:t>
+              <a:t>14</a:t>
             </a:fld>
             <a:endParaRPr lang="en-US">
               <a:solidFill>
@@ -1031,77 +1267,6 @@
           <a:bodyPr/>
           <a:lstStyle/>
           <a:p>
-            <a:pPr marL="0" marR="0" indent="0" algn="l" defTabSz="914400" rtl="0" eaLnBrk="1" fontAlgn="auto" latinLnBrk="0" hangingPunct="1">
-              <a:lnSpc>
-                <a:spcPct val="100000"/>
-              </a:lnSpc>
-              <a:spcBef>
-                <a:spcPts val="0"/>
-              </a:spcBef>
-              <a:spcAft>
-                <a:spcPts val="0"/>
-              </a:spcAft>
-              <a:buClrTx/>
-              <a:buSzTx/>
-              <a:buFontTx/>
-              <a:buNone/>
-              <a:tabLst/>
-              <a:defRPr/>
-            </a:pPr>
-            <a:r>
-              <a:rPr lang="en-US" dirty="0" smtClean="0"/>
-              <a:t>Machine Learning finds patterns in large volumes of data and uses those patterns to perform predictive analysis. Microsoft offers</a:t>
-            </a:r>
-            <a:r>
-              <a:rPr lang="en-US" baseline="0" dirty="0" smtClean="0"/>
-              <a:t> Azure Machine Learning, while Amazon offers Amazon Machine Learning and Google offers the Google Prediction API. Software products such as MATLAB support traditional, non-cloud-based ML modeling.</a:t>
-            </a:r>
-          </a:p>
-          <a:p>
-            <a:pPr marL="0" marR="0" indent="0" algn="l" defTabSz="914400" rtl="0" eaLnBrk="1" fontAlgn="auto" latinLnBrk="0" hangingPunct="1">
-              <a:lnSpc>
-                <a:spcPct val="100000"/>
-              </a:lnSpc>
-              <a:spcBef>
-                <a:spcPts val="0"/>
-              </a:spcBef>
-              <a:spcAft>
-                <a:spcPts val="0"/>
-              </a:spcAft>
-              <a:buClrTx/>
-              <a:buSzTx/>
-              <a:buFontTx/>
-              <a:buNone/>
-              <a:tabLst/>
-              <a:defRPr/>
-            </a:pPr>
-            <a:endParaRPr lang="en-US" baseline="0" dirty="0" smtClean="0"/>
-          </a:p>
-          <a:p>
-            <a:pPr marL="0" marR="0" indent="0" algn="l" defTabSz="914400" rtl="0" eaLnBrk="1" fontAlgn="auto" latinLnBrk="0" hangingPunct="1">
-              <a:lnSpc>
-                <a:spcPct val="100000"/>
-              </a:lnSpc>
-              <a:spcBef>
-                <a:spcPts val="0"/>
-              </a:spcBef>
-              <a:spcAft>
-                <a:spcPts val="0"/>
-              </a:spcAft>
-              <a:buClrTx/>
-              <a:buSzTx/>
-              <a:buFontTx/>
-              <a:buNone/>
-              <a:tabLst/>
-              <a:defRPr/>
-            </a:pPr>
-            <a:r>
-              <a:rPr lang="en-US" baseline="0" dirty="0" smtClean="0"/>
-              <a:t>Machine learning models fall into two broad categories: supervised and unsupervised. In supervised learning, the model is "trained" with a large volume of data and algorithms are then used to predict an outcome from future inputs. Most supervised learning models use regression algorithms to compute an outcome from a continuous set of possible outcomes (for example, your score on a test), or classification algorithms to compute the probability of an outcome from a finite set of possible outcomes (for example, the probability that an e-mail is spam or a credit-card transaction is fraudulent). In unsupervised learning, the computer isn't trained, but is presented with a set of data and challenged to find relationships in it. K-Means Clustering is a common unsupervised learning algorithm. For a great explanation of how it works, see https://blog.intercom.io/machine-learning-way-easier-than-it-looks/.</a:t>
-            </a:r>
-            <a:endParaRPr lang="en-US" dirty="0" smtClean="0"/>
-          </a:p>
-          <a:p>
             <a:endParaRPr lang="en-US" dirty="0"/>
           </a:p>
         </p:txBody>
@@ -1132,7 +1297,7 @@
     </p:spTree>
     <p:extLst>
       <p:ext uri="{BB962C8B-B14F-4D97-AF65-F5344CB8AC3E}">
-        <p14:creationId xmlns:p14="http://schemas.microsoft.com/office/powerpoint/2010/main" val="780242760"/>
+        <p14:creationId xmlns:p14="http://schemas.microsoft.com/office/powerpoint/2010/main" val="558238626"/>
       </p:ext>
     </p:extLst>
   </p:cSld>
@@ -1186,31 +1351,77 @@
           <a:bodyPr/>
           <a:lstStyle/>
           <a:p>
-            <a:r>
-              <a:rPr lang="en-US" sz="1200" u="sng" kern="1200" dirty="0" smtClean="0">
-                <a:solidFill>
-                  <a:schemeClr val="tx1"/>
-                </a:solidFill>
-                <a:effectLst/>
-                <a:latin typeface="+mn-lt"/>
-                <a:ea typeface="+mn-ea"/>
-                <a:cs typeface="+mn-cs"/>
-                <a:hlinkClick r:id="rId3"/>
-              </a:rPr>
-              <a:t>https://how-old.net/#</a:t>
-            </a:r>
-            <a:r>
-              <a:rPr lang="en-US" sz="1200" u="none" kern="1200" baseline="0" dirty="0" smtClean="0">
-                <a:solidFill>
-                  <a:schemeClr val="tx1"/>
-                </a:solidFill>
-                <a:effectLst/>
-                <a:latin typeface="+mn-lt"/>
-                <a:ea typeface="+mn-ea"/>
-                <a:cs typeface="+mn-cs"/>
-              </a:rPr>
-              <a:t> offers a great example of machine learning in action. Created by Microsoft, the site uses advanced image-recognition techniques to analyze photos you upload and then uses an ML model to "predict" the ages of the people in the photos.</a:t>
-            </a:r>
+            <a:pPr marL="0" marR="0" indent="0" algn="l" defTabSz="914400" rtl="0" eaLnBrk="1" fontAlgn="auto" latinLnBrk="0" hangingPunct="1">
+              <a:lnSpc>
+                <a:spcPct val="100000"/>
+              </a:lnSpc>
+              <a:spcBef>
+                <a:spcPts val="0"/>
+              </a:spcBef>
+              <a:spcAft>
+                <a:spcPts val="0"/>
+              </a:spcAft>
+              <a:buClrTx/>
+              <a:buSzTx/>
+              <a:buFontTx/>
+              <a:buNone/>
+              <a:tabLst/>
+              <a:defRPr/>
+            </a:pPr>
+            <a:r>
+              <a:rPr lang="en-US" dirty="0"/>
+              <a:t>Machine Learning finds patterns in large volumes of data and uses those patterns to perform predictive analysis. Microsoft offers</a:t>
+            </a:r>
+            <a:r>
+              <a:rPr lang="en-US" baseline="0" dirty="0"/>
+              <a:t> Azure Machine Learning, while Amazon offers Amazon Machine Learning and Google offers the Google Prediction API. Software products such as MATLAB support traditional, non-cloud-based ML modeling.</a:t>
+            </a:r>
+          </a:p>
+          <a:p>
+            <a:pPr marL="0" marR="0" indent="0" algn="l" defTabSz="914400" rtl="0" eaLnBrk="1" fontAlgn="auto" latinLnBrk="0" hangingPunct="1">
+              <a:lnSpc>
+                <a:spcPct val="100000"/>
+              </a:lnSpc>
+              <a:spcBef>
+                <a:spcPts val="0"/>
+              </a:spcBef>
+              <a:spcAft>
+                <a:spcPts val="0"/>
+              </a:spcAft>
+              <a:buClrTx/>
+              <a:buSzTx/>
+              <a:buFontTx/>
+              <a:buNone/>
+              <a:tabLst/>
+              <a:defRPr/>
+            </a:pPr>
+            <a:endParaRPr lang="en-US" baseline="0" dirty="0"/>
+          </a:p>
+          <a:p>
+            <a:pPr marL="0" marR="0" indent="0" algn="l" defTabSz="914400" rtl="0" eaLnBrk="1" fontAlgn="auto" latinLnBrk="0" hangingPunct="1">
+              <a:lnSpc>
+                <a:spcPct val="100000"/>
+              </a:lnSpc>
+              <a:spcBef>
+                <a:spcPts val="0"/>
+              </a:spcBef>
+              <a:spcAft>
+                <a:spcPts val="0"/>
+              </a:spcAft>
+              <a:buClrTx/>
+              <a:buSzTx/>
+              <a:buFontTx/>
+              <a:buNone/>
+              <a:tabLst/>
+              <a:defRPr/>
+            </a:pPr>
+            <a:r>
+              <a:rPr lang="en-US" baseline="0" dirty="0"/>
+              <a:t>Machine learning models fall into two broad categories: supervised and unsupervised. In supervised learning, the model is "trained" with a large volume of data and algorithms are then used to predict an outcome from future inputs. Most supervised learning models use regression algorithms to compute an outcome from a continuous set of possible outcomes (for example, your score on a test), or classification algorithms to compute the probability of an outcome from a finite set of possible outcomes (for example, the probability that an e-mail is spam or a credit-card transaction is fraudulent). In unsupervised learning, the computer isn't trained, but is presented with a set of data and challenged to find relationships in it. K-Means Clustering is a common unsupervised learning algorithm. For a great explanation of how it works, see https://blog.intercom.io/machine-learning-way-easier-than-it-looks/.</a:t>
+            </a:r>
+            <a:endParaRPr lang="en-US" dirty="0"/>
+          </a:p>
+          <a:p>
             <a:endParaRPr lang="en-US" dirty="0"/>
           </a:p>
         </p:txBody>
@@ -1241,7 +1452,7 @@
     </p:spTree>
     <p:extLst>
       <p:ext uri="{BB962C8B-B14F-4D97-AF65-F5344CB8AC3E}">
-        <p14:creationId xmlns:p14="http://schemas.microsoft.com/office/powerpoint/2010/main" val="3410648990"/>
+        <p14:creationId xmlns:p14="http://schemas.microsoft.com/office/powerpoint/2010/main" val="780242760"/>
       </p:ext>
     </p:extLst>
   </p:cSld>
@@ -1296,12 +1507,29 @@
           <a:lstStyle/>
           <a:p>
             <a:r>
-              <a:rPr lang="en-US" dirty="0" smtClean="0"/>
-              <a:t>Microsoft has a rich history of employing machine learning in their products, beginning with the Silicon Valley company they purchased in 1999 and created Hotmail from. Hotmail used</a:t>
-            </a:r>
-            <a:r>
-              <a:rPr lang="en-US" baseline="0" dirty="0" smtClean="0"/>
-              <a:t> ML to perform advanced spam detection.</a:t>
+              <a:rPr lang="en-US" sz="1200" u="sng" kern="1200" dirty="0">
+                <a:solidFill>
+                  <a:schemeClr val="tx1"/>
+                </a:solidFill>
+                <a:effectLst/>
+                <a:latin typeface="+mn-lt"/>
+                <a:ea typeface="+mn-ea"/>
+                <a:cs typeface="+mn-cs"/>
+                <a:hlinkClick r:id="rId3"/>
+              </a:rPr>
+              <a:t>https://how-old.net/#</a:t>
+            </a:r>
+            <a:r>
+              <a:rPr lang="en-US" sz="1200" u="none" kern="1200" baseline="0" dirty="0">
+                <a:solidFill>
+                  <a:schemeClr val="tx1"/>
+                </a:solidFill>
+                <a:effectLst/>
+                <a:latin typeface="+mn-lt"/>
+                <a:ea typeface="+mn-ea"/>
+                <a:cs typeface="+mn-cs"/>
+              </a:rPr>
+              <a:t> offers a great example of machine learning in action. Created by Microsoft, the site uses advanced image-recognition techniques to analyze photos you upload and then uses an ML model to "predict" the ages of the people in the photos.</a:t>
             </a:r>
             <a:endParaRPr lang="en-US" dirty="0"/>
           </a:p>
@@ -1333,7 +1561,7 @@
     </p:spTree>
     <p:extLst>
       <p:ext uri="{BB962C8B-B14F-4D97-AF65-F5344CB8AC3E}">
-        <p14:creationId xmlns:p14="http://schemas.microsoft.com/office/powerpoint/2010/main" val="1604809656"/>
+        <p14:creationId xmlns:p14="http://schemas.microsoft.com/office/powerpoint/2010/main" val="3410648990"/>
       </p:ext>
     </p:extLst>
   </p:cSld>
@@ -1388,68 +1616,12 @@
           <a:lstStyle/>
           <a:p>
             <a:r>
-              <a:rPr lang="en-US" sz="1200" kern="1200" dirty="0" smtClean="0">
-                <a:solidFill>
-                  <a:schemeClr val="tx1"/>
-                </a:solidFill>
-                <a:effectLst/>
-                <a:latin typeface="+mn-lt"/>
-                <a:ea typeface="+mn-ea"/>
-                <a:cs typeface="+mn-cs"/>
-              </a:rPr>
-              <a:t>Azure Machine Learning</a:t>
-            </a:r>
-            <a:r>
-              <a:rPr lang="en-US" dirty="0" smtClean="0"/>
-              <a:t> is a cloud-based predictive-analytics service that offers a streamlined experience for data scientists of all skill levels. It's accompanied by the Azure Machine Learning Studio (ML Studio), which is a browser-based tool that provides an easy to use, drag-and-drop interface for building machine-learning models. It comes with a library of time-saving experiments and features best-in-class algorithms developed and tested in the real world by Microsoft businesses such as Bing. And its built-in support for </a:t>
-            </a:r>
-            <a:r>
-              <a:rPr lang="en-US" sz="1200" kern="1200" dirty="0" smtClean="0">
-                <a:solidFill>
-                  <a:schemeClr val="tx1"/>
-                </a:solidFill>
-                <a:effectLst/>
-                <a:latin typeface="+mn-lt"/>
-                <a:ea typeface="+mn-ea"/>
-                <a:cs typeface="+mn-cs"/>
-              </a:rPr>
-              <a:t>R</a:t>
-            </a:r>
-            <a:r>
-              <a:rPr lang="en-US" dirty="0" smtClean="0"/>
-              <a:t> and </a:t>
-            </a:r>
-            <a:r>
-              <a:rPr lang="en-US" sz="1200" kern="1200" dirty="0" smtClean="0">
-                <a:solidFill>
-                  <a:schemeClr val="tx1"/>
-                </a:solidFill>
-                <a:effectLst/>
-                <a:latin typeface="+mn-lt"/>
-                <a:ea typeface="+mn-ea"/>
-                <a:cs typeface="+mn-cs"/>
-              </a:rPr>
-              <a:t>Python</a:t>
-            </a:r>
-            <a:r>
-              <a:rPr lang="en-US" dirty="0" smtClean="0"/>
-              <a:t> means you can build custom scripts  to customize your model. Once you've built and trained your model in the ML Studio, you can easily expose it as a Web service that is consumable from a variety of programming languages, or share it with the community by placing it in the </a:t>
-            </a:r>
-            <a:r>
-              <a:rPr lang="en-US" sz="1200" kern="1200" dirty="0" smtClean="0">
-                <a:solidFill>
-                  <a:schemeClr val="tx1"/>
-                </a:solidFill>
-                <a:effectLst/>
-                <a:latin typeface="+mn-lt"/>
-                <a:ea typeface="+mn-ea"/>
-                <a:cs typeface="+mn-cs"/>
-              </a:rPr>
-              <a:t>Cortana Intelligence Gallery</a:t>
-            </a:r>
-            <a:r>
-              <a:rPr lang="en-US" dirty="0" smtClean="0"/>
-              <a:t>.</a:t>
+              <a:rPr lang="en-US" dirty="0"/>
+              <a:t>Microsoft has a rich history of employing machine learning in their products, beginning with the Silicon Valley company they purchased in 1999 and created Hotmail from. Hotmail used</a:t>
+            </a:r>
+            <a:r>
+              <a:rPr lang="en-US" baseline="0" dirty="0"/>
+              <a:t> ML to perform advanced spam detection.</a:t>
             </a:r>
             <a:endParaRPr lang="en-US" dirty="0"/>
           </a:p>
@@ -1481,7 +1653,7 @@
     </p:spTree>
     <p:extLst>
       <p:ext uri="{BB962C8B-B14F-4D97-AF65-F5344CB8AC3E}">
-        <p14:creationId xmlns:p14="http://schemas.microsoft.com/office/powerpoint/2010/main" val="1744707974"/>
+        <p14:creationId xmlns:p14="http://schemas.microsoft.com/office/powerpoint/2010/main" val="1604809656"/>
       </p:ext>
     </p:extLst>
   </p:cSld>
@@ -1535,50 +1707,70 @@
           <a:bodyPr/>
           <a:lstStyle/>
           <a:p>
-            <a:pPr marL="0" marR="0" indent="0" algn="l" defTabSz="914400" rtl="0" eaLnBrk="1" fontAlgn="auto" latinLnBrk="0" hangingPunct="1">
-              <a:lnSpc>
-                <a:spcPct val="100000"/>
-              </a:lnSpc>
-              <a:spcBef>
-                <a:spcPts val="0"/>
-              </a:spcBef>
-              <a:spcAft>
-                <a:spcPts val="0"/>
-              </a:spcAft>
-              <a:buClrTx/>
-              <a:buSzTx/>
-              <a:buFontTx/>
-              <a:buNone/>
-              <a:tabLst/>
-              <a:defRPr/>
-            </a:pPr>
-            <a:r>
-              <a:rPr lang="en-US" dirty="0" smtClean="0"/>
-              <a:t>This quote came from a graduate</a:t>
-            </a:r>
-            <a:r>
-              <a:rPr lang="en-US" baseline="0" dirty="0" smtClean="0"/>
-              <a:t> student </a:t>
-            </a:r>
-            <a:r>
-              <a:rPr lang="en-US" dirty="0" smtClean="0"/>
-              <a:t>who attended this class at UMass. He had already accepted at offer</a:t>
-            </a:r>
-            <a:r>
-              <a:rPr lang="en-US" baseline="0" dirty="0" smtClean="0"/>
-              <a:t> to go to work for </a:t>
-            </a:r>
-            <a:r>
-              <a:rPr lang="en-US" dirty="0" smtClean="0"/>
-              <a:t>Microsoft post-graduation. </a:t>
-            </a:r>
-            <a:r>
-              <a:rPr lang="en-US" dirty="0" smtClean="0">
-                <a:sym typeface="Wingdings" panose="05000000000000000000" pitchFamily="2" charset="2"/>
+            <a:r>
+              <a:rPr lang="en-US" sz="1200" kern="1200" dirty="0">
+                <a:solidFill>
+                  <a:schemeClr val="tx1"/>
+                </a:solidFill>
+                <a:effectLst/>
+                <a:latin typeface="+mn-lt"/>
+                <a:ea typeface="+mn-ea"/>
+                <a:cs typeface="+mn-cs"/>
               </a:rPr>
-              <a:t></a:t>
-            </a:r>
-            <a:endParaRPr lang="en-US" dirty="0" smtClean="0"/>
+              <a:t>Azure Machine Learning</a:t>
+            </a:r>
+            <a:r>
+              <a:rPr lang="en-US" dirty="0"/>
+              <a:t> is a cloud-based predictive-analytics service that offers a streamlined experience for data scientists of all skill levels. It's accompanied by the Azure Machine Learning Studio (ML Studio), which is a browser-based tool that provides an easy to use, drag-and-drop interface for building machine-learning models. It comes with a library of time-saving experiments and features best-in-class algorithms developed and tested in the real world by Microsoft businesses such as Bing. And its built-in support for </a:t>
+            </a:r>
+            <a:r>
+              <a:rPr lang="en-US" sz="1200" kern="1200" dirty="0">
+                <a:solidFill>
+                  <a:schemeClr val="tx1"/>
+                </a:solidFill>
+                <a:effectLst/>
+                <a:latin typeface="+mn-lt"/>
+                <a:ea typeface="+mn-ea"/>
+                <a:cs typeface="+mn-cs"/>
+              </a:rPr>
+              <a:t>R</a:t>
+            </a:r>
+            <a:r>
+              <a:rPr lang="en-US" dirty="0"/>
+              <a:t> and </a:t>
+            </a:r>
+            <a:r>
+              <a:rPr lang="en-US" sz="1200" kern="1200" dirty="0">
+                <a:solidFill>
+                  <a:schemeClr val="tx1"/>
+                </a:solidFill>
+                <a:effectLst/>
+                <a:latin typeface="+mn-lt"/>
+                <a:ea typeface="+mn-ea"/>
+                <a:cs typeface="+mn-cs"/>
+              </a:rPr>
+              <a:t>Python</a:t>
+            </a:r>
+            <a:r>
+              <a:rPr lang="en-US" dirty="0"/>
+              <a:t> means you can build custom scripts  to customize your model. Once you've built and trained your model in the ML Studio, you can easily expose it as a Web service that is consumable from a variety of programming languages, or share it with the community by placing it in the </a:t>
+            </a:r>
+            <a:r>
+              <a:rPr lang="en-US" sz="1200" kern="1200" dirty="0">
+                <a:solidFill>
+                  <a:schemeClr val="tx1"/>
+                </a:solidFill>
+                <a:effectLst/>
+                <a:latin typeface="+mn-lt"/>
+                <a:ea typeface="+mn-ea"/>
+                <a:cs typeface="+mn-cs"/>
+              </a:rPr>
+              <a:t>Cortana Intelligence Gallery</a:t>
+            </a:r>
+            <a:r>
+              <a:rPr lang="en-US" dirty="0"/>
+              <a:t>.</a:t>
+            </a:r>
           </a:p>
         </p:txBody>
       </p:sp>
@@ -1608,7 +1800,7 @@
     </p:spTree>
     <p:extLst>
       <p:ext uri="{BB962C8B-B14F-4D97-AF65-F5344CB8AC3E}">
-        <p14:creationId xmlns:p14="http://schemas.microsoft.com/office/powerpoint/2010/main" val="438268556"/>
+        <p14:creationId xmlns:p14="http://schemas.microsoft.com/office/powerpoint/2010/main" val="1744707974"/>
       </p:ext>
     </p:extLst>
   </p:cSld>
@@ -1662,13 +1854,48 @@
           <a:bodyPr/>
           <a:lstStyle/>
           <a:p>
-            <a:r>
-              <a:rPr lang="en-US" dirty="0" smtClean="0"/>
-              <a:t>ML Studio simplifies machine learning by providing a drag-and-drop model in</a:t>
-            </a:r>
-            <a:r>
-              <a:rPr lang="en-US" baseline="0" dirty="0" smtClean="0"/>
-              <a:t> which you build workflow. With ML Studio and the rich of assortment of modules it offers for modeling workflow, you can often build sophisticated models without writing a single line of code. However, it allows you to insert R and Python code anywhere in the workflow, providing infinite flexibility in what you can model.</a:t>
+            <a:pPr marL="0" marR="0" indent="0" algn="l" defTabSz="914400" rtl="0" eaLnBrk="1" fontAlgn="auto" latinLnBrk="0" hangingPunct="1">
+              <a:lnSpc>
+                <a:spcPct val="100000"/>
+              </a:lnSpc>
+              <a:spcBef>
+                <a:spcPts val="0"/>
+              </a:spcBef>
+              <a:spcAft>
+                <a:spcPts val="0"/>
+              </a:spcAft>
+              <a:buClrTx/>
+              <a:buSzTx/>
+              <a:buFontTx/>
+              <a:buNone/>
+              <a:tabLst/>
+              <a:defRPr/>
+            </a:pPr>
+            <a:r>
+              <a:rPr lang="en-US" dirty="0"/>
+              <a:t>This quote came from a graduate</a:t>
+            </a:r>
+            <a:r>
+              <a:rPr lang="en-US" baseline="0" dirty="0"/>
+              <a:t> student </a:t>
+            </a:r>
+            <a:r>
+              <a:rPr lang="en-US" dirty="0"/>
+              <a:t>who attended this class at UMass. He had already accepted at offer</a:t>
+            </a:r>
+            <a:r>
+              <a:rPr lang="en-US" baseline="0" dirty="0"/>
+              <a:t> to go to work for </a:t>
+            </a:r>
+            <a:r>
+              <a:rPr lang="en-US" dirty="0"/>
+              <a:t>Microsoft post-graduation. </a:t>
+            </a:r>
+            <a:r>
+              <a:rPr lang="en-US" dirty="0">
+                <a:sym typeface="Wingdings" panose="05000000000000000000" pitchFamily="2" charset="2"/>
+              </a:rPr>
+              <a:t></a:t>
             </a:r>
             <a:endParaRPr lang="en-US" dirty="0"/>
           </a:p>
@@ -1700,7 +1927,7 @@
     </p:spTree>
     <p:extLst>
       <p:ext uri="{BB962C8B-B14F-4D97-AF65-F5344CB8AC3E}">
-        <p14:creationId xmlns:p14="http://schemas.microsoft.com/office/powerpoint/2010/main" val="3764833112"/>
+        <p14:creationId xmlns:p14="http://schemas.microsoft.com/office/powerpoint/2010/main" val="438268556"/>
       </p:ext>
     </p:extLst>
   </p:cSld>
@@ -1755,12 +1982,12 @@
           <a:lstStyle/>
           <a:p>
             <a:r>
-              <a:rPr lang="en-US" dirty="0" smtClean="0"/>
-              <a:t>ML starts with data, which can come from a variety of sources. The data typically needs to be "cleaned" before</a:t>
-            </a:r>
-            <a:r>
-              <a:rPr lang="en-US" baseline="0" dirty="0" smtClean="0"/>
-              <a:t> it is used, and ML Studio includes modules to help with the cleaning. (Examples of cleaning include removing rows with missing data, replacing missing data algorithmically, removing duplicate rows, and removing rows containing "outliers." In practice, cleaning the data can be very time-intensive and often consumes 50% of the time required to build the model.) Once the data is ready, you select an algorithm and "train" the model by allowing it to iterate over the data and find patterns in it. After that comes scoring and evaluating the model, which tells you how well the model is able to predict outcomes. All of this is performed visually in ML Studio. Once the model is ready, a few button clicks deploy it as a Web service so it can be called from client apps.</a:t>
+              <a:rPr lang="en-US" dirty="0"/>
+              <a:t>ML Studio simplifies machine learning by providing a drag-and-drop model in</a:t>
+            </a:r>
+            <a:r>
+              <a:rPr lang="en-US" baseline="0" dirty="0"/>
+              <a:t> which you build workflow. With ML Studio and the rich of assortment of modules it offers for modeling workflow, you can often build sophisticated models without writing a single line of code. However, it allows you to insert R and Python code anywhere in the workflow, providing infinite flexibility in what you can model.</a:t>
             </a:r>
             <a:endParaRPr lang="en-US" dirty="0"/>
           </a:p>
@@ -1792,7 +2019,7 @@
     </p:spTree>
     <p:extLst>
       <p:ext uri="{BB962C8B-B14F-4D97-AF65-F5344CB8AC3E}">
-        <p14:creationId xmlns:p14="http://schemas.microsoft.com/office/powerpoint/2010/main" val="393542212"/>
+        <p14:creationId xmlns:p14="http://schemas.microsoft.com/office/powerpoint/2010/main" val="3764833112"/>
       </p:ext>
     </p:extLst>
   </p:cSld>
@@ -1847,157 +2074,14 @@
           <a:lstStyle/>
           <a:p>
             <a:r>
-              <a:rPr lang="en-US" sz="1200" kern="1200" dirty="0" smtClean="0">
-                <a:solidFill>
-                  <a:schemeClr val="tx1"/>
-                </a:solidFill>
-                <a:effectLst/>
-                <a:latin typeface="+mn-lt"/>
-                <a:ea typeface="+mn-ea"/>
-                <a:cs typeface="+mn-cs"/>
-              </a:rPr>
-              <a:t>ML Studio provides canned implementations of 25 of </a:t>
-            </a:r>
-            <a:r>
-              <a:rPr lang="en-US" sz="1200" kern="1200" baseline="0" dirty="0" smtClean="0">
-                <a:solidFill>
-                  <a:schemeClr val="tx1"/>
-                </a:solidFill>
-                <a:effectLst/>
-                <a:latin typeface="+mn-lt"/>
-                <a:ea typeface="+mn-ea"/>
-                <a:cs typeface="+mn-cs"/>
-              </a:rPr>
-              <a:t>the classic algorithms used in machine learning.  It divides them into four categories.</a:t>
-            </a:r>
-          </a:p>
-          <a:p>
-            <a:endParaRPr lang="en-US" sz="1200" kern="1200" dirty="0" smtClean="0">
-              <a:solidFill>
-                <a:schemeClr val="tx1"/>
-              </a:solidFill>
-              <a:effectLst/>
-              <a:latin typeface="+mn-lt"/>
-              <a:ea typeface="+mn-ea"/>
-              <a:cs typeface="+mn-cs"/>
-            </a:endParaRPr>
-          </a:p>
-          <a:p>
-            <a:r>
-              <a:rPr lang="en-US" sz="1200" kern="1200" dirty="0" smtClean="0">
-                <a:solidFill>
-                  <a:schemeClr val="tx1"/>
-                </a:solidFill>
-                <a:effectLst/>
-                <a:latin typeface="+mn-lt"/>
-                <a:ea typeface="+mn-ea"/>
-                <a:cs typeface="+mn-cs"/>
-              </a:rPr>
-              <a:t>Anomaly detection is the identification of items, events, or observations which do not conform to an expected pattern or other items in a dataset. A classic example is examining a dataset representing banking transactions and detecting potentially fraudulent transactions in that group.</a:t>
-            </a:r>
-          </a:p>
-          <a:p>
-            <a:endParaRPr lang="en-US" sz="1200" kern="1200" dirty="0" smtClean="0">
-              <a:solidFill>
-                <a:schemeClr val="tx1"/>
-              </a:solidFill>
-              <a:effectLst/>
-              <a:latin typeface="+mn-lt"/>
-              <a:ea typeface="+mn-ea"/>
-              <a:cs typeface="+mn-cs"/>
-            </a:endParaRPr>
-          </a:p>
-          <a:p>
-            <a:r>
-              <a:rPr lang="en-US" sz="1200" kern="1200" dirty="0" smtClean="0">
-                <a:solidFill>
-                  <a:schemeClr val="tx1"/>
-                </a:solidFill>
-                <a:effectLst/>
-                <a:latin typeface="+mn-lt"/>
-                <a:ea typeface="+mn-ea"/>
-                <a:cs typeface="+mn-cs"/>
-              </a:rPr>
-              <a:t>Regression algorithms seek to establish and quantify relationships between variables. By establishing a relationship between a dependent variable and one or more independent variables, regression analysis can enable the value of a dependent variable to be predicted given a set of inputs with a quantifiable accuracy. A great example can be seen at </a:t>
-            </a:r>
-            <a:r>
-              <a:rPr lang="en-US" sz="1200" u="sng" kern="1200" dirty="0" smtClean="0">
-                <a:solidFill>
-                  <a:schemeClr val="tx1"/>
-                </a:solidFill>
-                <a:effectLst/>
-                <a:latin typeface="+mn-lt"/>
-                <a:ea typeface="+mn-ea"/>
-                <a:cs typeface="+mn-cs"/>
-                <a:hlinkClick r:id="rId3"/>
-              </a:rPr>
-              <a:t>https://how-old.net/#</a:t>
-            </a:r>
-            <a:r>
-              <a:rPr lang="en-US" sz="1200" kern="1200" dirty="0" smtClean="0">
-                <a:solidFill>
-                  <a:schemeClr val="tx1"/>
-                </a:solidFill>
-                <a:effectLst/>
-                <a:latin typeface="+mn-lt"/>
-                <a:ea typeface="+mn-ea"/>
-                <a:cs typeface="+mn-cs"/>
-              </a:rPr>
-              <a:t>, a site that lets you upload a photo and then guesses your age with uncanny accuracy. The site uses Azure Machine Learning and combines classic regression with advanced image recognition.</a:t>
-            </a:r>
-          </a:p>
-          <a:p>
-            <a:endParaRPr lang="en-US" sz="1200" kern="1200" dirty="0" smtClean="0">
-              <a:solidFill>
-                <a:schemeClr val="tx1"/>
-              </a:solidFill>
-              <a:effectLst/>
-              <a:latin typeface="+mn-lt"/>
-              <a:ea typeface="+mn-ea"/>
-              <a:cs typeface="+mn-cs"/>
-            </a:endParaRPr>
-          </a:p>
-          <a:p>
-            <a:r>
-              <a:rPr lang="en-US" sz="1200" kern="1200" dirty="0" smtClean="0">
-                <a:solidFill>
-                  <a:schemeClr val="tx1"/>
-                </a:solidFill>
-                <a:effectLst/>
-                <a:latin typeface="+mn-lt"/>
-                <a:ea typeface="+mn-ea"/>
-                <a:cs typeface="+mn-cs"/>
-              </a:rPr>
-              <a:t>The purpose of classification algorithms is to identify the category to which an observation belongs based on training data consisting of observations which have already been classified (assigned to a category). A great example is determining whether an e-mail belongs to the "spam" category or the "not-spam" category.</a:t>
-            </a:r>
-          </a:p>
-          <a:p>
-            <a:endParaRPr lang="en-US" sz="1200" kern="1200" dirty="0" smtClean="0">
-              <a:solidFill>
-                <a:schemeClr val="tx1"/>
-              </a:solidFill>
-              <a:effectLst/>
-              <a:latin typeface="+mn-lt"/>
-              <a:ea typeface="+mn-ea"/>
-              <a:cs typeface="+mn-cs"/>
-            </a:endParaRPr>
-          </a:p>
-          <a:p>
-            <a:r>
-              <a:rPr lang="en-US" sz="1200" kern="1200" dirty="0" smtClean="0">
-                <a:solidFill>
-                  <a:schemeClr val="tx1"/>
-                </a:solidFill>
-                <a:effectLst/>
-                <a:latin typeface="+mn-lt"/>
-                <a:ea typeface="+mn-ea"/>
-                <a:cs typeface="+mn-cs"/>
-              </a:rPr>
-              <a:t>Clustering seeks to group a set of objects in such a way that objects in the same group (called a cluster) are more similar to each other than to those in other groups (clusters).</a:t>
-            </a:r>
-          </a:p>
-          <a:p>
-            <a:endParaRPr lang="en-US" dirty="0" smtClean="0"/>
+              <a:rPr lang="en-US" dirty="0"/>
+              <a:t>ML starts with data, which can come from a variety of sources. The data typically needs to be "cleaned" before</a:t>
+            </a:r>
+            <a:r>
+              <a:rPr lang="en-US" baseline="0" dirty="0"/>
+              <a:t> it is used, and ML Studio includes modules to help with the cleaning. (Examples of cleaning include removing rows with missing data, replacing missing data algorithmically, removing duplicate rows, and removing rows containing "outliers." In practice, cleaning the data can be very time-intensive and often consumes 50% of the time required to build the model.) Once the data is ready, you select an algorithm and "train" the model by allowing it to iterate over the data and find patterns in it. After that comes scoring and evaluating the model, which tells you how well the model is able to predict outcomes. All of this is performed visually in ML Studio. Once the model is ready, a few button clicks deploy it as a Web service so it can be called from client apps.</a:t>
+            </a:r>
+            <a:endParaRPr lang="en-US" dirty="0"/>
           </a:p>
         </p:txBody>
       </p:sp>
@@ -2027,7 +2111,7 @@
     </p:spTree>
     <p:extLst>
       <p:ext uri="{BB962C8B-B14F-4D97-AF65-F5344CB8AC3E}">
-        <p14:creationId xmlns:p14="http://schemas.microsoft.com/office/powerpoint/2010/main" val="2218694453"/>
+        <p14:creationId xmlns:p14="http://schemas.microsoft.com/office/powerpoint/2010/main" val="393542212"/>
       </p:ext>
     </p:extLst>
   </p:cSld>
@@ -2184,7 +2268,7 @@
           <a:p>
             <a:fld id="{0459C166-16D3-4A25-A2F8-C51E0E346B22}" type="datetimeFigureOut">
               <a:rPr lang="en-US" smtClean="0"/>
-              <a:t>10/1/2016</a:t>
+              <a:t>2017-05-16</a:t>
             </a:fld>
             <a:endParaRPr lang="en-US"/>
           </a:p>
@@ -2279,7 +2363,7 @@
           <a:p>
             <a:fld id="{0459C166-16D3-4A25-A2F8-C51E0E346B22}" type="datetimeFigureOut">
               <a:rPr lang="en-US" smtClean="0"/>
-              <a:t>10/1/2016</a:t>
+              <a:t>2017-05-16</a:t>
             </a:fld>
             <a:endParaRPr lang="en-US"/>
           </a:p>
@@ -2554,7 +2638,7 @@
           <a:p>
             <a:fld id="{0459C166-16D3-4A25-A2F8-C51E0E346B22}" type="datetimeFigureOut">
               <a:rPr lang="en-US" smtClean="0"/>
-              <a:t>10/1/2016</a:t>
+              <a:t>2017-05-16</a:t>
             </a:fld>
             <a:endParaRPr lang="en-US"/>
           </a:p>
@@ -2806,7 +2890,7 @@
           <a:p>
             <a:fld id="{0459C166-16D3-4A25-A2F8-C51E0E346B22}" type="datetimeFigureOut">
               <a:rPr lang="en-US" smtClean="0"/>
-              <a:t>10/1/2016</a:t>
+              <a:t>2017-05-16</a:t>
             </a:fld>
             <a:endParaRPr lang="en-US"/>
           </a:p>
@@ -2974,7 +3058,7 @@
           <a:p>
             <a:fld id="{0459C166-16D3-4A25-A2F8-C51E0E346B22}" type="datetimeFigureOut">
               <a:rPr lang="en-US" smtClean="0"/>
-              <a:t>10/1/2016</a:t>
+              <a:t>2017-05-16</a:t>
             </a:fld>
             <a:endParaRPr lang="en-US"/>
           </a:p>
@@ -3152,7 +3236,7 @@
           <a:p>
             <a:fld id="{0459C166-16D3-4A25-A2F8-C51E0E346B22}" type="datetimeFigureOut">
               <a:rPr lang="en-US" smtClean="0"/>
-              <a:t>10/1/2016</a:t>
+              <a:t>2017-05-16</a:t>
             </a:fld>
             <a:endParaRPr lang="en-US"/>
           </a:p>
@@ -3281,10 +3365,9 @@
           </a:lstStyle>
           <a:p>
             <a:r>
-              <a:rPr lang="en-US" dirty="0" smtClean="0"/>
+              <a:rPr lang="en-US" dirty="0"/>
               <a:t>Title Here</a:t>
             </a:r>
-            <a:endParaRPr lang="en-US" dirty="0"/>
           </a:p>
         </p:txBody>
       </p:sp>
@@ -3343,21 +3426,21 @@
           <a:p>
             <a:pPr lvl="0"/>
             <a:r>
-              <a:rPr lang="en-US" dirty="0" smtClean="0"/>
+              <a:rPr lang="en-US" dirty="0"/>
               <a:t>Name</a:t>
             </a:r>
           </a:p>
           <a:p>
             <a:pPr lvl="0"/>
             <a:r>
-              <a:rPr lang="en-US" dirty="0" smtClean="0"/>
+              <a:rPr lang="en-US" dirty="0"/>
               <a:t>Title</a:t>
             </a:r>
           </a:p>
           <a:p>
             <a:pPr lvl="0"/>
             <a:r>
-              <a:rPr lang="en-US" dirty="0" smtClean="0"/>
+              <a:rPr lang="en-US" dirty="0"/>
               <a:t>Microsoft Corporation</a:t>
             </a:r>
           </a:p>
@@ -3406,13 +3489,6 @@
   <p:transition>
     <p:fade/>
   </p:transition>
-  <p:timing>
-    <p:tnLst>
-      <p:par>
-        <p:cTn id="1" dur="indefinite" restart="never" nodeType="tmRoot"/>
-      </p:par>
-    </p:tnLst>
-  </p:timing>
 </p:sldLayout>
 </file>
 
@@ -3449,7 +3525,7 @@
           <a:lstStyle/>
           <a:p>
             <a:r>
-              <a:rPr lang="en-US" smtClean="0"/>
+              <a:rPr lang="en-US"/>
               <a:t>Click to edit Master title style</a:t>
             </a:r>
             <a:endParaRPr lang="en-US" dirty="0"/>
@@ -3483,35 +3559,35 @@
           <a:p>
             <a:pPr lvl="0"/>
             <a:r>
-              <a:rPr lang="en-US" smtClean="0"/>
+              <a:rPr lang="en-US"/>
               <a:t>Click to edit Master text styles</a:t>
             </a:r>
           </a:p>
           <a:p>
             <a:pPr lvl="1"/>
             <a:r>
-              <a:rPr lang="en-US" smtClean="0"/>
+              <a:rPr lang="en-US"/>
               <a:t>Second level</a:t>
             </a:r>
           </a:p>
           <a:p>
             <a:pPr lvl="2"/>
             <a:r>
-              <a:rPr lang="en-US" smtClean="0"/>
+              <a:rPr lang="en-US"/>
               <a:t>Third level</a:t>
             </a:r>
           </a:p>
           <a:p>
             <a:pPr lvl="3"/>
             <a:r>
-              <a:rPr lang="en-US" smtClean="0"/>
+              <a:rPr lang="en-US"/>
               <a:t>Fourth level</a:t>
             </a:r>
           </a:p>
           <a:p>
             <a:pPr lvl="4"/>
             <a:r>
-              <a:rPr lang="en-US" smtClean="0"/>
+              <a:rPr lang="en-US"/>
               <a:t>Fifth level</a:t>
             </a:r>
             <a:endParaRPr lang="en-US" dirty="0"/>
@@ -3640,7 +3716,7 @@
           </a:lstStyle>
           <a:p>
             <a:r>
-              <a:rPr lang="en-US" smtClean="0"/>
+              <a:rPr lang="en-US"/>
               <a:t>Click to edit Master title style</a:t>
             </a:r>
             <a:endParaRPr lang="en-US" dirty="0"/>
@@ -3810,7 +3886,7 @@
               <a:buChar char="•"/>
             </a:pPr>
             <a:r>
-              <a:rPr lang="en-US" smtClean="0"/>
+              <a:rPr lang="en-US"/>
               <a:t>Click to edit Master text styles</a:t>
             </a:r>
           </a:p>
@@ -3827,7 +3903,7 @@
               <a:buChar char="•"/>
             </a:pPr>
             <a:r>
-              <a:rPr lang="en-US" smtClean="0"/>
+              <a:rPr lang="en-US"/>
               <a:t>Second level</a:t>
             </a:r>
           </a:p>
@@ -3844,7 +3920,7 @@
               <a:buChar char="•"/>
             </a:pPr>
             <a:r>
-              <a:rPr lang="en-US" smtClean="0"/>
+              <a:rPr lang="en-US"/>
               <a:t>Third level</a:t>
             </a:r>
           </a:p>
@@ -3861,7 +3937,7 @@
               <a:buChar char="•"/>
             </a:pPr>
             <a:r>
-              <a:rPr lang="en-US" smtClean="0"/>
+              <a:rPr lang="en-US"/>
               <a:t>Fourth level</a:t>
             </a:r>
           </a:p>
@@ -3878,10 +3954,10 @@
               <a:buChar char="•"/>
             </a:pPr>
             <a:r>
-              <a:rPr lang="en-US" smtClean="0"/>
+              <a:rPr lang="en-US"/>
               <a:t>Fifth level</a:t>
             </a:r>
-            <a:endParaRPr lang="en-US" dirty="0" smtClean="0"/>
+            <a:endParaRPr lang="en-US" dirty="0"/>
           </a:p>
         </p:txBody>
       </p:sp>
@@ -3980,7 +4056,7 @@
           </a:lstStyle>
           <a:p>
             <a:r>
-              <a:rPr lang="en-US" smtClean="0"/>
+              <a:rPr lang="en-US"/>
               <a:t>Click to edit Master title style</a:t>
             </a:r>
             <a:endParaRPr lang="en-US" dirty="0"/>
@@ -4067,35 +4143,35 @@
           <a:p>
             <a:pPr lvl="0"/>
             <a:r>
-              <a:rPr lang="en-US" smtClean="0"/>
+              <a:rPr lang="en-US"/>
               <a:t>Click to edit Master text styles</a:t>
             </a:r>
           </a:p>
           <a:p>
             <a:pPr lvl="1"/>
             <a:r>
-              <a:rPr lang="en-US" smtClean="0"/>
+              <a:rPr lang="en-US"/>
               <a:t>Second level</a:t>
             </a:r>
           </a:p>
           <a:p>
             <a:pPr lvl="2"/>
             <a:r>
-              <a:rPr lang="en-US" smtClean="0"/>
+              <a:rPr lang="en-US"/>
               <a:t>Third level</a:t>
             </a:r>
           </a:p>
           <a:p>
             <a:pPr lvl="3"/>
             <a:r>
-              <a:rPr lang="en-US" smtClean="0"/>
+              <a:rPr lang="en-US"/>
               <a:t>Fourth level</a:t>
             </a:r>
           </a:p>
           <a:p>
             <a:pPr lvl="4"/>
             <a:r>
-              <a:rPr lang="en-US" smtClean="0"/>
+              <a:rPr lang="en-US"/>
               <a:t>Fifth level</a:t>
             </a:r>
             <a:endParaRPr lang="en-US" dirty="0"/>
@@ -4267,7 +4343,7 @@
               <a:buChar char="•"/>
             </a:pPr>
             <a:r>
-              <a:rPr lang="en-US" smtClean="0"/>
+              <a:rPr lang="en-US"/>
               <a:t>Click to edit Master text styles</a:t>
             </a:r>
           </a:p>
@@ -4284,7 +4360,7 @@
               <a:buChar char="•"/>
             </a:pPr>
             <a:r>
-              <a:rPr lang="en-US" smtClean="0"/>
+              <a:rPr lang="en-US"/>
               <a:t>Second level</a:t>
             </a:r>
           </a:p>
@@ -4301,7 +4377,7 @@
               <a:buChar char="•"/>
             </a:pPr>
             <a:r>
-              <a:rPr lang="en-US" smtClean="0"/>
+              <a:rPr lang="en-US"/>
               <a:t>Third level</a:t>
             </a:r>
           </a:p>
@@ -4318,7 +4394,7 @@
               <a:buChar char="•"/>
             </a:pPr>
             <a:r>
-              <a:rPr lang="en-US" smtClean="0"/>
+              <a:rPr lang="en-US"/>
               <a:t>Fourth level</a:t>
             </a:r>
           </a:p>
@@ -4335,7 +4411,7 @@
               <a:buChar char="•"/>
             </a:pPr>
             <a:r>
-              <a:rPr lang="en-US" smtClean="0"/>
+              <a:rPr lang="en-US"/>
               <a:t>Fifth level</a:t>
             </a:r>
             <a:endParaRPr lang="en-US" dirty="0"/>
@@ -4392,13 +4468,6 @@
   <p:transition>
     <p:fade/>
   </p:transition>
-  <p:timing>
-    <p:tnLst>
-      <p:par>
-        <p:cTn id="1" dur="indefinite" restart="never" nodeType="tmRoot"/>
-      </p:par>
-    </p:tnLst>
-  </p:timing>
 </p:sldLayout>
 </file>
 
@@ -4444,7 +4513,7 @@
           </a:lstStyle>
           <a:p>
             <a:r>
-              <a:rPr lang="en-US" smtClean="0"/>
+              <a:rPr lang="en-US"/>
               <a:t>Click to edit Master title style</a:t>
             </a:r>
             <a:endParaRPr lang="en-US" dirty="0"/>
@@ -4518,7 +4587,7 @@
           <a:p>
             <a:pPr lvl="0"/>
             <a:r>
-              <a:rPr lang="en-US" smtClean="0"/>
+              <a:rPr lang="en-US"/>
               <a:t>Click to edit Master text styles</a:t>
             </a:r>
           </a:p>
@@ -4589,35 +4658,35 @@
           <a:p>
             <a:pPr lvl="0"/>
             <a:r>
-              <a:rPr lang="en-US" smtClean="0"/>
+              <a:rPr lang="en-US"/>
               <a:t>Click to edit Master text styles</a:t>
             </a:r>
           </a:p>
           <a:p>
             <a:pPr lvl="1"/>
             <a:r>
-              <a:rPr lang="en-US" smtClean="0"/>
+              <a:rPr lang="en-US"/>
               <a:t>Second level</a:t>
             </a:r>
           </a:p>
           <a:p>
             <a:pPr lvl="2"/>
             <a:r>
-              <a:rPr lang="en-US" smtClean="0"/>
+              <a:rPr lang="en-US"/>
               <a:t>Third level</a:t>
             </a:r>
           </a:p>
           <a:p>
             <a:pPr lvl="3"/>
             <a:r>
-              <a:rPr lang="en-US" smtClean="0"/>
+              <a:rPr lang="en-US"/>
               <a:t>Fourth level</a:t>
             </a:r>
           </a:p>
           <a:p>
             <a:pPr lvl="4"/>
             <a:r>
-              <a:rPr lang="en-US" smtClean="0"/>
+              <a:rPr lang="en-US"/>
               <a:t>Fifth level</a:t>
             </a:r>
             <a:endParaRPr lang="en-US" dirty="0"/>
@@ -4691,7 +4760,7 @@
           <a:p>
             <a:pPr lvl="0"/>
             <a:r>
-              <a:rPr lang="en-US" smtClean="0"/>
+              <a:rPr lang="en-US"/>
               <a:t>Click to edit Master text styles</a:t>
             </a:r>
           </a:p>
@@ -4845,7 +4914,7 @@
               <a:buSzPct val="80000"/>
             </a:pPr>
             <a:r>
-              <a:rPr lang="en-US" smtClean="0"/>
+              <a:rPr lang="en-US"/>
               <a:t>Click to edit Master text styles</a:t>
             </a:r>
           </a:p>
@@ -4860,7 +4929,7 @@
               <a:buSzPct val="80000"/>
             </a:pPr>
             <a:r>
-              <a:rPr lang="en-US" smtClean="0"/>
+              <a:rPr lang="en-US"/>
               <a:t>Second level</a:t>
             </a:r>
           </a:p>
@@ -4875,7 +4944,7 @@
               <a:buSzPct val="80000"/>
             </a:pPr>
             <a:r>
-              <a:rPr lang="en-US" smtClean="0"/>
+              <a:rPr lang="en-US"/>
               <a:t>Third level</a:t>
             </a:r>
           </a:p>
@@ -4890,7 +4959,7 @@
               <a:buSzPct val="80000"/>
             </a:pPr>
             <a:r>
-              <a:rPr lang="en-US" smtClean="0"/>
+              <a:rPr lang="en-US"/>
               <a:t>Fourth level</a:t>
             </a:r>
           </a:p>
@@ -4905,7 +4974,7 @@
               <a:buSzPct val="80000"/>
             </a:pPr>
             <a:r>
-              <a:rPr lang="en-US" smtClean="0"/>
+              <a:rPr lang="en-US"/>
               <a:t>Fifth level</a:t>
             </a:r>
             <a:endParaRPr lang="en-US" dirty="0"/>
@@ -4962,13 +5031,6 @@
   <p:transition>
     <p:fade/>
   </p:transition>
-  <p:timing>
-    <p:tnLst>
-      <p:par>
-        <p:cTn id="1" dur="indefinite" restart="never" nodeType="tmRoot"/>
-      </p:par>
-    </p:tnLst>
-  </p:timing>
 </p:sldLayout>
 </file>
 
@@ -5079,7 +5141,7 @@
           <a:p>
             <a:fld id="{0459C166-16D3-4A25-A2F8-C51E0E346B22}" type="datetimeFigureOut">
               <a:rPr lang="en-US" smtClean="0"/>
-              <a:t>10/1/2016</a:t>
+              <a:t>2017-05-16</a:t>
             </a:fld>
             <a:endParaRPr lang="en-US"/>
           </a:p>
@@ -5182,7 +5244,7 @@
           </a:lstStyle>
           <a:p>
             <a:r>
-              <a:rPr lang="en-US" smtClean="0"/>
+              <a:rPr lang="en-US"/>
               <a:t>Click to edit Master title style</a:t>
             </a:r>
             <a:endParaRPr lang="en-US" dirty="0"/>
@@ -5239,13 +5301,6 @@
   <p:transition>
     <p:fade/>
   </p:transition>
-  <p:timing>
-    <p:tnLst>
-      <p:par>
-        <p:cTn id="1" dur="indefinite" restart="never" nodeType="tmRoot"/>
-      </p:par>
-    </p:tnLst>
-  </p:timing>
 </p:sldLayout>
 </file>
 
@@ -5316,13 +5371,6 @@
   <p:transition>
     <p:fade/>
   </p:transition>
-  <p:timing>
-    <p:tnLst>
-      <p:par>
-        <p:cTn id="1" dur="indefinite" restart="never" nodeType="tmRoot"/>
-      </p:par>
-    </p:tnLst>
-  </p:timing>
 </p:sldLayout>
 </file>
 
@@ -5356,13 +5404,6 @@
   <p:transition>
     <p:fade/>
   </p:transition>
-  <p:timing>
-    <p:tnLst>
-      <p:par>
-        <p:cTn id="1" dur="indefinite" restart="never" nodeType="tmRoot"/>
-      </p:par>
-    </p:tnLst>
-  </p:timing>
 </p:sldLayout>
 </file>
 
@@ -5510,7 +5551,7 @@
           </a:lstStyle>
           <a:p>
             <a:r>
-              <a:rPr lang="en-US" smtClean="0"/>
+              <a:rPr lang="en-US"/>
               <a:t>Click to edit Master title style</a:t>
             </a:r>
             <a:endParaRPr lang="en-US" dirty="0"/>
@@ -5591,7 +5632,7 @@
               <a:buSzPct val="80000"/>
             </a:pPr>
             <a:r>
-              <a:rPr lang="en-US" smtClean="0"/>
+              <a:rPr lang="en-US"/>
               <a:t>Click to edit Master text styles</a:t>
             </a:r>
           </a:p>
@@ -5609,7 +5650,7 @@
               <a:buSzPct val="80000"/>
             </a:pPr>
             <a:r>
-              <a:rPr lang="en-US" smtClean="0"/>
+              <a:rPr lang="en-US"/>
               <a:t>Second level</a:t>
             </a:r>
           </a:p>
@@ -6023,7 +6064,7 @@
           </a:lstStyle>
           <a:p>
             <a:r>
-              <a:rPr lang="en-US" smtClean="0"/>
+              <a:rPr lang="en-US"/>
               <a:t>Click to edit Master title style</a:t>
             </a:r>
             <a:endParaRPr lang="en-US" dirty="0"/>
@@ -6155,7 +6196,7 @@
           </a:lstStyle>
           <a:p>
             <a:r>
-              <a:rPr lang="en-US" smtClean="0"/>
+              <a:rPr lang="en-US"/>
               <a:t>Click to edit Master subtitle style</a:t>
             </a:r>
             <a:endParaRPr lang="en-US" dirty="0"/>
@@ -6216,7 +6257,7 @@
           <a:p>
             <a:pPr lvl="0"/>
             <a:r>
-              <a:rPr lang="en-US" dirty="0" smtClean="0"/>
+              <a:rPr lang="en-US" dirty="0"/>
               <a:t>click to…</a:t>
             </a:r>
           </a:p>
@@ -6578,13 +6619,6 @@
   <p:transition>
     <p:fade/>
   </p:transition>
-  <p:timing>
-    <p:tnLst>
-      <p:par>
-        <p:cTn id="1" dur="indefinite" restart="never" nodeType="tmRoot"/>
-      </p:par>
-    </p:tnLst>
-  </p:timing>
 </p:sldLayout>
 </file>
 
@@ -6651,7 +6685,7 @@
           </a:lstStyle>
           <a:p>
             <a:r>
-              <a:rPr lang="en-US" smtClean="0"/>
+              <a:rPr lang="en-US"/>
               <a:t>Click to edit Master title style</a:t>
             </a:r>
             <a:endParaRPr lang="en-US" dirty="0"/>
@@ -6783,7 +6817,7 @@
           </a:lstStyle>
           <a:p>
             <a:r>
-              <a:rPr lang="en-US" smtClean="0"/>
+              <a:rPr lang="en-US"/>
               <a:t>Click to edit Master subtitle style</a:t>
             </a:r>
             <a:endParaRPr lang="en-US" dirty="0"/>
@@ -6844,7 +6878,7 @@
           <a:p>
             <a:pPr lvl="0"/>
             <a:r>
-              <a:rPr lang="en-US" dirty="0" smtClean="0"/>
+              <a:rPr lang="en-US" dirty="0"/>
               <a:t>click to…</a:t>
             </a:r>
           </a:p>
@@ -7171,13 +7205,6 @@
   <p:transition>
     <p:fade/>
   </p:transition>
-  <p:timing>
-    <p:tnLst>
-      <p:par>
-        <p:cTn id="1" dur="indefinite" restart="never" nodeType="tmRoot"/>
-      </p:par>
-    </p:tnLst>
-  </p:timing>
 </p:sldLayout>
 </file>
 
@@ -7244,7 +7271,7 @@
           </a:lstStyle>
           <a:p>
             <a:r>
-              <a:rPr lang="en-US" smtClean="0"/>
+              <a:rPr lang="en-US"/>
               <a:t>Click to edit Master title style</a:t>
             </a:r>
             <a:endParaRPr lang="en-US" dirty="0"/>
@@ -7376,7 +7403,7 @@
           </a:lstStyle>
           <a:p>
             <a:r>
-              <a:rPr lang="en-US" smtClean="0"/>
+              <a:rPr lang="en-US"/>
               <a:t>Click to edit Master subtitle style</a:t>
             </a:r>
             <a:endParaRPr lang="en-US" dirty="0"/>
@@ -7437,7 +7464,7 @@
           <a:p>
             <a:pPr lvl="0"/>
             <a:r>
-              <a:rPr lang="en-US" dirty="0" smtClean="0"/>
+              <a:rPr lang="en-US" dirty="0"/>
               <a:t>click to…</a:t>
             </a:r>
           </a:p>
@@ -8779,13 +8806,6 @@
   <p:transition>
     <p:fade/>
   </p:transition>
-  <p:timing>
-    <p:tnLst>
-      <p:par>
-        <p:cTn id="1" dur="indefinite" restart="never" nodeType="tmRoot"/>
-      </p:par>
-    </p:tnLst>
-  </p:timing>
 </p:sldLayout>
 </file>
 
@@ -8852,7 +8872,7 @@
           </a:lstStyle>
           <a:p>
             <a:r>
-              <a:rPr lang="en-US" smtClean="0"/>
+              <a:rPr lang="en-US"/>
               <a:t>Click to edit Master title style</a:t>
             </a:r>
             <a:endParaRPr lang="en-US" dirty="0"/>
@@ -8984,7 +9004,7 @@
           </a:lstStyle>
           <a:p>
             <a:r>
-              <a:rPr lang="en-US" smtClean="0"/>
+              <a:rPr lang="en-US"/>
               <a:t>Click to edit Master subtitle style</a:t>
             </a:r>
             <a:endParaRPr lang="en-US" dirty="0"/>
@@ -9041,7 +9061,7 @@
           <a:p>
             <a:pPr lvl="0"/>
             <a:r>
-              <a:rPr lang="en-US" dirty="0" smtClean="0"/>
+              <a:rPr lang="en-US" dirty="0"/>
               <a:t>click to…</a:t>
             </a:r>
           </a:p>
@@ -9415,13 +9435,6 @@
   <p:transition>
     <p:fade/>
   </p:transition>
-  <p:timing>
-    <p:tnLst>
-      <p:par>
-        <p:cTn id="1" dur="indefinite" restart="never" nodeType="tmRoot"/>
-      </p:par>
-    </p:tnLst>
-  </p:timing>
 </p:sldLayout>
 </file>
 
@@ -9488,7 +9501,7 @@
           </a:lstStyle>
           <a:p>
             <a:r>
-              <a:rPr lang="en-US" smtClean="0"/>
+              <a:rPr lang="en-US"/>
               <a:t>Click to edit Master title style</a:t>
             </a:r>
             <a:endParaRPr lang="en-US" dirty="0"/>
@@ -9620,7 +9633,7 @@
           </a:lstStyle>
           <a:p>
             <a:r>
-              <a:rPr lang="en-US" smtClean="0"/>
+              <a:rPr lang="en-US"/>
               <a:t>Click to edit Master subtitle style</a:t>
             </a:r>
             <a:endParaRPr lang="en-US" dirty="0"/>
@@ -9681,7 +9694,7 @@
           <a:p>
             <a:pPr lvl="0"/>
             <a:r>
-              <a:rPr lang="en-US" dirty="0" smtClean="0"/>
+              <a:rPr lang="en-US" dirty="0"/>
               <a:t>click to…</a:t>
             </a:r>
           </a:p>
@@ -10347,13 +10360,6 @@
   <p:transition>
     <p:fade/>
   </p:transition>
-  <p:timing>
-    <p:tnLst>
-      <p:par>
-        <p:cTn id="1" dur="indefinite" restart="never" nodeType="tmRoot"/>
-      </p:par>
-    </p:tnLst>
-  </p:timing>
 </p:sldLayout>
 </file>
 
@@ -10442,7 +10448,7 @@
           <a:p>
             <a:pPr lvl="0"/>
             <a:r>
-              <a:rPr lang="en-US" smtClean="0"/>
+              <a:rPr lang="en-US"/>
               <a:t>Click to edit Master text styles</a:t>
             </a:r>
           </a:p>
@@ -10491,13 +10497,6 @@
   <p:transition>
     <p:fade/>
   </p:transition>
-  <p:timing>
-    <p:tnLst>
-      <p:par>
-        <p:cTn id="1" dur="indefinite" restart="never" nodeType="tmRoot"/>
-      </p:par>
-    </p:tnLst>
-  </p:timing>
 </p:sldLayout>
 </file>
 
@@ -10706,7 +10705,7 @@
             <a:fld id="{0459C166-16D3-4A25-A2F8-C51E0E346B22}" type="datetimeFigureOut">
               <a:rPr lang="en-US" smtClean="0"/>
               <a:pPr/>
-              <a:t>10/1/2016</a:t>
+              <a:t>2017-05-16</a:t>
             </a:fld>
             <a:endParaRPr lang="en-US"/>
           </a:p>
@@ -12326,27 +12325,10 @@
                 </a:gradFill>
                 <a:cs typeface="Segoe UI" pitchFamily="34" charset="0"/>
               </a:rPr>
-              <a:t>© </a:t>
-            </a:r>
-            <a:r>
-              <a:rPr lang="en-US" sz="700" dirty="0" smtClean="0">
-                <a:gradFill>
-                  <a:gsLst>
-                    <a:gs pos="0">
-                      <a:srgbClr val="292929"/>
-                    </a:gs>
-                    <a:gs pos="100000">
-                      <a:srgbClr val="292929"/>
-                    </a:gs>
-                  </a:gsLst>
-                  <a:lin ang="5400000" scaled="0"/>
-                </a:gradFill>
-                <a:cs typeface="Segoe UI" pitchFamily="34" charset="0"/>
-              </a:rPr>
-              <a:t>201</a:t>
-            </a:r>
-            <a:r>
-              <a:rPr lang="en-US" altLang="zh-CN" sz="700" dirty="0" smtClean="0">
+              <a:t>© 201</a:t>
+            </a:r>
+            <a:r>
+              <a:rPr lang="en-US" altLang="zh-CN" sz="700" dirty="0">
                 <a:gradFill>
                   <a:gsLst>
                     <a:gs pos="0">
@@ -12363,23 +12345,6 @@
               <a:t>6</a:t>
             </a:r>
             <a:r>
-              <a:rPr lang="en-US" sz="700" dirty="0" smtClean="0">
-                <a:gradFill>
-                  <a:gsLst>
-                    <a:gs pos="0">
-                      <a:srgbClr val="292929"/>
-                    </a:gs>
-                    <a:gs pos="100000">
-                      <a:srgbClr val="292929"/>
-                    </a:gs>
-                  </a:gsLst>
-                  <a:lin ang="5400000" scaled="0"/>
-                </a:gradFill>
-                <a:cs typeface="Segoe UI" pitchFamily="34" charset="0"/>
-              </a:rPr>
-              <a:t> </a:t>
-            </a:r>
-            <a:r>
               <a:rPr lang="en-US" sz="700" dirty="0">
                 <a:gradFill>
                   <a:gsLst>
@@ -12394,7 +12359,7 @@
                 </a:gradFill>
                 <a:cs typeface="Segoe UI" pitchFamily="34" charset="0"/>
               </a:rPr>
-              <a:t>Microsoft Corporation. All rights reserved. Microsoft, Windows, Windows Vista and other product names are or may be registered trademarks and/or trademarks in the U.S. and/or other countries.</a:t>
+              <a:t> Microsoft Corporation. All rights reserved. Microsoft, Windows, Windows Vista and other product names are or may be registered trademarks and/or trademarks in the U.S. and/or other countries.</a:t>
             </a:r>
           </a:p>
           <a:p>
@@ -12432,13 +12397,6 @@
   <p:transition>
     <p:fade/>
   </p:transition>
-  <p:timing>
-    <p:tnLst>
-      <p:par>
-        <p:cTn id="1" dur="indefinite" restart="never" nodeType="tmRoot"/>
-      </p:par>
-    </p:tnLst>
-  </p:timing>
 </p:sldLayout>
 </file>
 
@@ -12499,7 +12457,7 @@
           </a:lstStyle>
           <a:p>
             <a:r>
-              <a:rPr lang="en-US" smtClean="0"/>
+              <a:rPr lang="en-US"/>
               <a:t>Click to edit Master title style</a:t>
             </a:r>
             <a:endParaRPr lang="en-US" dirty="0"/>
@@ -12644,35 +12602,35 @@
           <a:p>
             <a:pPr lvl="0"/>
             <a:r>
-              <a:rPr lang="en-US" smtClean="0"/>
+              <a:rPr lang="en-US"/>
               <a:t>Click to edit Master text styles</a:t>
             </a:r>
           </a:p>
           <a:p>
             <a:pPr lvl="1"/>
             <a:r>
-              <a:rPr lang="en-US" smtClean="0"/>
+              <a:rPr lang="en-US"/>
               <a:t>Second level</a:t>
             </a:r>
           </a:p>
           <a:p>
             <a:pPr lvl="2"/>
             <a:r>
-              <a:rPr lang="en-US" smtClean="0"/>
+              <a:rPr lang="en-US"/>
               <a:t>Third level</a:t>
             </a:r>
           </a:p>
           <a:p>
             <a:pPr lvl="3"/>
             <a:r>
-              <a:rPr lang="en-US" smtClean="0"/>
+              <a:rPr lang="en-US"/>
               <a:t>Fourth level</a:t>
             </a:r>
           </a:p>
           <a:p>
             <a:pPr lvl="4"/>
             <a:r>
-              <a:rPr lang="en-US" smtClean="0"/>
+              <a:rPr lang="en-US"/>
               <a:t>Fifth level</a:t>
             </a:r>
             <a:endParaRPr lang="en-US" dirty="0"/>
@@ -12692,13 +12650,6 @@
   <p:transition>
     <p:fade/>
   </p:transition>
-  <p:timing>
-    <p:tnLst>
-      <p:par>
-        <p:cTn id="1" dur="indefinite" restart="never" nodeType="tmRoot"/>
-      </p:par>
-    </p:tnLst>
-  </p:timing>
 </p:sldLayout>
 </file>
 
@@ -12759,7 +12710,7 @@
           </a:lstStyle>
           <a:p>
             <a:r>
-              <a:rPr lang="en-US" smtClean="0"/>
+              <a:rPr lang="en-US"/>
               <a:t>Click to edit Master title style</a:t>
             </a:r>
             <a:endParaRPr lang="en-US" dirty="0"/>
@@ -12904,35 +12855,35 @@
           <a:p>
             <a:pPr lvl="0"/>
             <a:r>
-              <a:rPr lang="en-US" smtClean="0"/>
+              <a:rPr lang="en-US"/>
               <a:t>Click to edit Master text styles</a:t>
             </a:r>
           </a:p>
           <a:p>
             <a:pPr lvl="1"/>
             <a:r>
-              <a:rPr lang="en-US" smtClean="0"/>
+              <a:rPr lang="en-US"/>
               <a:t>Second level</a:t>
             </a:r>
           </a:p>
           <a:p>
             <a:pPr lvl="2"/>
             <a:r>
-              <a:rPr lang="en-US" smtClean="0"/>
+              <a:rPr lang="en-US"/>
               <a:t>Third level</a:t>
             </a:r>
           </a:p>
           <a:p>
             <a:pPr lvl="3"/>
             <a:r>
-              <a:rPr lang="en-US" smtClean="0"/>
+              <a:rPr lang="en-US"/>
               <a:t>Fourth level</a:t>
             </a:r>
           </a:p>
           <a:p>
             <a:pPr lvl="4"/>
             <a:r>
-              <a:rPr lang="en-US" smtClean="0"/>
+              <a:rPr lang="en-US"/>
               <a:t>Fifth level</a:t>
             </a:r>
             <a:endParaRPr lang="en-US" dirty="0"/>
@@ -12986,7 +12937,7 @@
           <a:p>
             <a:pPr lvl="0"/>
             <a:r>
-              <a:rPr lang="en-US" smtClean="0"/>
+              <a:rPr lang="en-US"/>
               <a:t>Click to edit Master text styles</a:t>
             </a:r>
           </a:p>
@@ -13005,13 +12956,6 @@
   <p:transition>
     <p:fade/>
   </p:transition>
-  <p:timing>
-    <p:tnLst>
-      <p:par>
-        <p:cTn id="1" dur="indefinite" restart="never" nodeType="tmRoot"/>
-      </p:par>
-    </p:tnLst>
-  </p:timing>
 </p:sldLayout>
 </file>
 
@@ -13071,7 +13015,7 @@
           </a:lstStyle>
           <a:p>
             <a:r>
-              <a:rPr lang="en-US" smtClean="0"/>
+              <a:rPr lang="en-US"/>
               <a:t>Click to edit Master title style</a:t>
             </a:r>
             <a:endParaRPr lang="en-US" dirty="0"/>
@@ -13179,35 +13123,35 @@
           <a:p>
             <a:pPr lvl="0"/>
             <a:r>
-              <a:rPr lang="en-US" smtClean="0"/>
+              <a:rPr lang="en-US"/>
               <a:t>Click to edit Master text styles</a:t>
             </a:r>
           </a:p>
           <a:p>
             <a:pPr lvl="1"/>
             <a:r>
-              <a:rPr lang="en-US" smtClean="0"/>
+              <a:rPr lang="en-US"/>
               <a:t>Second level</a:t>
             </a:r>
           </a:p>
           <a:p>
             <a:pPr lvl="2"/>
             <a:r>
-              <a:rPr lang="en-US" smtClean="0"/>
+              <a:rPr lang="en-US"/>
               <a:t>Third level</a:t>
             </a:r>
           </a:p>
           <a:p>
             <a:pPr lvl="3"/>
             <a:r>
-              <a:rPr lang="en-US" smtClean="0"/>
+              <a:rPr lang="en-US"/>
               <a:t>Fourth level</a:t>
             </a:r>
           </a:p>
           <a:p>
             <a:pPr lvl="4"/>
             <a:r>
-              <a:rPr lang="en-US" smtClean="0"/>
+              <a:rPr lang="en-US"/>
               <a:t>Fifth level</a:t>
             </a:r>
             <a:endParaRPr lang="en-US" dirty="0"/>
@@ -13227,13 +13171,6 @@
   <p:transition>
     <p:fade/>
   </p:transition>
-  <p:timing>
-    <p:tnLst>
-      <p:par>
-        <p:cTn id="1" dur="indefinite" restart="never" nodeType="tmRoot"/>
-      </p:par>
-    </p:tnLst>
-  </p:timing>
 </p:sldLayout>
 </file>
 
@@ -13287,10 +13224,9 @@
           </a:lstStyle>
           <a:p>
             <a:r>
-              <a:rPr lang="en-US" dirty="0" smtClean="0"/>
+              <a:rPr lang="en-US" dirty="0"/>
               <a:t>Click to edit title style</a:t>
             </a:r>
-            <a:endParaRPr lang="en-US" dirty="0"/>
           </a:p>
         </p:txBody>
       </p:sp>
@@ -13339,10 +13275,9 @@
           <a:p>
             <a:pPr lvl="0"/>
             <a:r>
-              <a:rPr lang="en-US" dirty="0" smtClean="0"/>
+              <a:rPr lang="en-US" dirty="0"/>
               <a:t>Speaker Title</a:t>
             </a:r>
-            <a:endParaRPr lang="en-US" dirty="0"/>
           </a:p>
         </p:txBody>
       </p:sp>
@@ -13368,13 +13303,6 @@
       </p:transition>
     </mc:Fallback>
   </mc:AlternateContent>
-  <p:timing>
-    <p:tnLst>
-      <p:par>
-        <p:cTn id="1" dur="indefinite" restart="never" nodeType="tmRoot"/>
-      </p:par>
-    </p:tnLst>
-  </p:timing>
 </p:sldLayout>
 </file>
 
@@ -13411,10 +13339,9 @@
           <a:lstStyle/>
           <a:p>
             <a:r>
-              <a:rPr lang="en-US" smtClean="0"/>
+              <a:rPr lang="en-US"/>
               <a:t>Click to edit Master title style</a:t>
             </a:r>
-            <a:endParaRPr lang="en-US"/>
           </a:p>
         </p:txBody>
       </p:sp>
@@ -13471,22 +13398,13 @@
           <a:lstStyle/>
           <a:p>
             <a:r>
-              <a:rPr lang="en-US" sz="4000" dirty="0" smtClean="0">
-                <a:solidFill>
-                  <a:srgbClr val="FFFFFF"/>
-                </a:solidFill>
-                <a:latin typeface="Segoe UI Light" panose="020B0502040204020203" pitchFamily="34" charset="0"/>
-              </a:rPr>
-              <a:t>Microsoft Azure </a:t>
-            </a:r>
-            <a:r>
               <a:rPr lang="en-US" sz="4000" dirty="0">
                 <a:solidFill>
                   <a:srgbClr val="FFFFFF"/>
                 </a:solidFill>
                 <a:latin typeface="Segoe UI Light" panose="020B0502040204020203" pitchFamily="34" charset="0"/>
               </a:rPr>
-              <a:t>for Research </a:t>
+              <a:t>Microsoft Azure for Research </a:t>
             </a:r>
           </a:p>
           <a:p>
@@ -13543,7 +13461,7 @@
           <a:lstStyle/>
           <a:p>
             <a:r>
-              <a:rPr lang="en-US" altLang="zh-CN" sz="2000" kern="1800" baseline="30000" dirty="0" smtClean="0">
+              <a:rPr lang="en-US" altLang="zh-CN" sz="2000" kern="1800" baseline="30000" dirty="0">
                 <a:solidFill>
                   <a:srgbClr val="FFFFFF"/>
                 </a:solidFill>
@@ -13553,16 +13471,6 @@
               <a:t>Microsoft A</a:t>
             </a:r>
             <a:r>
-              <a:rPr lang="en-US" sz="2000" kern="1800" baseline="30000" dirty="0" smtClean="0">
-                <a:solidFill>
-                  <a:srgbClr val="FFFFFF"/>
-                </a:solidFill>
-                <a:ea typeface="Segoe UI" panose="020B0502040204020203" pitchFamily="34" charset="0"/>
-                <a:cs typeface="Segoe UI" panose="020B0502040204020203" pitchFamily="34" charset="0"/>
-              </a:rPr>
-              <a:t>zure </a:t>
-            </a:r>
-            <a:r>
               <a:rPr lang="en-US" sz="2000" kern="1800" baseline="30000" dirty="0">
                 <a:solidFill>
                   <a:srgbClr val="FFFFFF"/>
@@ -13570,7 +13478,7 @@
                 <a:ea typeface="Segoe UI" panose="020B0502040204020203" pitchFamily="34" charset="0"/>
                 <a:cs typeface="Segoe UI" panose="020B0502040204020203" pitchFamily="34" charset="0"/>
               </a:rPr>
-              <a:t>provides researchers with the power and scalability of cloud computing for collaboration, computation, and data-intensive processing. This open and flexible global cloud platform supports any language, tool, or framework. </a:t>
+              <a:t>zure provides researchers with the power and scalability of cloud computing for collaboration, computation, and data-intensive processing. This open and flexible global cloud platform supports any language, tool, or framework. </a:t>
             </a:r>
             <a:r>
               <a:rPr lang="en-US" kern="1800" baseline="30000" dirty="0">
@@ -13623,25 +13531,7 @@
                 </a:solidFill>
                 <a:latin typeface="Segoe UI Semibold" panose="020B0702040204020203" pitchFamily="34" charset="0"/>
               </a:rPr>
-              <a:t>The </a:t>
-            </a:r>
-            <a:r>
-              <a:rPr lang="en-US" sz="3200" baseline="30000" dirty="0" smtClean="0">
-                <a:solidFill>
-                  <a:srgbClr val="C60651"/>
-                </a:solidFill>
-                <a:latin typeface="Segoe UI Semibold" panose="020B0702040204020203" pitchFamily="34" charset="0"/>
-              </a:rPr>
-              <a:t>Microsoft Azure </a:t>
-            </a:r>
-            <a:r>
-              <a:rPr lang="en-US" sz="3200" baseline="30000" dirty="0">
-                <a:solidFill>
-                  <a:srgbClr val="C60651"/>
-                </a:solidFill>
-                <a:latin typeface="Segoe UI Semibold" panose="020B0702040204020203" pitchFamily="34" charset="0"/>
-              </a:rPr>
-              <a:t>for Research program:</a:t>
+              <a:t>The Microsoft Azure for Research program:</a:t>
             </a:r>
             <a:endParaRPr lang="en-US" sz="3200" baseline="30000" dirty="0">
               <a:solidFill>
@@ -13696,23 +13586,7 @@
                   <a:srgbClr val="717073"/>
                 </a:solidFill>
               </a:rPr>
-              <a:t>Free access to </a:t>
-            </a:r>
-            <a:r>
-              <a:rPr lang="en-US" sz="2000" baseline="30000" dirty="0" smtClean="0">
-                <a:solidFill>
-                  <a:srgbClr val="717073"/>
-                </a:solidFill>
-              </a:rPr>
-              <a:t>Microsoft </a:t>
-            </a:r>
-            <a:r>
-              <a:rPr lang="en-US" sz="2000" baseline="30000" dirty="0">
-                <a:solidFill>
-                  <a:srgbClr val="717073"/>
-                </a:solidFill>
-              </a:rPr>
-              <a:t>Azure cloud computing and storage  </a:t>
+              <a:t>Free access to Microsoft Azure cloud computing and storage  </a:t>
             </a:r>
             <a:r>
               <a:rPr lang="en-US" sz="2000" dirty="0">
@@ -13738,7 +13612,7 @@
               <a:t>   (submit proposals for </a:t>
             </a:r>
             <a:r>
-              <a:rPr lang="en-US" altLang="zh-CN" sz="2000" baseline="30000" dirty="0" smtClean="0">
+              <a:rPr lang="en-US" altLang="zh-CN" sz="2000" baseline="30000" dirty="0">
                 <a:solidFill>
                   <a:srgbClr val="717073"/>
                 </a:solidFill>
@@ -13746,20 +13620,12 @@
               <a:t>Microsoft </a:t>
             </a:r>
             <a:r>
-              <a:rPr lang="en-US" sz="2000" baseline="30000" dirty="0" smtClean="0">
-                <a:solidFill>
-                  <a:srgbClr val="717073"/>
-                </a:solidFill>
-              </a:rPr>
-              <a:t>Azure </a:t>
-            </a:r>
-            <a:r>
               <a:rPr lang="en-US" sz="2000" baseline="30000" dirty="0">
                 <a:solidFill>
                   <a:srgbClr val="717073"/>
                 </a:solidFill>
               </a:rPr>
-              <a:t>Research Awards)</a:t>
+              <a:t>Azure Research Awards)</a:t>
             </a:r>
           </a:p>
           <a:p>
@@ -13780,7 +13646,7 @@
               <a:t>  </a:t>
             </a:r>
             <a:r>
-              <a:rPr lang="en-US" altLang="zh-CN" sz="2000" baseline="30000" dirty="0" smtClean="0">
+              <a:rPr lang="en-US" altLang="zh-CN" sz="2000" baseline="30000" dirty="0">
                 <a:solidFill>
                   <a:srgbClr val="717073"/>
                 </a:solidFill>
@@ -13788,20 +13654,12 @@
               <a:t>Microsoft </a:t>
             </a:r>
             <a:r>
-              <a:rPr lang="en-US" sz="2000" baseline="30000" dirty="0" smtClean="0">
-                <a:solidFill>
-                  <a:srgbClr val="717073"/>
-                </a:solidFill>
-              </a:rPr>
-              <a:t>Azure </a:t>
-            </a:r>
-            <a:r>
               <a:rPr lang="en-US" sz="2000" baseline="30000" dirty="0">
                 <a:solidFill>
                   <a:srgbClr val="717073"/>
                 </a:solidFill>
               </a:rPr>
-              <a:t>for Research training classes </a:t>
+              <a:t>Azure for Research training classes </a:t>
             </a:r>
           </a:p>
           <a:p>
@@ -14768,7 +14626,7 @@
           <a:p>
             <a:fld id="{0459C166-16D3-4A25-A2F8-C51E0E346B22}" type="datetimeFigureOut">
               <a:rPr lang="en-US" smtClean="0"/>
-              <a:t>10/1/2016</a:t>
+              <a:t>2017-05-16</a:t>
             </a:fld>
             <a:endParaRPr lang="en-US"/>
           </a:p>
@@ -15132,7 +14990,7 @@
           <a:p>
             <a:fld id="{0459C166-16D3-4A25-A2F8-C51E0E346B22}" type="datetimeFigureOut">
               <a:rPr lang="en-US" smtClean="0"/>
-              <a:t>10/1/2016</a:t>
+              <a:t>2017-05-16</a:t>
             </a:fld>
             <a:endParaRPr lang="en-US"/>
           </a:p>
@@ -15249,7 +15107,7 @@
           <a:p>
             <a:fld id="{0459C166-16D3-4A25-A2F8-C51E0E346B22}" type="datetimeFigureOut">
               <a:rPr lang="en-US" smtClean="0"/>
-              <a:t>10/1/2016</a:t>
+              <a:t>2017-05-16</a:t>
             </a:fld>
             <a:endParaRPr lang="en-US"/>
           </a:p>
@@ -15460,7 +15318,7 @@
           <a:p>
             <a:fld id="{0459C166-16D3-4A25-A2F8-C51E0E346B22}" type="datetimeFigureOut">
               <a:rPr lang="en-US" smtClean="0"/>
-              <a:t>10/1/2016</a:t>
+              <a:t>2017-05-16</a:t>
             </a:fld>
             <a:endParaRPr lang="en-US"/>
           </a:p>
@@ -16278,7 +16136,7 @@
           <a:lstStyle/>
           <a:p>
             <a:r>
-              <a:rPr lang="en-US" smtClean="0"/>
+              <a:rPr lang="en-US"/>
               <a:t>Click to edit Master title style</a:t>
             </a:r>
             <a:endParaRPr lang="en-US" dirty="0"/>
@@ -16312,35 +16170,35 @@
           <a:p>
             <a:pPr lvl="0"/>
             <a:r>
-              <a:rPr lang="en-US" smtClean="0"/>
+              <a:rPr lang="en-US"/>
               <a:t>Click to edit Master text styles</a:t>
             </a:r>
           </a:p>
           <a:p>
             <a:pPr lvl="1"/>
             <a:r>
-              <a:rPr lang="en-US" smtClean="0"/>
+              <a:rPr lang="en-US"/>
               <a:t>Second level</a:t>
             </a:r>
           </a:p>
           <a:p>
             <a:pPr lvl="2"/>
             <a:r>
-              <a:rPr lang="en-US" smtClean="0"/>
+              <a:rPr lang="en-US"/>
               <a:t>Third level</a:t>
             </a:r>
           </a:p>
           <a:p>
             <a:pPr lvl="3"/>
             <a:r>
-              <a:rPr lang="en-US" smtClean="0"/>
+              <a:rPr lang="en-US"/>
               <a:t>Fourth level</a:t>
             </a:r>
           </a:p>
           <a:p>
             <a:pPr lvl="4"/>
             <a:r>
-              <a:rPr lang="en-US" smtClean="0"/>
+              <a:rPr lang="en-US"/>
               <a:t>Fifth level</a:t>
             </a:r>
             <a:endParaRPr lang="en-US" dirty="0"/>
@@ -16381,13 +16239,6 @@
   <p:transition>
     <p:fade/>
   </p:transition>
-  <p:timing>
-    <p:tnLst>
-      <p:par>
-        <p:cTn id="1" dur="indefinite" restart="never" nodeType="tmRoot"/>
-      </p:par>
-    </p:tnLst>
-  </p:timing>
   <p:txStyles>
     <p:titleStyle>
       <a:lvl1pPr algn="l" defTabSz="914089" rtl="0" eaLnBrk="1" latinLnBrk="0" hangingPunct="1">
@@ -16751,13 +16602,8 @@
           <a:p>
             <a:r>
               <a:rPr lang="en-US" dirty="0"/>
-              <a:t>Azure </a:t>
-            </a:r>
-            <a:r>
-              <a:rPr lang="en-US" dirty="0" smtClean="0"/>
-              <a:t>Machine Learning</a:t>
-            </a:r>
-            <a:endParaRPr lang="en-US" dirty="0"/>
+              <a:t>Azure Machine Learning</a:t>
+            </a:r>
           </a:p>
         </p:txBody>
       </p:sp>
@@ -16773,32 +16619,31 @@
         </p:nvSpPr>
         <p:spPr/>
         <p:txBody>
-          <a:bodyPr/>
+          <a:bodyPr>
+            <a:normAutofit/>
+          </a:bodyPr>
           <a:lstStyle/>
           <a:p>
             <a:r>
-              <a:rPr lang="en-US" dirty="0" smtClean="0">
+              <a:rPr lang="en-US" dirty="0">
                 <a:solidFill>
                   <a:srgbClr val="FFFF00"/>
                 </a:solidFill>
               </a:rPr>
-              <a:t>[ Instructor Name ]</a:t>
-            </a:r>
-            <a:endParaRPr lang="en-US" dirty="0">
-              <a:solidFill>
-                <a:srgbClr val="FFFF00"/>
-              </a:solidFill>
-            </a:endParaRPr>
-          </a:p>
-          <a:p>
-            <a:r>
-              <a:rPr lang="en-US" dirty="0" smtClean="0">
+              <a:t>Niels Berglund</a:t>
+            </a:r>
+          </a:p>
+          <a:p>
+            <a:r>
+              <a:rPr lang="en-US" dirty="0">
                 <a:solidFill>
                   <a:srgbClr val="FFFF00"/>
                 </a:solidFill>
               </a:rPr>
-              <a:t>[ Instructor E-mail ]</a:t>
-            </a:r>
+              <a:t>niels.it.berglund@gmail.com</a:t>
+            </a:r>
+          </a:p>
+          <a:p>
             <a:endParaRPr lang="en-US" dirty="0">
               <a:solidFill>
                 <a:srgbClr val="FFFF00"/>
@@ -16817,13 +16662,6 @@
   <p:clrMapOvr>
     <a:masterClrMapping/>
   </p:clrMapOvr>
-  <p:timing>
-    <p:tnLst>
-      <p:par>
-        <p:cTn id="1" dur="indefinite" restart="never" nodeType="tmRoot"/>
-      </p:par>
-    </p:tnLst>
-  </p:timing>
 </p:sld>
 </file>
 
@@ -16860,10 +16698,195 @@
           <a:lstStyle/>
           <a:p>
             <a:r>
-              <a:rPr lang="en-US" dirty="0" smtClean="0"/>
+              <a:rPr lang="en-US" dirty="0"/>
+              <a:t>Azure Machine Learning Algorithms</a:t>
+            </a:r>
+          </a:p>
+        </p:txBody>
+      </p:sp>
+      <p:pic>
+        <p:nvPicPr>
+          <p:cNvPr id="5" name="Picture 4"/>
+          <p:cNvPicPr>
+            <a:picLocks noChangeAspect="1"/>
+          </p:cNvPicPr>
+          <p:nvPr/>
+        </p:nvPicPr>
+        <p:blipFill rotWithShape="1">
+          <a:blip r:embed="rId3"/>
+          <a:srcRect b="8857"/>
+          <a:stretch/>
+        </p:blipFill>
+        <p:spPr>
+          <a:xfrm>
+            <a:off x="8709536" y="1869387"/>
+            <a:ext cx="2131076" cy="3146128"/>
+          </a:xfrm>
+          <a:prstGeom prst="rect">
+            <a:avLst/>
+          </a:prstGeom>
+          <a:ln>
+            <a:noFill/>
+          </a:ln>
+          <a:effectLst>
+            <a:outerShdw blurRad="292100" dist="139700" dir="2700000" algn="tl" rotWithShape="0">
+              <a:srgbClr val="333333">
+                <a:alpha val="65000"/>
+              </a:srgbClr>
+            </a:outerShdw>
+          </a:effectLst>
+        </p:spPr>
+      </p:pic>
+      <p:pic>
+        <p:nvPicPr>
+          <p:cNvPr id="6" name="Picture 5"/>
+          <p:cNvPicPr>
+            <a:picLocks noChangeAspect="1"/>
+          </p:cNvPicPr>
+          <p:nvPr/>
+        </p:nvPicPr>
+        <p:blipFill rotWithShape="1">
+          <a:blip r:embed="rId4"/>
+          <a:srcRect b="14976"/>
+          <a:stretch/>
+        </p:blipFill>
+        <p:spPr>
+          <a:xfrm>
+            <a:off x="1229538" y="1849995"/>
+            <a:ext cx="2131075" cy="1743637"/>
+          </a:xfrm>
+          <a:prstGeom prst="rect">
+            <a:avLst/>
+          </a:prstGeom>
+          <a:ln>
+            <a:noFill/>
+          </a:ln>
+          <a:effectLst>
+            <a:outerShdw blurRad="292100" dist="139700" dir="2700000" algn="tl" rotWithShape="0">
+              <a:srgbClr val="333333">
+                <a:alpha val="65000"/>
+              </a:srgbClr>
+            </a:outerShdw>
+          </a:effectLst>
+        </p:spPr>
+      </p:pic>
+      <p:pic>
+        <p:nvPicPr>
+          <p:cNvPr id="7" name="Picture 6"/>
+          <p:cNvPicPr>
+            <a:picLocks noChangeAspect="1"/>
+          </p:cNvPicPr>
+          <p:nvPr/>
+        </p:nvPicPr>
+        <p:blipFill>
+          <a:blip r:embed="rId5"/>
+          <a:stretch>
+            <a:fillRect/>
+          </a:stretch>
+        </p:blipFill>
+        <p:spPr>
+          <a:xfrm>
+            <a:off x="3717166" y="1849995"/>
+            <a:ext cx="2134527" cy="4454943"/>
+          </a:xfrm>
+          <a:prstGeom prst="rect">
+            <a:avLst/>
+          </a:prstGeom>
+          <a:ln>
+            <a:noFill/>
+          </a:ln>
+          <a:effectLst>
+            <a:outerShdw blurRad="292100" dist="139700" dir="2700000" algn="tl" rotWithShape="0">
+              <a:srgbClr val="333333">
+                <a:alpha val="65000"/>
+              </a:srgbClr>
+            </a:outerShdw>
+          </a:effectLst>
+        </p:spPr>
+      </p:pic>
+      <p:pic>
+        <p:nvPicPr>
+          <p:cNvPr id="8" name="Picture 7"/>
+          <p:cNvPicPr>
+            <a:picLocks noChangeAspect="1"/>
+          </p:cNvPicPr>
+          <p:nvPr/>
+        </p:nvPicPr>
+        <p:blipFill>
+          <a:blip r:embed="rId6"/>
+          <a:stretch>
+            <a:fillRect/>
+          </a:stretch>
+        </p:blipFill>
+        <p:spPr>
+          <a:xfrm>
+            <a:off x="6208246" y="1869387"/>
+            <a:ext cx="2144737" cy="1504424"/>
+          </a:xfrm>
+          <a:prstGeom prst="rect">
+            <a:avLst/>
+          </a:prstGeom>
+          <a:ln>
+            <a:noFill/>
+          </a:ln>
+          <a:effectLst>
+            <a:outerShdw blurRad="292100" dist="139700" dir="2700000" algn="tl" rotWithShape="0">
+              <a:srgbClr val="333333">
+                <a:alpha val="65000"/>
+              </a:srgbClr>
+            </a:outerShdw>
+          </a:effectLst>
+        </p:spPr>
+      </p:pic>
+    </p:spTree>
+    <p:extLst>
+      <p:ext uri="{BB962C8B-B14F-4D97-AF65-F5344CB8AC3E}">
+        <p14:creationId xmlns:p14="http://schemas.microsoft.com/office/powerpoint/2010/main" val="2803037992"/>
+      </p:ext>
+    </p:extLst>
+  </p:cSld>
+  <p:clrMapOvr>
+    <a:masterClrMapping/>
+  </p:clrMapOvr>
+</p:sld>
+</file>
+
+<file path=ppt/slides/slide11.xml><?xml version="1.0" encoding="utf-8"?>
+<p:sld xmlns:a="http://schemas.openxmlformats.org/drawingml/2006/main" xmlns:r="http://schemas.openxmlformats.org/officeDocument/2006/relationships" xmlns:p="http://schemas.openxmlformats.org/presentationml/2006/main">
+  <p:cSld>
+    <p:spTree>
+      <p:nvGrpSpPr>
+        <p:cNvPr id="1" name=""/>
+        <p:cNvGrpSpPr/>
+        <p:nvPr/>
+      </p:nvGrpSpPr>
+      <p:grpSpPr>
+        <a:xfrm>
+          <a:off x="0" y="0"/>
+          <a:ext cx="0" cy="0"/>
+          <a:chOff x="0" y="0"/>
+          <a:chExt cx="0" cy="0"/>
+        </a:xfrm>
+      </p:grpSpPr>
+      <p:sp>
+        <p:nvSpPr>
+          <p:cNvPr id="2" name="Title 1"/>
+          <p:cNvSpPr>
+            <a:spLocks noGrp="1"/>
+          </p:cNvSpPr>
+          <p:nvPr>
+            <p:ph type="title"/>
+          </p:nvPr>
+        </p:nvSpPr>
+        <p:spPr/>
+        <p:txBody>
+          <a:bodyPr/>
+          <a:lstStyle/>
+          <a:p>
+            <a:r>
+              <a:rPr lang="en-US" dirty="0"/>
               <a:t>Simple (Univariate) Linear Regression</a:t>
             </a:r>
-            <a:endParaRPr lang="en-US" dirty="0"/>
           </a:p>
         </p:txBody>
       </p:sp>
@@ -16914,26 +16937,25 @@
           <a:lstStyle/>
           <a:p>
             <a:r>
-              <a:rPr lang="en-US" dirty="0" smtClean="0"/>
+              <a:rPr lang="en-US" dirty="0"/>
               <a:t>Regression line represented by an equation of the form Y = b</a:t>
             </a:r>
             <a:r>
-              <a:rPr lang="en-US" baseline="-25000" dirty="0" smtClean="0"/>
+              <a:rPr lang="en-US" baseline="-25000" dirty="0"/>
               <a:t>0</a:t>
             </a:r>
             <a:r>
-              <a:rPr lang="en-US" dirty="0" smtClean="0"/>
+              <a:rPr lang="en-US" dirty="0"/>
               <a:t> + b</a:t>
             </a:r>
             <a:r>
-              <a:rPr lang="en-US" baseline="-25000" dirty="0" smtClean="0"/>
+              <a:rPr lang="en-US" baseline="-25000" dirty="0"/>
               <a:t>1</a:t>
             </a:r>
             <a:r>
-              <a:rPr lang="en-US" dirty="0" smtClean="0"/>
+              <a:rPr lang="en-US" dirty="0"/>
               <a:t>X where Y is the dependent variable</a:t>
             </a:r>
-            <a:endParaRPr lang="en-US" dirty="0"/>
           </a:p>
         </p:txBody>
       </p:sp>
@@ -16996,10 +17018,9 @@
           <a:lstStyle/>
           <a:p>
             <a:r>
-              <a:rPr lang="en-US" dirty="0" smtClean="0"/>
+              <a:rPr lang="en-US" dirty="0"/>
               <a:t>Error between actual and computed output minimized using least-squares or gradient-descent method</a:t>
             </a:r>
-            <a:endParaRPr lang="en-US" dirty="0"/>
           </a:p>
         </p:txBody>
       </p:sp>
@@ -17052,7 +17073,7 @@
 </p:sld>
 </file>
 
-<file path=ppt/slides/slide11.xml><?xml version="1.0" encoding="utf-8"?>
+<file path=ppt/slides/slide12.xml><?xml version="1.0" encoding="utf-8"?>
 <p:sld xmlns:a="http://schemas.openxmlformats.org/drawingml/2006/main" xmlns:r="http://schemas.openxmlformats.org/officeDocument/2006/relationships" xmlns:p="http://schemas.openxmlformats.org/presentationml/2006/main">
   <p:cSld>
     <p:spTree>
@@ -17117,28 +17138,28 @@
           <a:p>
             <a:pPr algn="ctr"/>
             <a:r>
-              <a:rPr lang="en-US" sz="4000" dirty="0" smtClean="0">
+              <a:rPr lang="en-US" sz="4000" dirty="0">
                 <a:latin typeface="Segoe UI Light" panose="020B0502040204020203" pitchFamily="34" charset="0"/>
                 <a:cs typeface="Segoe UI Light" panose="020B0502040204020203" pitchFamily="34" charset="0"/>
               </a:rPr>
               <a:t>http://</a:t>
             </a:r>
             <a:r>
-              <a:rPr lang="en-US" sz="4000" dirty="0" err="1" smtClean="0">
+              <a:rPr lang="en-US" sz="4000" dirty="0" err="1">
                 <a:latin typeface="Segoe UI Light" panose="020B0502040204020203" pitchFamily="34" charset="0"/>
                 <a:cs typeface="Segoe UI Light" panose="020B0502040204020203" pitchFamily="34" charset="0"/>
               </a:rPr>
               <a:t>aka.ms</a:t>
             </a:r>
             <a:r>
-              <a:rPr lang="en-US" sz="4000" dirty="0" smtClean="0">
+              <a:rPr lang="en-US" sz="4000" dirty="0">
                 <a:latin typeface="Segoe UI Light" panose="020B0502040204020203" pitchFamily="34" charset="0"/>
                 <a:cs typeface="Segoe UI Light" panose="020B0502040204020203" pitchFamily="34" charset="0"/>
               </a:rPr>
               <a:t>/</a:t>
             </a:r>
             <a:r>
-              <a:rPr lang="en-US" sz="4000" dirty="0" err="1" smtClean="0">
+              <a:rPr lang="en-US" sz="4000" dirty="0" err="1">
                 <a:latin typeface="Segoe UI Light" panose="020B0502040204020203" pitchFamily="34" charset="0"/>
                 <a:cs typeface="Segoe UI Light" panose="020B0502040204020203" pitchFamily="34" charset="0"/>
               </a:rPr>
@@ -17161,17 +17182,10 @@
   <p:clrMapOvr>
     <a:masterClrMapping/>
   </p:clrMapOvr>
-  <p:timing>
-    <p:tnLst>
-      <p:par>
-        <p:cTn id="1" dur="indefinite" restart="never" nodeType="tmRoot"/>
-      </p:par>
-    </p:tnLst>
-  </p:timing>
 </p:sld>
 </file>
 
-<file path=ppt/slides/slide12.xml><?xml version="1.0" encoding="utf-8"?>
+<file path=ppt/slides/slide13.xml><?xml version="1.0" encoding="utf-8"?>
 <p:sld xmlns:a="http://schemas.openxmlformats.org/drawingml/2006/main" xmlns:r="http://schemas.openxmlformats.org/officeDocument/2006/relationships" xmlns:p="http://schemas.openxmlformats.org/presentationml/2006/main">
   <p:cSld>
     <p:spTree>
@@ -17204,10 +17218,9 @@
           <a:lstStyle/>
           <a:p>
             <a:r>
-              <a:rPr lang="en-US" dirty="0" smtClean="0"/>
+              <a:rPr lang="en-US" dirty="0"/>
               <a:t>Deploying as a Web Service</a:t>
             </a:r>
-            <a:endParaRPr lang="en-US" dirty="0"/>
           </a:p>
         </p:txBody>
       </p:sp>
@@ -17227,10 +17240,9 @@
           <a:lstStyle/>
           <a:p>
             <a:r>
-              <a:rPr lang="en-US" dirty="0" smtClean="0"/>
+              <a:rPr lang="en-US" dirty="0"/>
               <a:t>A button click in ML Studio deploys a model as a Web service and provides sample code for calling it in three languages</a:t>
             </a:r>
-            <a:endParaRPr lang="en-US" dirty="0"/>
           </a:p>
         </p:txBody>
       </p:sp>
@@ -17268,17 +17280,10 @@
   <p:clrMapOvr>
     <a:masterClrMapping/>
   </p:clrMapOvr>
-  <p:timing>
-    <p:tnLst>
-      <p:par>
-        <p:cTn id="1" dur="indefinite" restart="never" nodeType="tmRoot"/>
-      </p:par>
-    </p:tnLst>
-  </p:timing>
 </p:sld>
 </file>
 
-<file path=ppt/slides/slide13.xml><?xml version="1.0" encoding="utf-8"?>
+<file path=ppt/slides/slide14.xml><?xml version="1.0" encoding="utf-8"?>
 <p:sld xmlns:a="http://schemas.openxmlformats.org/drawingml/2006/main" xmlns:r="http://schemas.openxmlformats.org/officeDocument/2006/relationships" xmlns:p="http://schemas.openxmlformats.org/presentationml/2006/main">
   <p:cSld>
     <p:bg>
@@ -17326,18 +17331,13 @@
           <a:lstStyle/>
           <a:p>
             <a:r>
-              <a:rPr lang="en-US" dirty="0" smtClean="0">
+              <a:rPr lang="en-US" dirty="0">
                 <a:solidFill>
                   <a:schemeClr val="bg1"/>
                 </a:solidFill>
               </a:rPr>
               <a:t>Free e-Book</a:t>
             </a:r>
-            <a:endParaRPr lang="en-US" dirty="0">
-              <a:solidFill>
-                <a:schemeClr val="bg1"/>
-              </a:solidFill>
-            </a:endParaRPr>
           </a:p>
         </p:txBody>
       </p:sp>
@@ -17437,7 +17437,7 @@
                 <a:spcPct val="0"/>
               </a:spcAft>
             </a:pPr>
-            <a:endParaRPr lang="en-US" sz="2200" dirty="0" smtClean="0">
+            <a:endParaRPr lang="en-US" sz="2200" dirty="0">
               <a:gradFill>
                 <a:gsLst>
                   <a:gs pos="0">
@@ -17490,21 +17490,8 @@
                   <a:srgbClr val="FFFFFF"/>
                 </a:solidFill>
               </a:rPr>
-              <a:t>http://</a:t>
-            </a:r>
-            <a:r>
-              <a:rPr lang="en-US" sz="4400" dirty="0" smtClean="0">
-                <a:solidFill>
-                  <a:srgbClr val="FFFFFF"/>
-                </a:solidFill>
-              </a:rPr>
-              <a:t>bit.ly/a4r-mlbook</a:t>
-            </a:r>
-            <a:endParaRPr lang="en-US" sz="4400" dirty="0">
-              <a:solidFill>
-                <a:srgbClr val="FFFFFF"/>
-              </a:solidFill>
-            </a:endParaRPr>
+              <a:t>http://bit.ly/a4r-mlbook</a:t>
+            </a:r>
           </a:p>
         </p:txBody>
       </p:sp>
@@ -17521,17 +17508,10 @@
   <p:transition>
     <p:fade/>
   </p:transition>
-  <p:timing>
-    <p:tnLst>
-      <p:par>
-        <p:cTn id="1" dur="indefinite" restart="never" nodeType="tmRoot"/>
-      </p:par>
-    </p:tnLst>
-  </p:timing>
 </p:sld>
 </file>
 
-<file path=ppt/slides/slide14.xml><?xml version="1.0" encoding="utf-8"?>
+<file path=ppt/slides/slide15.xml><?xml version="1.0" encoding="utf-8"?>
 <p:sld xmlns:a="http://schemas.openxmlformats.org/drawingml/2006/main" xmlns:r="http://schemas.openxmlformats.org/officeDocument/2006/relationships" xmlns:p="http://schemas.openxmlformats.org/presentationml/2006/main">
   <p:cSld>
     <p:spTree>
@@ -17561,17 +17541,158 @@
   <p:transition>
     <p:fade/>
   </p:transition>
-  <p:timing>
-    <p:tnLst>
-      <p:par>
-        <p:cTn id="1" dur="indefinite" restart="never" nodeType="tmRoot"/>
-      </p:par>
-    </p:tnLst>
-  </p:timing>
 </p:sld>
 </file>
 
 <file path=ppt/slides/slide2.xml><?xml version="1.0" encoding="utf-8"?>
+<p:sld xmlns:a="http://schemas.openxmlformats.org/drawingml/2006/main" xmlns:r="http://schemas.openxmlformats.org/officeDocument/2006/relationships" xmlns:p="http://schemas.openxmlformats.org/presentationml/2006/main">
+  <p:cSld>
+    <p:spTree>
+      <p:nvGrpSpPr>
+        <p:cNvPr id="1" name=""/>
+        <p:cNvGrpSpPr/>
+        <p:nvPr/>
+      </p:nvGrpSpPr>
+      <p:grpSpPr>
+        <a:xfrm>
+          <a:off x="0" y="0"/>
+          <a:ext cx="0" cy="0"/>
+          <a:chOff x="0" y="0"/>
+          <a:chExt cx="0" cy="0"/>
+        </a:xfrm>
+      </p:grpSpPr>
+      <p:sp>
+        <p:nvSpPr>
+          <p:cNvPr id="2" name="Title 1"/>
+          <p:cNvSpPr>
+            <a:spLocks noGrp="1"/>
+          </p:cNvSpPr>
+          <p:nvPr>
+            <p:ph type="title"/>
+          </p:nvPr>
+        </p:nvSpPr>
+        <p:spPr/>
+        <p:txBody>
+          <a:bodyPr/>
+          <a:lstStyle/>
+          <a:p>
+            <a:r>
+              <a:rPr lang="en-US" dirty="0"/>
+              <a:t>Bio</a:t>
+            </a:r>
+          </a:p>
+        </p:txBody>
+      </p:sp>
+      <p:sp>
+        <p:nvSpPr>
+          <p:cNvPr id="3" name="Content Placeholder 2"/>
+          <p:cNvSpPr>
+            <a:spLocks noGrp="1"/>
+          </p:cNvSpPr>
+          <p:nvPr>
+            <p:ph idx="1"/>
+          </p:nvPr>
+        </p:nvSpPr>
+        <p:spPr/>
+        <p:txBody>
+          <a:bodyPr>
+            <a:normAutofit/>
+          </a:bodyPr>
+          <a:lstStyle/>
+          <a:p>
+            <a:r>
+              <a:rPr lang="en-US" dirty="0"/>
+              <a:t>Software architect @Derivco</a:t>
+            </a:r>
+          </a:p>
+          <a:p>
+            <a:pPr lvl="1"/>
+            <a:r>
+              <a:rPr lang="en-US" dirty="0"/>
+              <a:t>research &amp; development to safeguard existing products, and create new opportunities</a:t>
+            </a:r>
+          </a:p>
+          <a:p>
+            <a:pPr lvl="1"/>
+            <a:r>
+              <a:rPr lang="en-US" dirty="0"/>
+              <a:t>author, conference speaker, “data nerd”</a:t>
+            </a:r>
+          </a:p>
+          <a:p>
+            <a:r>
+              <a:rPr lang="en-US" dirty="0"/>
+              <a:t>Derivco world's leading development house for online gaming software; Casino, Poker, Bingo etc.</a:t>
+            </a:r>
+          </a:p>
+          <a:p>
+            <a:pPr lvl="1"/>
+            <a:r>
+              <a:rPr lang="en-US" dirty="0"/>
+              <a:t>world's largest install base of SQL Server's</a:t>
+            </a:r>
+          </a:p>
+          <a:p>
+            <a:pPr lvl="1"/>
+            <a:r>
+              <a:rPr lang="en-US" dirty="0"/>
+              <a:t>Service Fabric, stream processing, Complex Event Processing</a:t>
+            </a:r>
+          </a:p>
+          <a:p>
+            <a:pPr lvl="1"/>
+            <a:r>
+              <a:rPr lang="en-US" dirty="0"/>
+              <a:t>data science R, Azure ML, etc.</a:t>
+            </a:r>
+          </a:p>
+          <a:p>
+            <a:pPr lvl="1"/>
+            <a:r>
+              <a:rPr lang="en-US" dirty="0" err="1"/>
+              <a:t>RabbitMQ</a:t>
+            </a:r>
+            <a:r>
+              <a:rPr lang="en-US" dirty="0"/>
+              <a:t>, </a:t>
+            </a:r>
+            <a:r>
+              <a:rPr lang="en-US" dirty="0" err="1"/>
+              <a:t>CouchBase</a:t>
+            </a:r>
+            <a:r>
+              <a:rPr lang="en-US" dirty="0"/>
+              <a:t>, </a:t>
+            </a:r>
+            <a:r>
+              <a:rPr lang="en-US" dirty="0" err="1"/>
+              <a:t>Redis</a:t>
+            </a:r>
+            <a:r>
+              <a:rPr lang="en-US" dirty="0"/>
+              <a:t>, in-memory databases, etc.</a:t>
+            </a:r>
+          </a:p>
+          <a:p>
+            <a:pPr lvl="1"/>
+            <a:endParaRPr lang="en-US" dirty="0"/>
+          </a:p>
+        </p:txBody>
+      </p:sp>
+    </p:spTree>
+    <p:extLst>
+      <p:ext uri="{BB962C8B-B14F-4D97-AF65-F5344CB8AC3E}">
+        <p14:creationId xmlns:p14="http://schemas.microsoft.com/office/powerpoint/2010/main" val="1293689362"/>
+      </p:ext>
+    </p:extLst>
+  </p:cSld>
+  <p:clrMapOvr>
+    <a:masterClrMapping/>
+  </p:clrMapOvr>
+</p:sld>
+</file>
+
+<file path=ppt/slides/slide3.xml><?xml version="1.0" encoding="utf-8"?>
 <p:sld xmlns:a="http://schemas.openxmlformats.org/drawingml/2006/main" xmlns:r="http://schemas.openxmlformats.org/officeDocument/2006/relationships" xmlns:p="http://schemas.openxmlformats.org/presentationml/2006/main">
   <p:cSld>
     <p:spTree>
@@ -17634,10 +17755,9 @@
           <a:lstStyle/>
           <a:p>
             <a:r>
-              <a:rPr lang="en-US" dirty="0" smtClean="0"/>
+              <a:rPr lang="en-US" dirty="0"/>
               <a:t>What is Machine Learning?</a:t>
             </a:r>
-            <a:endParaRPr lang="en-US" dirty="0"/>
           </a:p>
         </p:txBody>
       </p:sp>
@@ -17659,82 +17779,75 @@
         </p:spPr>
         <p:txBody>
           <a:bodyPr>
-            <a:normAutofit/>
+            <a:normAutofit fontScale="92500" lnSpcReduction="10000"/>
           </a:bodyPr>
           <a:lstStyle/>
           <a:p>
             <a:r>
               <a:rPr lang="en-US" dirty="0"/>
-              <a:t>Branch of computer science in which a computer "learns" from data in order to perform predictive </a:t>
-            </a:r>
-            <a:r>
-              <a:rPr lang="en-US" dirty="0" smtClean="0"/>
-              <a:t>analytics</a:t>
-            </a:r>
-            <a:endParaRPr lang="en-US" dirty="0"/>
+              <a:t>Branch of computer science in which a computer "learns" from data in order to perform predictive analytics</a:t>
+            </a:r>
           </a:p>
           <a:p>
             <a:pPr lvl="1"/>
             <a:r>
               <a:rPr lang="en-US" dirty="0"/>
-              <a:t>Credit-card fraud </a:t>
-            </a:r>
-            <a:r>
-              <a:rPr lang="en-US" dirty="0" smtClean="0"/>
-              <a:t>detection</a:t>
-            </a:r>
-            <a:endParaRPr lang="en-US" dirty="0"/>
+              <a:t>Credit-card fraud detection</a:t>
+            </a:r>
           </a:p>
           <a:p>
             <a:pPr lvl="1"/>
             <a:r>
               <a:rPr lang="en-US" dirty="0"/>
-              <a:t>Online shopping </a:t>
-            </a:r>
-            <a:r>
-              <a:rPr lang="en-US" dirty="0" smtClean="0"/>
-              <a:t>recommendations</a:t>
-            </a:r>
-            <a:endParaRPr lang="en-US" dirty="0"/>
+              <a:t>Online shopping recommendations</a:t>
+            </a:r>
           </a:p>
           <a:p>
             <a:pPr lvl="1"/>
             <a:r>
               <a:rPr lang="en-US" dirty="0"/>
-              <a:t>Self-driving </a:t>
-            </a:r>
-            <a:r>
-              <a:rPr lang="en-US" dirty="0" smtClean="0"/>
-              <a:t>cars and more</a:t>
-            </a:r>
-            <a:endParaRPr lang="en-US" dirty="0"/>
-          </a:p>
-          <a:p>
-            <a:r>
-              <a:rPr lang="en-US" dirty="0" smtClean="0"/>
+              <a:t>Self-driving cars and more</a:t>
+            </a:r>
+          </a:p>
+          <a:p>
+            <a:r>
+              <a:rPr lang="en-US" dirty="0"/>
               <a:t>Supervised learning</a:t>
             </a:r>
           </a:p>
           <a:p>
             <a:pPr lvl="1"/>
             <a:r>
-              <a:rPr lang="en-US" dirty="0" smtClean="0"/>
+              <a:rPr lang="en-US" dirty="0"/>
+              <a:t>Model is trained -&gt; predict outcome</a:t>
+            </a:r>
+          </a:p>
+          <a:p>
+            <a:pPr lvl="1"/>
+            <a:r>
+              <a:rPr lang="en-US" dirty="0"/>
               <a:t>Regression and classification</a:t>
             </a:r>
           </a:p>
           <a:p>
             <a:r>
-              <a:rPr lang="en-US" dirty="0" smtClean="0"/>
+              <a:rPr lang="en-US" dirty="0"/>
               <a:t>Unsupervised learning</a:t>
             </a:r>
           </a:p>
           <a:p>
             <a:pPr lvl="1"/>
             <a:r>
-              <a:rPr lang="en-US" dirty="0" smtClean="0"/>
+              <a:rPr lang="en-US" dirty="0"/>
+              <a:t>Finding relationships in a dataset</a:t>
+            </a:r>
+          </a:p>
+          <a:p>
+            <a:pPr lvl="1"/>
+            <a:r>
+              <a:rPr lang="en-US" dirty="0"/>
               <a:t>Clustering</a:t>
             </a:r>
-            <a:endParaRPr lang="en-US" dirty="0"/>
           </a:p>
           <a:p>
             <a:endParaRPr lang="en-US" dirty="0"/>
@@ -17751,17 +17864,10 @@
   <p:clrMapOvr>
     <a:masterClrMapping/>
   </p:clrMapOvr>
-  <p:timing>
-    <p:tnLst>
-      <p:par>
-        <p:cTn id="1" dur="indefinite" restart="never" nodeType="tmRoot"/>
-      </p:par>
-    </p:tnLst>
-  </p:timing>
 </p:sld>
 </file>
 
-<file path=ppt/slides/slide3.xml><?xml version="1.0" encoding="utf-8"?>
+<file path=ppt/slides/slide4.xml><?xml version="1.0" encoding="utf-8"?>
 <p:sld xmlns:a="http://schemas.openxmlformats.org/drawingml/2006/main" xmlns:r="http://schemas.openxmlformats.org/officeDocument/2006/relationships" xmlns:p="http://schemas.openxmlformats.org/presentationml/2006/main">
   <p:cSld>
     <p:spTree>
@@ -17794,10 +17900,9 @@
           <a:lstStyle/>
           <a:p>
             <a:r>
-              <a:rPr lang="en-US" dirty="0" smtClean="0"/>
+              <a:rPr lang="en-US" dirty="0"/>
               <a:t>Machine Learning in Action</a:t>
             </a:r>
-            <a:endParaRPr lang="en-US" dirty="0"/>
           </a:p>
         </p:txBody>
       </p:sp>
@@ -17845,17 +17950,10 @@
   <p:clrMapOvr>
     <a:masterClrMapping/>
   </p:clrMapOvr>
-  <p:timing>
-    <p:tnLst>
-      <p:par>
-        <p:cTn id="1" dur="indefinite" restart="never" nodeType="tmRoot"/>
-      </p:par>
-    </p:tnLst>
-  </p:timing>
 </p:sld>
 </file>
 
-<file path=ppt/slides/slide4.xml><?xml version="1.0" encoding="utf-8"?>
+<file path=ppt/slides/slide5.xml><?xml version="1.0" encoding="utf-8"?>
 <p:sld xmlns:a="http://schemas.openxmlformats.org/drawingml/2006/main" xmlns:r="http://schemas.openxmlformats.org/officeDocument/2006/relationships" xmlns:p="http://schemas.openxmlformats.org/presentationml/2006/main">
   <p:cSld>
     <p:spTree>
@@ -17888,10 +17986,9 @@
           <a:lstStyle/>
           <a:p>
             <a:r>
-              <a:rPr lang="en-US" dirty="0" smtClean="0"/>
+              <a:rPr lang="en-US" dirty="0"/>
               <a:t>Microsoft and Machine Learning</a:t>
             </a:r>
-            <a:endParaRPr lang="en-US" dirty="0"/>
           </a:p>
         </p:txBody>
       </p:sp>
@@ -18182,7 +18279,7 @@
               <a:buSzPct val="80000"/>
             </a:pPr>
             <a:r>
-              <a:rPr lang="en-US" sz="1400" dirty="0" smtClean="0">
+              <a:rPr lang="en-US" sz="1400" dirty="0">
                 <a:gradFill>
                   <a:gsLst>
                     <a:gs pos="0">
@@ -18204,7 +18301,7 @@
               <a:t>Modified from http://</a:t>
             </a:r>
             <a:r>
-              <a:rPr lang="en-US" sz="1400" dirty="0" err="1" smtClean="0">
+              <a:rPr lang="en-US" sz="1400" dirty="0" err="1">
                 <a:gradFill>
                   <a:gsLst>
                     <a:gs pos="0">
@@ -18226,7 +18323,7 @@
               <a:t>pulsweb.fr</a:t>
             </a:r>
             <a:r>
-              <a:rPr lang="en-US" sz="1400" dirty="0" smtClean="0">
+              <a:rPr lang="en-US" sz="1400" dirty="0">
                 <a:gradFill>
                   <a:gsLst>
                     <a:gs pos="0">
@@ -18248,7 +18345,7 @@
               <a:t>/predict-wine-quality-</a:t>
             </a:r>
             <a:r>
-              <a:rPr lang="en-US" sz="1400" dirty="0" err="1" smtClean="0">
+              <a:rPr lang="en-US" sz="1400" dirty="0" err="1">
                 <a:gradFill>
                   <a:gsLst>
                     <a:gs pos="0">
@@ -18301,17 +18398,10 @@
   <p:clrMapOvr>
     <a:masterClrMapping/>
   </p:clrMapOvr>
-  <p:timing>
-    <p:tnLst>
-      <p:par>
-        <p:cTn id="1" dur="indefinite" restart="never" nodeType="tmRoot"/>
-      </p:par>
-    </p:tnLst>
-  </p:timing>
 </p:sld>
 </file>
 
-<file path=ppt/slides/slide5.xml><?xml version="1.0" encoding="utf-8"?>
+<file path=ppt/slides/slide6.xml><?xml version="1.0" encoding="utf-8"?>
 <p:sld xmlns:a="http://schemas.openxmlformats.org/drawingml/2006/main" xmlns:r="http://schemas.openxmlformats.org/officeDocument/2006/relationships" xmlns:p="http://schemas.openxmlformats.org/presentationml/2006/main">
   <p:cSld>
     <p:spTree>
@@ -18344,10 +18434,9 @@
           <a:lstStyle/>
           <a:p>
             <a:r>
-              <a:rPr lang="en-US" dirty="0" smtClean="0"/>
+              <a:rPr lang="en-US" dirty="0"/>
               <a:t>Azure Machine Learning</a:t>
             </a:r>
-            <a:endParaRPr lang="en-US" dirty="0"/>
           </a:p>
         </p:txBody>
       </p:sp>
@@ -18372,10 +18461,15 @@
           <a:lstStyle/>
           <a:p>
             <a:r>
-              <a:rPr lang="en-US" dirty="0" smtClean="0"/>
+              <a:rPr lang="en-US" dirty="0"/>
               <a:t>Fully managed cloud service for building and operationalizing ML models</a:t>
             </a:r>
-            <a:endParaRPr lang="en-US" dirty="0"/>
+          </a:p>
+          <a:p>
+            <a:r>
+              <a:rPr lang="en-US" dirty="0"/>
+              <a:t>Azure Machine Learning Studio</a:t>
+            </a:r>
           </a:p>
         </p:txBody>
       </p:sp>
@@ -18411,7 +18505,7 @@
         </p:nvSpPr>
         <p:spPr bwMode="auto">
           <a:xfrm>
-            <a:off x="508285" y="3055490"/>
+            <a:off x="498557" y="3532145"/>
             <a:ext cx="2778917" cy="2958202"/>
           </a:xfrm>
           <a:prstGeom prst="rect">
@@ -18535,7 +18629,7 @@
         </p:nvSpPr>
         <p:spPr bwMode="auto">
           <a:xfrm>
-            <a:off x="3287202" y="3055490"/>
+            <a:off x="3277474" y="3532145"/>
             <a:ext cx="2778917" cy="2958202"/>
           </a:xfrm>
           <a:prstGeom prst="rect">
@@ -18604,7 +18698,7 @@
         </p:nvSpPr>
         <p:spPr bwMode="auto">
           <a:xfrm>
-            <a:off x="6066119" y="3055490"/>
+            <a:off x="6056391" y="3532145"/>
             <a:ext cx="2936845" cy="2958202"/>
           </a:xfrm>
           <a:prstGeom prst="rect">
@@ -18673,7 +18767,7 @@
         </p:nvSpPr>
         <p:spPr bwMode="auto">
           <a:xfrm>
-            <a:off x="8845036" y="3055490"/>
+            <a:off x="8835308" y="3532145"/>
             <a:ext cx="2778917" cy="2958202"/>
           </a:xfrm>
           <a:prstGeom prst="rect">
@@ -18742,7 +18836,7 @@
         </p:nvSpPr>
         <p:spPr>
           <a:xfrm>
-            <a:off x="478896" y="4442088"/>
+            <a:off x="469168" y="4918743"/>
             <a:ext cx="2607782" cy="1176733"/>
           </a:xfrm>
           <a:prstGeom prst="rect">
@@ -18804,7 +18898,7 @@
         </p:nvSpPr>
         <p:spPr>
           <a:xfrm>
-            <a:off x="3257811" y="4442086"/>
+            <a:off x="3248083" y="4918741"/>
             <a:ext cx="2777982" cy="1448287"/>
           </a:xfrm>
           <a:prstGeom prst="rect">
@@ -18846,7 +18940,7 @@
         </p:nvSpPr>
         <p:spPr>
           <a:xfrm>
-            <a:off x="6036729" y="4442086"/>
+            <a:off x="6027001" y="4918741"/>
             <a:ext cx="2607782" cy="1448287"/>
           </a:xfrm>
           <a:prstGeom prst="rect">
@@ -18888,7 +18982,7 @@
         </p:nvSpPr>
         <p:spPr>
           <a:xfrm>
-            <a:off x="8816581" y="4442087"/>
+            <a:off x="8806853" y="4918742"/>
             <a:ext cx="2607782" cy="1176733"/>
           </a:xfrm>
           <a:prstGeom prst="rect">
@@ -18935,7 +19029,7 @@
 </p:sld>
 </file>
 
-<file path=ppt/slides/slide6.xml><?xml version="1.0" encoding="utf-8"?>
+<file path=ppt/slides/slide7.xml><?xml version="1.0" encoding="utf-8"?>
 <p:sld xmlns:a="http://schemas.openxmlformats.org/drawingml/2006/main" xmlns:r="http://schemas.openxmlformats.org/officeDocument/2006/relationships" xmlns:p="http://schemas.openxmlformats.org/presentationml/2006/main">
   <p:cSld>
     <p:spTree>
@@ -18984,7 +19078,7 @@
               <a:buSzPct val="80000"/>
             </a:pPr>
             <a:r>
-              <a:rPr lang="en-US" sz="6000" i="1" dirty="0" smtClean="0">
+              <a:rPr lang="en-US" sz="6000" i="1" dirty="0">
                 <a:solidFill>
                   <a:schemeClr val="accent2"/>
                 </a:solidFill>
@@ -18993,13 +19087,6 @@
               </a:rPr>
               <a:t>I spent last semester building a regression model in Python, and I just did the same thing in 10 minutes with Azure ML</a:t>
             </a:r>
-            <a:endParaRPr lang="en-US" sz="6000" i="1" dirty="0">
-              <a:solidFill>
-                <a:schemeClr val="accent2"/>
-              </a:solidFill>
-              <a:latin typeface="Segoe UI Light" panose="020B0502040204020203" pitchFamily="34" charset="0"/>
-              <a:cs typeface="Segoe UI Light" panose="020B0502040204020203" pitchFamily="34" charset="0"/>
-            </a:endParaRPr>
           </a:p>
         </p:txBody>
       </p:sp>
@@ -19073,17 +19160,10 @@
   <p:clrMapOvr>
     <a:masterClrMapping/>
   </p:clrMapOvr>
-  <p:timing>
-    <p:tnLst>
-      <p:par>
-        <p:cTn id="1" dur="indefinite" restart="never" nodeType="tmRoot"/>
-      </p:par>
-    </p:tnLst>
-  </p:timing>
 </p:sld>
 </file>
 
-<file path=ppt/slides/slide7.xml><?xml version="1.0" encoding="utf-8"?>
+<file path=ppt/slides/slide8.xml><?xml version="1.0" encoding="utf-8"?>
 <p:sld xmlns:a="http://schemas.openxmlformats.org/drawingml/2006/main" xmlns:r="http://schemas.openxmlformats.org/officeDocument/2006/relationships" xmlns:p="http://schemas.openxmlformats.org/presentationml/2006/main">
   <p:cSld>
     <p:spTree>
@@ -19116,14 +19196,9 @@
           <a:lstStyle/>
           <a:p>
             <a:r>
-              <a:rPr lang="en-US" dirty="0" smtClean="0"/>
-              <a:t>Azure Machine </a:t>
-            </a:r>
-            <a:r>
-              <a:rPr lang="en-US" dirty="0" smtClean="0"/>
-              <a:t>Learning Studio</a:t>
-            </a:r>
-            <a:endParaRPr lang="en-US" dirty="0"/>
+              <a:rPr lang="en-US" dirty="0"/>
+              <a:t>Azure Machine Learning Studio</a:t>
+            </a:r>
           </a:p>
         </p:txBody>
       </p:sp>
@@ -19150,93 +19225,42 @@
           <a:lstStyle/>
           <a:p>
             <a:r>
-              <a:rPr lang="en-US" dirty="0" smtClean="0"/>
-              <a:t>Visual editor </a:t>
-            </a:r>
-            <a:r>
-              <a:rPr lang="en-US" dirty="0" smtClean="0"/>
-              <a:t>for </a:t>
-            </a:r>
-            <a:r>
-              <a:rPr lang="en-US" dirty="0" smtClean="0"/>
-              <a:t>composing, testing, refining, and deploying machine-learning models</a:t>
-            </a:r>
-            <a:endParaRPr lang="en-US" dirty="0"/>
+              <a:rPr lang="en-US" dirty="0"/>
+              <a:t>Visual editor for composing, testing, refining, and deploying machine-learning models</a:t>
+            </a:r>
           </a:p>
           <a:p>
             <a:pPr lvl="1"/>
             <a:r>
               <a:rPr lang="en-US" dirty="0"/>
-              <a:t>Includes </a:t>
-            </a:r>
-            <a:r>
-              <a:rPr lang="en-US" dirty="0" smtClean="0"/>
-              <a:t>hundreds of modules</a:t>
-            </a:r>
-            <a:endParaRPr lang="en-US" dirty="0"/>
+              <a:t>Includes hundreds of modules</a:t>
+            </a:r>
           </a:p>
           <a:p>
             <a:pPr lvl="1"/>
             <a:r>
               <a:rPr lang="en-US" dirty="0"/>
-              <a:t>Includes </a:t>
-            </a:r>
-            <a:r>
-              <a:rPr lang="en-US" dirty="0" smtClean="0"/>
-              <a:t>common algorithms </a:t>
-            </a:r>
+              <a:t>Includes common algorithms for classification, regression, and more</a:t>
+            </a:r>
+          </a:p>
+          <a:p>
+            <a:pPr lvl="1"/>
             <a:r>
               <a:rPr lang="en-US" dirty="0"/>
-              <a:t>for classification, regression, </a:t>
-            </a:r>
-            <a:r>
-              <a:rPr lang="en-US" dirty="0" smtClean="0"/>
-              <a:t>and </a:t>
-            </a:r>
+              <a:t>Supports numerous input formats</a:t>
+            </a:r>
+          </a:p>
+          <a:p>
+            <a:pPr lvl="1"/>
             <a:r>
               <a:rPr lang="en-US" dirty="0"/>
-              <a:t>more</a:t>
-            </a:r>
-          </a:p>
-          <a:p>
-            <a:pPr lvl="1"/>
+              <a:t>Supports R and Python</a:t>
+            </a:r>
+          </a:p>
+          <a:p>
             <a:r>
               <a:rPr lang="en-US" dirty="0"/>
-              <a:t>Supports </a:t>
-            </a:r>
-            <a:r>
-              <a:rPr lang="en-US" dirty="0" smtClean="0"/>
-              <a:t>numerous input formats</a:t>
-            </a:r>
-            <a:endParaRPr lang="en-US" dirty="0"/>
-          </a:p>
-          <a:p>
-            <a:pPr lvl="1"/>
-            <a:r>
-              <a:rPr lang="en-US" dirty="0"/>
-              <a:t>Supports R and </a:t>
-            </a:r>
-            <a:r>
-              <a:rPr lang="en-US" dirty="0" smtClean="0"/>
-              <a:t>Python</a:t>
-            </a:r>
-          </a:p>
-          <a:p>
-            <a:r>
-              <a:rPr lang="en-US" dirty="0" smtClean="0"/>
-              <a:t>Machine </a:t>
-            </a:r>
-            <a:r>
-              <a:rPr lang="en-US" dirty="0"/>
-              <a:t>l</a:t>
-            </a:r>
-            <a:r>
-              <a:rPr lang="en-US" dirty="0" smtClean="0"/>
-              <a:t>earning </a:t>
-            </a:r>
-            <a:r>
-              <a:rPr lang="en-US" dirty="0"/>
-              <a:t>for the masses</a:t>
+              <a:t>Machine learning for the masses</a:t>
             </a:r>
           </a:p>
           <a:p>
@@ -19298,17 +19322,10 @@
   <p:clrMapOvr>
     <a:masterClrMapping/>
   </p:clrMapOvr>
-  <p:timing>
-    <p:tnLst>
-      <p:par>
-        <p:cTn id="1" dur="indefinite" restart="never" nodeType="tmRoot"/>
-      </p:par>
-    </p:tnLst>
-  </p:timing>
 </p:sld>
 </file>
 
-<file path=ppt/slides/slide8.xml><?xml version="1.0" encoding="utf-8"?>
+<file path=ppt/slides/slide9.xml><?xml version="1.0" encoding="utf-8"?>
 <p:sld xmlns:a="http://schemas.openxmlformats.org/drawingml/2006/main" xmlns:r="http://schemas.openxmlformats.org/officeDocument/2006/relationships" xmlns:p="http://schemas.openxmlformats.org/presentationml/2006/main">
   <p:cSld>
     <p:spTree>
@@ -19341,10 +19358,9 @@
           <a:lstStyle/>
           <a:p>
             <a:r>
-              <a:rPr lang="en-US" dirty="0" smtClean="0"/>
+              <a:rPr lang="en-US" dirty="0"/>
               <a:t>The Machine Learning Process</a:t>
             </a:r>
-            <a:endParaRPr lang="en-US" dirty="0"/>
           </a:p>
         </p:txBody>
       </p:sp>
@@ -19404,7 +19420,7 @@
               <a:buSzPct val="80000"/>
             </a:pPr>
             <a:r>
-              <a:rPr lang="en-US" sz="1400" dirty="0" smtClean="0">
+              <a:rPr lang="en-US" sz="1400" dirty="0">
                 <a:gradFill>
                   <a:gsLst>
                     <a:gs pos="0">
@@ -19425,25 +19441,6 @@
               </a:rPr>
               <a:t>From "Introduction to Microsoft Azure" by David Chappell</a:t>
             </a:r>
-            <a:endParaRPr lang="en-US" sz="1400" dirty="0">
-              <a:gradFill>
-                <a:gsLst>
-                  <a:gs pos="0">
-                    <a:srgbClr val="292929">
-                      <a:lumMod val="90000"/>
-                      <a:lumOff val="10000"/>
-                    </a:srgbClr>
-                  </a:gs>
-                  <a:gs pos="86000">
-                    <a:srgbClr val="292929">
-                      <a:lumMod val="90000"/>
-                      <a:lumOff val="10000"/>
-                    </a:srgbClr>
-                  </a:gs>
-                </a:gsLst>
-                <a:lin ang="5400000" scaled="0"/>
-              </a:gradFill>
-            </a:endParaRPr>
           </a:p>
         </p:txBody>
       </p:sp>
@@ -19457,207 +19454,6 @@
   <p:clrMapOvr>
     <a:masterClrMapping/>
   </p:clrMapOvr>
-  <p:timing>
-    <p:tnLst>
-      <p:par>
-        <p:cTn id="1" dur="indefinite" restart="never" nodeType="tmRoot"/>
-      </p:par>
-    </p:tnLst>
-  </p:timing>
-</p:sld>
-</file>
-
-<file path=ppt/slides/slide9.xml><?xml version="1.0" encoding="utf-8"?>
-<p:sld xmlns:a="http://schemas.openxmlformats.org/drawingml/2006/main" xmlns:r="http://schemas.openxmlformats.org/officeDocument/2006/relationships" xmlns:p="http://schemas.openxmlformats.org/presentationml/2006/main">
-  <p:cSld>
-    <p:spTree>
-      <p:nvGrpSpPr>
-        <p:cNvPr id="1" name=""/>
-        <p:cNvGrpSpPr/>
-        <p:nvPr/>
-      </p:nvGrpSpPr>
-      <p:grpSpPr>
-        <a:xfrm>
-          <a:off x="0" y="0"/>
-          <a:ext cx="0" cy="0"/>
-          <a:chOff x="0" y="0"/>
-          <a:chExt cx="0" cy="0"/>
-        </a:xfrm>
-      </p:grpSpPr>
-      <p:sp>
-        <p:nvSpPr>
-          <p:cNvPr id="2" name="Title 1"/>
-          <p:cNvSpPr>
-            <a:spLocks noGrp="1"/>
-          </p:cNvSpPr>
-          <p:nvPr>
-            <p:ph type="title"/>
-          </p:nvPr>
-        </p:nvSpPr>
-        <p:spPr/>
-        <p:txBody>
-          <a:bodyPr/>
-          <a:lstStyle/>
-          <a:p>
-            <a:r>
-              <a:rPr lang="en-US" dirty="0" smtClean="0"/>
-              <a:t>Azure Machine Learning Algorithms</a:t>
-            </a:r>
-            <a:endParaRPr lang="en-US" dirty="0"/>
-          </a:p>
-        </p:txBody>
-      </p:sp>
-      <p:pic>
-        <p:nvPicPr>
-          <p:cNvPr id="5" name="Picture 4"/>
-          <p:cNvPicPr>
-            <a:picLocks noChangeAspect="1"/>
-          </p:cNvPicPr>
-          <p:nvPr/>
-        </p:nvPicPr>
-        <p:blipFill rotWithShape="1">
-          <a:blip r:embed="rId3"/>
-          <a:srcRect b="8857"/>
-          <a:stretch/>
-        </p:blipFill>
-        <p:spPr>
-          <a:xfrm>
-            <a:off x="8709536" y="1869387"/>
-            <a:ext cx="2131076" cy="3146128"/>
-          </a:xfrm>
-          <a:prstGeom prst="rect">
-            <a:avLst/>
-          </a:prstGeom>
-          <a:ln>
-            <a:noFill/>
-          </a:ln>
-          <a:effectLst>
-            <a:outerShdw blurRad="292100" dist="139700" dir="2700000" algn="tl" rotWithShape="0">
-              <a:srgbClr val="333333">
-                <a:alpha val="65000"/>
-              </a:srgbClr>
-            </a:outerShdw>
-          </a:effectLst>
-        </p:spPr>
-      </p:pic>
-      <p:pic>
-        <p:nvPicPr>
-          <p:cNvPr id="6" name="Picture 5"/>
-          <p:cNvPicPr>
-            <a:picLocks noChangeAspect="1"/>
-          </p:cNvPicPr>
-          <p:nvPr/>
-        </p:nvPicPr>
-        <p:blipFill rotWithShape="1">
-          <a:blip r:embed="rId4"/>
-          <a:srcRect b="14976"/>
-          <a:stretch/>
-        </p:blipFill>
-        <p:spPr>
-          <a:xfrm>
-            <a:off x="1229538" y="1849995"/>
-            <a:ext cx="2131075" cy="1743637"/>
-          </a:xfrm>
-          <a:prstGeom prst="rect">
-            <a:avLst/>
-          </a:prstGeom>
-          <a:ln>
-            <a:noFill/>
-          </a:ln>
-          <a:effectLst>
-            <a:outerShdw blurRad="292100" dist="139700" dir="2700000" algn="tl" rotWithShape="0">
-              <a:srgbClr val="333333">
-                <a:alpha val="65000"/>
-              </a:srgbClr>
-            </a:outerShdw>
-          </a:effectLst>
-        </p:spPr>
-      </p:pic>
-      <p:pic>
-        <p:nvPicPr>
-          <p:cNvPr id="7" name="Picture 6"/>
-          <p:cNvPicPr>
-            <a:picLocks noChangeAspect="1"/>
-          </p:cNvPicPr>
-          <p:nvPr/>
-        </p:nvPicPr>
-        <p:blipFill>
-          <a:blip r:embed="rId5"/>
-          <a:stretch>
-            <a:fillRect/>
-          </a:stretch>
-        </p:blipFill>
-        <p:spPr>
-          <a:xfrm>
-            <a:off x="3717166" y="1849995"/>
-            <a:ext cx="2134527" cy="4454943"/>
-          </a:xfrm>
-          <a:prstGeom prst="rect">
-            <a:avLst/>
-          </a:prstGeom>
-          <a:ln>
-            <a:noFill/>
-          </a:ln>
-          <a:effectLst>
-            <a:outerShdw blurRad="292100" dist="139700" dir="2700000" algn="tl" rotWithShape="0">
-              <a:srgbClr val="333333">
-                <a:alpha val="65000"/>
-              </a:srgbClr>
-            </a:outerShdw>
-          </a:effectLst>
-        </p:spPr>
-      </p:pic>
-      <p:pic>
-        <p:nvPicPr>
-          <p:cNvPr id="8" name="Picture 7"/>
-          <p:cNvPicPr>
-            <a:picLocks noChangeAspect="1"/>
-          </p:cNvPicPr>
-          <p:nvPr/>
-        </p:nvPicPr>
-        <p:blipFill>
-          <a:blip r:embed="rId6"/>
-          <a:stretch>
-            <a:fillRect/>
-          </a:stretch>
-        </p:blipFill>
-        <p:spPr>
-          <a:xfrm>
-            <a:off x="6208246" y="1869387"/>
-            <a:ext cx="2144737" cy="1504424"/>
-          </a:xfrm>
-          <a:prstGeom prst="rect">
-            <a:avLst/>
-          </a:prstGeom>
-          <a:ln>
-            <a:noFill/>
-          </a:ln>
-          <a:effectLst>
-            <a:outerShdw blurRad="292100" dist="139700" dir="2700000" algn="tl" rotWithShape="0">
-              <a:srgbClr val="333333">
-                <a:alpha val="65000"/>
-              </a:srgbClr>
-            </a:outerShdw>
-          </a:effectLst>
-        </p:spPr>
-      </p:pic>
-    </p:spTree>
-    <p:extLst>
-      <p:ext uri="{BB962C8B-B14F-4D97-AF65-F5344CB8AC3E}">
-        <p14:creationId xmlns:p14="http://schemas.microsoft.com/office/powerpoint/2010/main" val="2803037992"/>
-      </p:ext>
-    </p:extLst>
-  </p:cSld>
-  <p:clrMapOvr>
-    <a:masterClrMapping/>
-  </p:clrMapOvr>
-  <p:timing>
-    <p:tnLst>
-      <p:par>
-        <p:cTn id="1" dur="indefinite" restart="never" nodeType="tmRoot"/>
-      </p:par>
-    </p:tnLst>
-  </p:timing>
 </p:sld>
 </file>
 

--- a/Big Data and Analytics/Azure Machine Learning/Session 1 - Introduction and Slides/Azure Machine Learning.pptx
+++ b/Big Data and Analytics/Azure Machine Learning/Session 1 - Introduction and Slides/Azure Machine Learning.pptx
@@ -216,7 +216,7 @@
           <a:p>
             <a:fld id="{49B60EF2-7028-489F-85D8-FE86CD7CF2A0}" type="datetimeFigureOut">
               <a:rPr lang="en-US" smtClean="0"/>
-              <a:t>2017-05-16</a:t>
+              <a:t>2017-06-03</a:t>
             </a:fld>
             <a:endParaRPr lang="en-US"/>
           </a:p>
@@ -2268,7 +2268,7 @@
           <a:p>
             <a:fld id="{0459C166-16D3-4A25-A2F8-C51E0E346B22}" type="datetimeFigureOut">
               <a:rPr lang="en-US" smtClean="0"/>
-              <a:t>2017-05-16</a:t>
+              <a:t>2017-06-03</a:t>
             </a:fld>
             <a:endParaRPr lang="en-US"/>
           </a:p>
@@ -2363,7 +2363,7 @@
           <a:p>
             <a:fld id="{0459C166-16D3-4A25-A2F8-C51E0E346B22}" type="datetimeFigureOut">
               <a:rPr lang="en-US" smtClean="0"/>
-              <a:t>2017-05-16</a:t>
+              <a:t>2017-06-03</a:t>
             </a:fld>
             <a:endParaRPr lang="en-US"/>
           </a:p>
@@ -2638,7 +2638,7 @@
           <a:p>
             <a:fld id="{0459C166-16D3-4A25-A2F8-C51E0E346B22}" type="datetimeFigureOut">
               <a:rPr lang="en-US" smtClean="0"/>
-              <a:t>2017-05-16</a:t>
+              <a:t>2017-06-03</a:t>
             </a:fld>
             <a:endParaRPr lang="en-US"/>
           </a:p>
@@ -2890,7 +2890,7 @@
           <a:p>
             <a:fld id="{0459C166-16D3-4A25-A2F8-C51E0E346B22}" type="datetimeFigureOut">
               <a:rPr lang="en-US" smtClean="0"/>
-              <a:t>2017-05-16</a:t>
+              <a:t>2017-06-03</a:t>
             </a:fld>
             <a:endParaRPr lang="en-US"/>
           </a:p>
@@ -3058,7 +3058,7 @@
           <a:p>
             <a:fld id="{0459C166-16D3-4A25-A2F8-C51E0E346B22}" type="datetimeFigureOut">
               <a:rPr lang="en-US" smtClean="0"/>
-              <a:t>2017-05-16</a:t>
+              <a:t>2017-06-03</a:t>
             </a:fld>
             <a:endParaRPr lang="en-US"/>
           </a:p>
@@ -3236,7 +3236,7 @@
           <a:p>
             <a:fld id="{0459C166-16D3-4A25-A2F8-C51E0E346B22}" type="datetimeFigureOut">
               <a:rPr lang="en-US" smtClean="0"/>
-              <a:t>2017-05-16</a:t>
+              <a:t>2017-06-03</a:t>
             </a:fld>
             <a:endParaRPr lang="en-US"/>
           </a:p>
@@ -5141,7 +5141,7 @@
           <a:p>
             <a:fld id="{0459C166-16D3-4A25-A2F8-C51E0E346B22}" type="datetimeFigureOut">
               <a:rPr lang="en-US" smtClean="0"/>
-              <a:t>2017-05-16</a:t>
+              <a:t>2017-06-03</a:t>
             </a:fld>
             <a:endParaRPr lang="en-US"/>
           </a:p>
@@ -10705,7 +10705,7 @@
             <a:fld id="{0459C166-16D3-4A25-A2F8-C51E0E346B22}" type="datetimeFigureOut">
               <a:rPr lang="en-US" smtClean="0"/>
               <a:pPr/>
-              <a:t>2017-05-16</a:t>
+              <a:t>2017-06-03</a:t>
             </a:fld>
             <a:endParaRPr lang="en-US"/>
           </a:p>
@@ -14626,7 +14626,7 @@
           <a:p>
             <a:fld id="{0459C166-16D3-4A25-A2F8-C51E0E346B22}" type="datetimeFigureOut">
               <a:rPr lang="en-US" smtClean="0"/>
-              <a:t>2017-05-16</a:t>
+              <a:t>2017-06-03</a:t>
             </a:fld>
             <a:endParaRPr lang="en-US"/>
           </a:p>
@@ -14990,7 +14990,7 @@
           <a:p>
             <a:fld id="{0459C166-16D3-4A25-A2F8-C51E0E346B22}" type="datetimeFigureOut">
               <a:rPr lang="en-US" smtClean="0"/>
-              <a:t>2017-05-16</a:t>
+              <a:t>2017-06-03</a:t>
             </a:fld>
             <a:endParaRPr lang="en-US"/>
           </a:p>
@@ -15107,7 +15107,7 @@
           <a:p>
             <a:fld id="{0459C166-16D3-4A25-A2F8-C51E0E346B22}" type="datetimeFigureOut">
               <a:rPr lang="en-US" smtClean="0"/>
-              <a:t>2017-05-16</a:t>
+              <a:t>2017-06-03</a:t>
             </a:fld>
             <a:endParaRPr lang="en-US"/>
           </a:p>
@@ -15318,7 +15318,7 @@
           <a:p>
             <a:fld id="{0459C166-16D3-4A25-A2F8-C51E0E346B22}" type="datetimeFigureOut">
               <a:rPr lang="en-US" smtClean="0"/>
-              <a:t>2017-05-16</a:t>
+              <a:t>2017-06-03</a:t>
             </a:fld>
             <a:endParaRPr lang="en-US"/>
           </a:p>
@@ -17689,6 +17689,320 @@
   <p:clrMapOvr>
     <a:masterClrMapping/>
   </p:clrMapOvr>
+  <p:timing>
+    <p:tnLst>
+      <p:par>
+        <p:cTn id="1" dur="indefinite" restart="never" nodeType="tmRoot">
+          <p:childTnLst>
+            <p:seq concurrent="1" nextAc="seek">
+              <p:cTn id="2" dur="indefinite" nodeType="mainSeq">
+                <p:childTnLst>
+                  <p:par>
+                    <p:cTn id="3" fill="hold">
+                      <p:stCondLst>
+                        <p:cond delay="indefinite"/>
+                      </p:stCondLst>
+                      <p:childTnLst>
+                        <p:par>
+                          <p:cTn id="4" fill="hold">
+                            <p:stCondLst>
+                              <p:cond delay="0"/>
+                            </p:stCondLst>
+                            <p:childTnLst>
+                              <p:par>
+                                <p:cTn id="5" presetID="1" presetClass="entr" presetSubtype="0" fill="hold" nodeType="clickEffect">
+                                  <p:stCondLst>
+                                    <p:cond delay="0"/>
+                                  </p:stCondLst>
+                                  <p:childTnLst>
+                                    <p:set>
+                                      <p:cBhvr>
+                                        <p:cTn id="6" dur="1" fill="hold">
+                                          <p:stCondLst>
+                                            <p:cond delay="0"/>
+                                          </p:stCondLst>
+                                        </p:cTn>
+                                        <p:tgtEl>
+                                          <p:spTgt spid="3">
+                                            <p:txEl>
+                                              <p:pRg st="0" end="0"/>
+                                            </p:txEl>
+                                          </p:spTgt>
+                                        </p:tgtEl>
+                                        <p:attrNameLst>
+                                          <p:attrName>style.visibility</p:attrName>
+                                        </p:attrNameLst>
+                                      </p:cBhvr>
+                                      <p:to>
+                                        <p:strVal val="visible"/>
+                                      </p:to>
+                                    </p:set>
+                                  </p:childTnLst>
+                                </p:cTn>
+                              </p:par>
+                              <p:par>
+                                <p:cTn id="7" presetID="1" presetClass="entr" presetSubtype="0" fill="hold" nodeType="withEffect">
+                                  <p:stCondLst>
+                                    <p:cond delay="0"/>
+                                  </p:stCondLst>
+                                  <p:childTnLst>
+                                    <p:set>
+                                      <p:cBhvr>
+                                        <p:cTn id="8" dur="1" fill="hold">
+                                          <p:stCondLst>
+                                            <p:cond delay="0"/>
+                                          </p:stCondLst>
+                                        </p:cTn>
+                                        <p:tgtEl>
+                                          <p:spTgt spid="3">
+                                            <p:txEl>
+                                              <p:pRg st="1" end="1"/>
+                                            </p:txEl>
+                                          </p:spTgt>
+                                        </p:tgtEl>
+                                        <p:attrNameLst>
+                                          <p:attrName>style.visibility</p:attrName>
+                                        </p:attrNameLst>
+                                      </p:cBhvr>
+                                      <p:to>
+                                        <p:strVal val="visible"/>
+                                      </p:to>
+                                    </p:set>
+                                  </p:childTnLst>
+                                </p:cTn>
+                              </p:par>
+                              <p:par>
+                                <p:cTn id="9" presetID="1" presetClass="entr" presetSubtype="0" fill="hold" nodeType="withEffect">
+                                  <p:stCondLst>
+                                    <p:cond delay="0"/>
+                                  </p:stCondLst>
+                                  <p:childTnLst>
+                                    <p:set>
+                                      <p:cBhvr>
+                                        <p:cTn id="10" dur="1" fill="hold">
+                                          <p:stCondLst>
+                                            <p:cond delay="0"/>
+                                          </p:stCondLst>
+                                        </p:cTn>
+                                        <p:tgtEl>
+                                          <p:spTgt spid="3">
+                                            <p:txEl>
+                                              <p:pRg st="2" end="2"/>
+                                            </p:txEl>
+                                          </p:spTgt>
+                                        </p:tgtEl>
+                                        <p:attrNameLst>
+                                          <p:attrName>style.visibility</p:attrName>
+                                        </p:attrNameLst>
+                                      </p:cBhvr>
+                                      <p:to>
+                                        <p:strVal val="visible"/>
+                                      </p:to>
+                                    </p:set>
+                                  </p:childTnLst>
+                                </p:cTn>
+                              </p:par>
+                            </p:childTnLst>
+                          </p:cTn>
+                        </p:par>
+                      </p:childTnLst>
+                    </p:cTn>
+                  </p:par>
+                  <p:par>
+                    <p:cTn id="11" fill="hold">
+                      <p:stCondLst>
+                        <p:cond delay="indefinite"/>
+                      </p:stCondLst>
+                      <p:childTnLst>
+                        <p:par>
+                          <p:cTn id="12" fill="hold">
+                            <p:stCondLst>
+                              <p:cond delay="0"/>
+                            </p:stCondLst>
+                            <p:childTnLst>
+                              <p:par>
+                                <p:cTn id="13" presetID="1" presetClass="entr" presetSubtype="0" fill="hold" nodeType="clickEffect">
+                                  <p:stCondLst>
+                                    <p:cond delay="0"/>
+                                  </p:stCondLst>
+                                  <p:childTnLst>
+                                    <p:set>
+                                      <p:cBhvr>
+                                        <p:cTn id="14" dur="1" fill="hold">
+                                          <p:stCondLst>
+                                            <p:cond delay="0"/>
+                                          </p:stCondLst>
+                                        </p:cTn>
+                                        <p:tgtEl>
+                                          <p:spTgt spid="3">
+                                            <p:txEl>
+                                              <p:pRg st="3" end="3"/>
+                                            </p:txEl>
+                                          </p:spTgt>
+                                        </p:tgtEl>
+                                        <p:attrNameLst>
+                                          <p:attrName>style.visibility</p:attrName>
+                                        </p:attrNameLst>
+                                      </p:cBhvr>
+                                      <p:to>
+                                        <p:strVal val="visible"/>
+                                      </p:to>
+                                    </p:set>
+                                  </p:childTnLst>
+                                </p:cTn>
+                              </p:par>
+                              <p:par>
+                                <p:cTn id="15" presetID="1" presetClass="entr" presetSubtype="0" fill="hold" nodeType="withEffect">
+                                  <p:stCondLst>
+                                    <p:cond delay="0"/>
+                                  </p:stCondLst>
+                                  <p:childTnLst>
+                                    <p:set>
+                                      <p:cBhvr>
+                                        <p:cTn id="16" dur="1" fill="hold">
+                                          <p:stCondLst>
+                                            <p:cond delay="0"/>
+                                          </p:stCondLst>
+                                        </p:cTn>
+                                        <p:tgtEl>
+                                          <p:spTgt spid="3">
+                                            <p:txEl>
+                                              <p:pRg st="4" end="4"/>
+                                            </p:txEl>
+                                          </p:spTgt>
+                                        </p:tgtEl>
+                                        <p:attrNameLst>
+                                          <p:attrName>style.visibility</p:attrName>
+                                        </p:attrNameLst>
+                                      </p:cBhvr>
+                                      <p:to>
+                                        <p:strVal val="visible"/>
+                                      </p:to>
+                                    </p:set>
+                                  </p:childTnLst>
+                                </p:cTn>
+                              </p:par>
+                              <p:par>
+                                <p:cTn id="17" presetID="1" presetClass="entr" presetSubtype="0" fill="hold" nodeType="withEffect">
+                                  <p:stCondLst>
+                                    <p:cond delay="0"/>
+                                  </p:stCondLst>
+                                  <p:childTnLst>
+                                    <p:set>
+                                      <p:cBhvr>
+                                        <p:cTn id="18" dur="1" fill="hold">
+                                          <p:stCondLst>
+                                            <p:cond delay="0"/>
+                                          </p:stCondLst>
+                                        </p:cTn>
+                                        <p:tgtEl>
+                                          <p:spTgt spid="3">
+                                            <p:txEl>
+                                              <p:pRg st="5" end="5"/>
+                                            </p:txEl>
+                                          </p:spTgt>
+                                        </p:tgtEl>
+                                        <p:attrNameLst>
+                                          <p:attrName>style.visibility</p:attrName>
+                                        </p:attrNameLst>
+                                      </p:cBhvr>
+                                      <p:to>
+                                        <p:strVal val="visible"/>
+                                      </p:to>
+                                    </p:set>
+                                  </p:childTnLst>
+                                </p:cTn>
+                              </p:par>
+                              <p:par>
+                                <p:cTn id="19" presetID="1" presetClass="entr" presetSubtype="0" fill="hold" nodeType="withEffect">
+                                  <p:stCondLst>
+                                    <p:cond delay="0"/>
+                                  </p:stCondLst>
+                                  <p:childTnLst>
+                                    <p:set>
+                                      <p:cBhvr>
+                                        <p:cTn id="20" dur="1" fill="hold">
+                                          <p:stCondLst>
+                                            <p:cond delay="0"/>
+                                          </p:stCondLst>
+                                        </p:cTn>
+                                        <p:tgtEl>
+                                          <p:spTgt spid="3">
+                                            <p:txEl>
+                                              <p:pRg st="6" end="6"/>
+                                            </p:txEl>
+                                          </p:spTgt>
+                                        </p:tgtEl>
+                                        <p:attrNameLst>
+                                          <p:attrName>style.visibility</p:attrName>
+                                        </p:attrNameLst>
+                                      </p:cBhvr>
+                                      <p:to>
+                                        <p:strVal val="visible"/>
+                                      </p:to>
+                                    </p:set>
+                                  </p:childTnLst>
+                                </p:cTn>
+                              </p:par>
+                              <p:par>
+                                <p:cTn id="21" presetID="1" presetClass="entr" presetSubtype="0" fill="hold" nodeType="withEffect">
+                                  <p:stCondLst>
+                                    <p:cond delay="0"/>
+                                  </p:stCondLst>
+                                  <p:childTnLst>
+                                    <p:set>
+                                      <p:cBhvr>
+                                        <p:cTn id="22" dur="1" fill="hold">
+                                          <p:stCondLst>
+                                            <p:cond delay="0"/>
+                                          </p:stCondLst>
+                                        </p:cTn>
+                                        <p:tgtEl>
+                                          <p:spTgt spid="3">
+                                            <p:txEl>
+                                              <p:pRg st="7" end="7"/>
+                                            </p:txEl>
+                                          </p:spTgt>
+                                        </p:tgtEl>
+                                        <p:attrNameLst>
+                                          <p:attrName>style.visibility</p:attrName>
+                                        </p:attrNameLst>
+                                      </p:cBhvr>
+                                      <p:to>
+                                        <p:strVal val="visible"/>
+                                      </p:to>
+                                    </p:set>
+                                  </p:childTnLst>
+                                </p:cTn>
+                              </p:par>
+                            </p:childTnLst>
+                          </p:cTn>
+                        </p:par>
+                      </p:childTnLst>
+                    </p:cTn>
+                  </p:par>
+                </p:childTnLst>
+              </p:cTn>
+              <p:prevCondLst>
+                <p:cond evt="onPrev" delay="0">
+                  <p:tgtEl>
+                    <p:sldTgt/>
+                  </p:tgtEl>
+                </p:cond>
+              </p:prevCondLst>
+              <p:nextCondLst>
+                <p:cond evt="onNext" delay="0">
+                  <p:tgtEl>
+                    <p:sldTgt/>
+                  </p:tgtEl>
+                </p:cond>
+              </p:nextCondLst>
+            </p:seq>
+          </p:childTnLst>
+        </p:cTn>
+      </p:par>
+    </p:tnLst>
+  </p:timing>
 </p:sld>
 </file>
 
@@ -17864,6 +18178,400 @@
   <p:clrMapOvr>
     <a:masterClrMapping/>
   </p:clrMapOvr>
+  <p:timing>
+    <p:tnLst>
+      <p:par>
+        <p:cTn id="1" dur="indefinite" restart="never" nodeType="tmRoot">
+          <p:childTnLst>
+            <p:seq concurrent="1" nextAc="seek">
+              <p:cTn id="2" dur="indefinite" nodeType="mainSeq">
+                <p:childTnLst>
+                  <p:par>
+                    <p:cTn id="3" fill="hold">
+                      <p:stCondLst>
+                        <p:cond delay="indefinite"/>
+                      </p:stCondLst>
+                      <p:childTnLst>
+                        <p:par>
+                          <p:cTn id="4" fill="hold">
+                            <p:stCondLst>
+                              <p:cond delay="0"/>
+                            </p:stCondLst>
+                            <p:childTnLst>
+                              <p:par>
+                                <p:cTn id="5" presetID="1" presetClass="entr" presetSubtype="0" fill="hold" nodeType="clickEffect">
+                                  <p:stCondLst>
+                                    <p:cond delay="0"/>
+                                  </p:stCondLst>
+                                  <p:childTnLst>
+                                    <p:set>
+                                      <p:cBhvr>
+                                        <p:cTn id="6" dur="1" fill="hold">
+                                          <p:stCondLst>
+                                            <p:cond delay="0"/>
+                                          </p:stCondLst>
+                                        </p:cTn>
+                                        <p:tgtEl>
+                                          <p:spTgt spid="3">
+                                            <p:txEl>
+                                              <p:pRg st="0" end="0"/>
+                                            </p:txEl>
+                                          </p:spTgt>
+                                        </p:tgtEl>
+                                        <p:attrNameLst>
+                                          <p:attrName>style.visibility</p:attrName>
+                                        </p:attrNameLst>
+                                      </p:cBhvr>
+                                      <p:to>
+                                        <p:strVal val="visible"/>
+                                      </p:to>
+                                    </p:set>
+                                  </p:childTnLst>
+                                </p:cTn>
+                              </p:par>
+                              <p:par>
+                                <p:cTn id="7" presetID="1" presetClass="entr" presetSubtype="0" fill="hold" nodeType="withEffect">
+                                  <p:stCondLst>
+                                    <p:cond delay="0"/>
+                                  </p:stCondLst>
+                                  <p:childTnLst>
+                                    <p:set>
+                                      <p:cBhvr>
+                                        <p:cTn id="8" dur="1" fill="hold">
+                                          <p:stCondLst>
+                                            <p:cond delay="0"/>
+                                          </p:stCondLst>
+                                        </p:cTn>
+                                        <p:tgtEl>
+                                          <p:spTgt spid="3">
+                                            <p:txEl>
+                                              <p:pRg st="1" end="1"/>
+                                            </p:txEl>
+                                          </p:spTgt>
+                                        </p:tgtEl>
+                                        <p:attrNameLst>
+                                          <p:attrName>style.visibility</p:attrName>
+                                        </p:attrNameLst>
+                                      </p:cBhvr>
+                                      <p:to>
+                                        <p:strVal val="visible"/>
+                                      </p:to>
+                                    </p:set>
+                                  </p:childTnLst>
+                                </p:cTn>
+                              </p:par>
+                              <p:par>
+                                <p:cTn id="9" presetID="1" presetClass="entr" presetSubtype="0" fill="hold" nodeType="withEffect">
+                                  <p:stCondLst>
+                                    <p:cond delay="0"/>
+                                  </p:stCondLst>
+                                  <p:childTnLst>
+                                    <p:set>
+                                      <p:cBhvr>
+                                        <p:cTn id="10" dur="1" fill="hold">
+                                          <p:stCondLst>
+                                            <p:cond delay="0"/>
+                                          </p:stCondLst>
+                                        </p:cTn>
+                                        <p:tgtEl>
+                                          <p:spTgt spid="3">
+                                            <p:txEl>
+                                              <p:pRg st="2" end="2"/>
+                                            </p:txEl>
+                                          </p:spTgt>
+                                        </p:tgtEl>
+                                        <p:attrNameLst>
+                                          <p:attrName>style.visibility</p:attrName>
+                                        </p:attrNameLst>
+                                      </p:cBhvr>
+                                      <p:to>
+                                        <p:strVal val="visible"/>
+                                      </p:to>
+                                    </p:set>
+                                  </p:childTnLst>
+                                </p:cTn>
+                              </p:par>
+                              <p:par>
+                                <p:cTn id="11" presetID="1" presetClass="entr" presetSubtype="0" fill="hold" nodeType="withEffect">
+                                  <p:stCondLst>
+                                    <p:cond delay="0"/>
+                                  </p:stCondLst>
+                                  <p:childTnLst>
+                                    <p:set>
+                                      <p:cBhvr>
+                                        <p:cTn id="12" dur="1" fill="hold">
+                                          <p:stCondLst>
+                                            <p:cond delay="0"/>
+                                          </p:stCondLst>
+                                        </p:cTn>
+                                        <p:tgtEl>
+                                          <p:spTgt spid="3">
+                                            <p:txEl>
+                                              <p:pRg st="3" end="3"/>
+                                            </p:txEl>
+                                          </p:spTgt>
+                                        </p:tgtEl>
+                                        <p:attrNameLst>
+                                          <p:attrName>style.visibility</p:attrName>
+                                        </p:attrNameLst>
+                                      </p:cBhvr>
+                                      <p:to>
+                                        <p:strVal val="visible"/>
+                                      </p:to>
+                                    </p:set>
+                                  </p:childTnLst>
+                                </p:cTn>
+                              </p:par>
+                            </p:childTnLst>
+                          </p:cTn>
+                        </p:par>
+                      </p:childTnLst>
+                    </p:cTn>
+                  </p:par>
+                  <p:par>
+                    <p:cTn id="13" fill="hold">
+                      <p:stCondLst>
+                        <p:cond delay="indefinite"/>
+                      </p:stCondLst>
+                      <p:childTnLst>
+                        <p:par>
+                          <p:cTn id="14" fill="hold">
+                            <p:stCondLst>
+                              <p:cond delay="0"/>
+                            </p:stCondLst>
+                            <p:childTnLst>
+                              <p:par>
+                                <p:cTn id="15" presetID="1" presetClass="entr" presetSubtype="0" fill="hold" nodeType="clickEffect">
+                                  <p:stCondLst>
+                                    <p:cond delay="0"/>
+                                  </p:stCondLst>
+                                  <p:childTnLst>
+                                    <p:set>
+                                      <p:cBhvr>
+                                        <p:cTn id="16" dur="1" fill="hold">
+                                          <p:stCondLst>
+                                            <p:cond delay="0"/>
+                                          </p:stCondLst>
+                                        </p:cTn>
+                                        <p:tgtEl>
+                                          <p:spTgt spid="3">
+                                            <p:txEl>
+                                              <p:pRg st="4" end="4"/>
+                                            </p:txEl>
+                                          </p:spTgt>
+                                        </p:tgtEl>
+                                        <p:attrNameLst>
+                                          <p:attrName>style.visibility</p:attrName>
+                                        </p:attrNameLst>
+                                      </p:cBhvr>
+                                      <p:to>
+                                        <p:strVal val="visible"/>
+                                      </p:to>
+                                    </p:set>
+                                  </p:childTnLst>
+                                </p:cTn>
+                              </p:par>
+                              <p:par>
+                                <p:cTn id="17" presetID="1" presetClass="entr" presetSubtype="0" fill="hold" nodeType="withEffect">
+                                  <p:stCondLst>
+                                    <p:cond delay="0"/>
+                                  </p:stCondLst>
+                                  <p:childTnLst>
+                                    <p:set>
+                                      <p:cBhvr>
+                                        <p:cTn id="18" dur="1" fill="hold">
+                                          <p:stCondLst>
+                                            <p:cond delay="0"/>
+                                          </p:stCondLst>
+                                        </p:cTn>
+                                        <p:tgtEl>
+                                          <p:spTgt spid="3">
+                                            <p:txEl>
+                                              <p:pRg st="5" end="5"/>
+                                            </p:txEl>
+                                          </p:spTgt>
+                                        </p:tgtEl>
+                                        <p:attrNameLst>
+                                          <p:attrName>style.visibility</p:attrName>
+                                        </p:attrNameLst>
+                                      </p:cBhvr>
+                                      <p:to>
+                                        <p:strVal val="visible"/>
+                                      </p:to>
+                                    </p:set>
+                                  </p:childTnLst>
+                                </p:cTn>
+                              </p:par>
+                              <p:par>
+                                <p:cTn id="19" presetID="1" presetClass="entr" presetSubtype="0" fill="hold" nodeType="withEffect">
+                                  <p:stCondLst>
+                                    <p:cond delay="0"/>
+                                  </p:stCondLst>
+                                  <p:childTnLst>
+                                    <p:set>
+                                      <p:cBhvr>
+                                        <p:cTn id="20" dur="1" fill="hold">
+                                          <p:stCondLst>
+                                            <p:cond delay="0"/>
+                                          </p:stCondLst>
+                                        </p:cTn>
+                                        <p:tgtEl>
+                                          <p:spTgt spid="3">
+                                            <p:txEl>
+                                              <p:pRg st="6" end="6"/>
+                                            </p:txEl>
+                                          </p:spTgt>
+                                        </p:tgtEl>
+                                        <p:attrNameLst>
+                                          <p:attrName>style.visibility</p:attrName>
+                                        </p:attrNameLst>
+                                      </p:cBhvr>
+                                      <p:to>
+                                        <p:strVal val="visible"/>
+                                      </p:to>
+                                    </p:set>
+                                  </p:childTnLst>
+                                </p:cTn>
+                              </p:par>
+                            </p:childTnLst>
+                          </p:cTn>
+                        </p:par>
+                      </p:childTnLst>
+                    </p:cTn>
+                  </p:par>
+                  <p:par>
+                    <p:cTn id="21" fill="hold">
+                      <p:stCondLst>
+                        <p:cond delay="indefinite"/>
+                      </p:stCondLst>
+                      <p:childTnLst>
+                        <p:par>
+                          <p:cTn id="22" fill="hold">
+                            <p:stCondLst>
+                              <p:cond delay="0"/>
+                            </p:stCondLst>
+                            <p:childTnLst>
+                              <p:par>
+                                <p:cTn id="23" presetID="1" presetClass="entr" presetSubtype="0" fill="hold" nodeType="clickEffect">
+                                  <p:stCondLst>
+                                    <p:cond delay="0"/>
+                                  </p:stCondLst>
+                                  <p:childTnLst>
+                                    <p:set>
+                                      <p:cBhvr>
+                                        <p:cTn id="24" dur="1" fill="hold">
+                                          <p:stCondLst>
+                                            <p:cond delay="0"/>
+                                          </p:stCondLst>
+                                        </p:cTn>
+                                        <p:tgtEl>
+                                          <p:spTgt spid="3">
+                                            <p:txEl>
+                                              <p:pRg st="7" end="7"/>
+                                            </p:txEl>
+                                          </p:spTgt>
+                                        </p:tgtEl>
+                                        <p:attrNameLst>
+                                          <p:attrName>style.visibility</p:attrName>
+                                        </p:attrNameLst>
+                                      </p:cBhvr>
+                                      <p:to>
+                                        <p:strVal val="visible"/>
+                                      </p:to>
+                                    </p:set>
+                                  </p:childTnLst>
+                                </p:cTn>
+                              </p:par>
+                              <p:par>
+                                <p:cTn id="25" presetID="1" presetClass="entr" presetSubtype="0" fill="hold" nodeType="withEffect">
+                                  <p:stCondLst>
+                                    <p:cond delay="0"/>
+                                  </p:stCondLst>
+                                  <p:childTnLst>
+                                    <p:set>
+                                      <p:cBhvr>
+                                        <p:cTn id="26" dur="1" fill="hold">
+                                          <p:stCondLst>
+                                            <p:cond delay="0"/>
+                                          </p:stCondLst>
+                                        </p:cTn>
+                                        <p:tgtEl>
+                                          <p:spTgt spid="3">
+                                            <p:txEl>
+                                              <p:pRg st="8" end="8"/>
+                                            </p:txEl>
+                                          </p:spTgt>
+                                        </p:tgtEl>
+                                        <p:attrNameLst>
+                                          <p:attrName>style.visibility</p:attrName>
+                                        </p:attrNameLst>
+                                      </p:cBhvr>
+                                      <p:to>
+                                        <p:strVal val="visible"/>
+                                      </p:to>
+                                    </p:set>
+                                  </p:childTnLst>
+                                </p:cTn>
+                              </p:par>
+                              <p:par>
+                                <p:cTn id="27" presetID="1" presetClass="entr" presetSubtype="0" fill="hold" nodeType="withEffect">
+                                  <p:stCondLst>
+                                    <p:cond delay="0"/>
+                                  </p:stCondLst>
+                                  <p:childTnLst>
+                                    <p:set>
+                                      <p:cBhvr>
+                                        <p:cTn id="28" dur="1" fill="hold">
+                                          <p:stCondLst>
+                                            <p:cond delay="0"/>
+                                          </p:stCondLst>
+                                        </p:cTn>
+                                        <p:tgtEl>
+                                          <p:spTgt spid="3">
+                                            <p:txEl>
+                                              <p:pRg st="9" end="9"/>
+                                            </p:txEl>
+                                          </p:spTgt>
+                                        </p:tgtEl>
+                                        <p:attrNameLst>
+                                          <p:attrName>style.visibility</p:attrName>
+                                        </p:attrNameLst>
+                                      </p:cBhvr>
+                                      <p:to>
+                                        <p:strVal val="visible"/>
+                                      </p:to>
+                                    </p:set>
+                                  </p:childTnLst>
+                                </p:cTn>
+                              </p:par>
+                            </p:childTnLst>
+                          </p:cTn>
+                        </p:par>
+                      </p:childTnLst>
+                    </p:cTn>
+                  </p:par>
+                </p:childTnLst>
+              </p:cTn>
+              <p:prevCondLst>
+                <p:cond evt="onPrev" delay="0">
+                  <p:tgtEl>
+                    <p:sldTgt/>
+                  </p:tgtEl>
+                </p:cond>
+              </p:prevCondLst>
+              <p:nextCondLst>
+                <p:cond evt="onNext" delay="0">
+                  <p:tgtEl>
+                    <p:sldTgt/>
+                  </p:tgtEl>
+                </p:cond>
+              </p:nextCondLst>
+            </p:seq>
+          </p:childTnLst>
+        </p:cTn>
+      </p:par>
+    </p:tnLst>
+  </p:timing>
 </p:sld>
 </file>
 

--- a/Big Data and Analytics/Azure Machine Learning/Session 1 - Introduction and Slides/Azure Machine Learning.pptx
+++ b/Big Data and Analytics/Azure Machine Learning/Session 1 - Introduction and Slides/Azure Machine Learning.pptx
@@ -216,7 +216,7 @@
           <a:p>
             <a:fld id="{49B60EF2-7028-489F-85D8-FE86CD7CF2A0}" type="datetimeFigureOut">
               <a:rPr lang="en-US" smtClean="0"/>
-              <a:t>2017-06-03</a:t>
+              <a:t>2017-06-04</a:t>
             </a:fld>
             <a:endParaRPr lang="en-US"/>
           </a:p>
@@ -2268,7 +2268,7 @@
           <a:p>
             <a:fld id="{0459C166-16D3-4A25-A2F8-C51E0E346B22}" type="datetimeFigureOut">
               <a:rPr lang="en-US" smtClean="0"/>
-              <a:t>2017-06-03</a:t>
+              <a:t>2017-06-04</a:t>
             </a:fld>
             <a:endParaRPr lang="en-US"/>
           </a:p>
@@ -2363,7 +2363,7 @@
           <a:p>
             <a:fld id="{0459C166-16D3-4A25-A2F8-C51E0E346B22}" type="datetimeFigureOut">
               <a:rPr lang="en-US" smtClean="0"/>
-              <a:t>2017-06-03</a:t>
+              <a:t>2017-06-04</a:t>
             </a:fld>
             <a:endParaRPr lang="en-US"/>
           </a:p>
@@ -2638,7 +2638,7 @@
           <a:p>
             <a:fld id="{0459C166-16D3-4A25-A2F8-C51E0E346B22}" type="datetimeFigureOut">
               <a:rPr lang="en-US" smtClean="0"/>
-              <a:t>2017-06-03</a:t>
+              <a:t>2017-06-04</a:t>
             </a:fld>
             <a:endParaRPr lang="en-US"/>
           </a:p>
@@ -2890,7 +2890,7 @@
           <a:p>
             <a:fld id="{0459C166-16D3-4A25-A2F8-C51E0E346B22}" type="datetimeFigureOut">
               <a:rPr lang="en-US" smtClean="0"/>
-              <a:t>2017-06-03</a:t>
+              <a:t>2017-06-04</a:t>
             </a:fld>
             <a:endParaRPr lang="en-US"/>
           </a:p>
@@ -3058,7 +3058,7 @@
           <a:p>
             <a:fld id="{0459C166-16D3-4A25-A2F8-C51E0E346B22}" type="datetimeFigureOut">
               <a:rPr lang="en-US" smtClean="0"/>
-              <a:t>2017-06-03</a:t>
+              <a:t>2017-06-04</a:t>
             </a:fld>
             <a:endParaRPr lang="en-US"/>
           </a:p>
@@ -3236,7 +3236,7 @@
           <a:p>
             <a:fld id="{0459C166-16D3-4A25-A2F8-C51E0E346B22}" type="datetimeFigureOut">
               <a:rPr lang="en-US" smtClean="0"/>
-              <a:t>2017-06-03</a:t>
+              <a:t>2017-06-04</a:t>
             </a:fld>
             <a:endParaRPr lang="en-US"/>
           </a:p>
@@ -5141,7 +5141,7 @@
           <a:p>
             <a:fld id="{0459C166-16D3-4A25-A2F8-C51E0E346B22}" type="datetimeFigureOut">
               <a:rPr lang="en-US" smtClean="0"/>
-              <a:t>2017-06-03</a:t>
+              <a:t>2017-06-04</a:t>
             </a:fld>
             <a:endParaRPr lang="en-US"/>
           </a:p>
@@ -10705,7 +10705,7 @@
             <a:fld id="{0459C166-16D3-4A25-A2F8-C51E0E346B22}" type="datetimeFigureOut">
               <a:rPr lang="en-US" smtClean="0"/>
               <a:pPr/>
-              <a:t>2017-06-03</a:t>
+              <a:t>2017-06-04</a:t>
             </a:fld>
             <a:endParaRPr lang="en-US"/>
           </a:p>
@@ -14626,7 +14626,7 @@
           <a:p>
             <a:fld id="{0459C166-16D3-4A25-A2F8-C51E0E346B22}" type="datetimeFigureOut">
               <a:rPr lang="en-US" smtClean="0"/>
-              <a:t>2017-06-03</a:t>
+              <a:t>2017-06-04</a:t>
             </a:fld>
             <a:endParaRPr lang="en-US"/>
           </a:p>
@@ -14990,7 +14990,7 @@
           <a:p>
             <a:fld id="{0459C166-16D3-4A25-A2F8-C51E0E346B22}" type="datetimeFigureOut">
               <a:rPr lang="en-US" smtClean="0"/>
-              <a:t>2017-06-03</a:t>
+              <a:t>2017-06-04</a:t>
             </a:fld>
             <a:endParaRPr lang="en-US"/>
           </a:p>
@@ -15107,7 +15107,7 @@
           <a:p>
             <a:fld id="{0459C166-16D3-4A25-A2F8-C51E0E346B22}" type="datetimeFigureOut">
               <a:rPr lang="en-US" smtClean="0"/>
-              <a:t>2017-06-03</a:t>
+              <a:t>2017-06-04</a:t>
             </a:fld>
             <a:endParaRPr lang="en-US"/>
           </a:p>
@@ -15318,7 +15318,7 @@
           <a:p>
             <a:fld id="{0459C166-16D3-4A25-A2F8-C51E0E346B22}" type="datetimeFigureOut">
               <a:rPr lang="en-US" smtClean="0"/>
-              <a:t>2017-06-03</a:t>
+              <a:t>2017-06-04</a:t>
             </a:fld>
             <a:endParaRPr lang="en-US"/>
           </a:p>
@@ -17505,9 +17505,14 @@
   <p:clrMapOvr>
     <a:masterClrMapping/>
   </p:clrMapOvr>
-  <p:transition>
-    <p:fade/>
-  </p:transition>
+  <mc:AlternateContent xmlns:mc="http://schemas.openxmlformats.org/markup-compatibility/2006">
+    <mc:Choice xmlns:p14="http://schemas.microsoft.com/office/powerpoint/2010/main" Requires="p14">
+      <p:transition p14:dur="0"/>
+    </mc:Choice>
+    <mc:Fallback>
+      <p:transition/>
+    </mc:Fallback>
+  </mc:AlternateContent>
 </p:sld>
 </file>
 
@@ -17538,9 +17543,14 @@
   <p:clrMapOvr>
     <a:masterClrMapping/>
   </p:clrMapOvr>
-  <p:transition>
-    <p:fade/>
-  </p:transition>
+  <mc:AlternateContent xmlns:mc="http://schemas.openxmlformats.org/markup-compatibility/2006">
+    <mc:Choice xmlns:p14="http://schemas.microsoft.com/office/powerpoint/2010/main" Requires="p14">
+      <p:transition p14:dur="0"/>
+    </mc:Choice>
+    <mc:Fallback>
+      <p:transition/>
+    </mc:Fallback>
+  </mc:AlternateContent>
 </p:sld>
 </file>
 
@@ -19734,6 +19744,320 @@
   <p:clrMapOvr>
     <a:masterClrMapping/>
   </p:clrMapOvr>
+  <p:timing>
+    <p:tnLst>
+      <p:par>
+        <p:cTn id="1" dur="indefinite" restart="never" nodeType="tmRoot">
+          <p:childTnLst>
+            <p:seq concurrent="1" nextAc="seek">
+              <p:cTn id="2" dur="indefinite" nodeType="mainSeq">
+                <p:childTnLst>
+                  <p:par>
+                    <p:cTn id="3" fill="hold">
+                      <p:stCondLst>
+                        <p:cond delay="indefinite"/>
+                      </p:stCondLst>
+                      <p:childTnLst>
+                        <p:par>
+                          <p:cTn id="4" fill="hold">
+                            <p:stCondLst>
+                              <p:cond delay="0"/>
+                            </p:stCondLst>
+                            <p:childTnLst>
+                              <p:par>
+                                <p:cTn id="5" presetID="1" presetClass="entr" presetSubtype="0" fill="hold" nodeType="clickEffect">
+                                  <p:stCondLst>
+                                    <p:cond delay="0"/>
+                                  </p:stCondLst>
+                                  <p:childTnLst>
+                                    <p:set>
+                                      <p:cBhvr>
+                                        <p:cTn id="6" dur="1" fill="hold">
+                                          <p:stCondLst>
+                                            <p:cond delay="0"/>
+                                          </p:stCondLst>
+                                        </p:cTn>
+                                        <p:tgtEl>
+                                          <p:spTgt spid="3">
+                                            <p:txEl>
+                                              <p:pRg st="0" end="0"/>
+                                            </p:txEl>
+                                          </p:spTgt>
+                                        </p:tgtEl>
+                                        <p:attrNameLst>
+                                          <p:attrName>style.visibility</p:attrName>
+                                        </p:attrNameLst>
+                                      </p:cBhvr>
+                                      <p:to>
+                                        <p:strVal val="visible"/>
+                                      </p:to>
+                                    </p:set>
+                                  </p:childTnLst>
+                                </p:cTn>
+                              </p:par>
+                              <p:par>
+                                <p:cTn id="7" presetID="1" presetClass="entr" presetSubtype="0" fill="hold" nodeType="withEffect">
+                                  <p:stCondLst>
+                                    <p:cond delay="0"/>
+                                  </p:stCondLst>
+                                  <p:childTnLst>
+                                    <p:set>
+                                      <p:cBhvr>
+                                        <p:cTn id="8" dur="1" fill="hold">
+                                          <p:stCondLst>
+                                            <p:cond delay="0"/>
+                                          </p:stCondLst>
+                                        </p:cTn>
+                                        <p:tgtEl>
+                                          <p:spTgt spid="4"/>
+                                        </p:tgtEl>
+                                        <p:attrNameLst>
+                                          <p:attrName>style.visibility</p:attrName>
+                                        </p:attrNameLst>
+                                      </p:cBhvr>
+                                      <p:to>
+                                        <p:strVal val="visible"/>
+                                      </p:to>
+                                    </p:set>
+                                  </p:childTnLst>
+                                </p:cTn>
+                              </p:par>
+                            </p:childTnLst>
+                          </p:cTn>
+                        </p:par>
+                      </p:childTnLst>
+                    </p:cTn>
+                  </p:par>
+                  <p:par>
+                    <p:cTn id="9" fill="hold">
+                      <p:stCondLst>
+                        <p:cond delay="indefinite"/>
+                      </p:stCondLst>
+                      <p:childTnLst>
+                        <p:par>
+                          <p:cTn id="10" fill="hold">
+                            <p:stCondLst>
+                              <p:cond delay="0"/>
+                            </p:stCondLst>
+                            <p:childTnLst>
+                              <p:par>
+                                <p:cTn id="11" presetID="1" presetClass="entr" presetSubtype="0" fill="hold" grpId="0" nodeType="clickEffect">
+                                  <p:stCondLst>
+                                    <p:cond delay="0"/>
+                                  </p:stCondLst>
+                                  <p:childTnLst>
+                                    <p:set>
+                                      <p:cBhvr>
+                                        <p:cTn id="12" dur="1" fill="hold">
+                                          <p:stCondLst>
+                                            <p:cond delay="0"/>
+                                          </p:stCondLst>
+                                        </p:cTn>
+                                        <p:tgtEl>
+                                          <p:spTgt spid="5"/>
+                                        </p:tgtEl>
+                                        <p:attrNameLst>
+                                          <p:attrName>style.visibility</p:attrName>
+                                        </p:attrNameLst>
+                                      </p:cBhvr>
+                                      <p:to>
+                                        <p:strVal val="visible"/>
+                                      </p:to>
+                                    </p:set>
+                                  </p:childTnLst>
+                                </p:cTn>
+                              </p:par>
+                            </p:childTnLst>
+                          </p:cTn>
+                        </p:par>
+                        <p:par>
+                          <p:cTn id="13" fill="hold">
+                            <p:stCondLst>
+                              <p:cond delay="0"/>
+                            </p:stCondLst>
+                            <p:childTnLst>
+                              <p:par>
+                                <p:cTn id="14" presetID="1" presetClass="entr" presetSubtype="0" fill="hold" grpId="0" nodeType="afterEffect">
+                                  <p:stCondLst>
+                                    <p:cond delay="1000"/>
+                                  </p:stCondLst>
+                                  <p:childTnLst>
+                                    <p:set>
+                                      <p:cBhvr>
+                                        <p:cTn id="15" dur="1" fill="hold">
+                                          <p:stCondLst>
+                                            <p:cond delay="0"/>
+                                          </p:stCondLst>
+                                        </p:cTn>
+                                        <p:tgtEl>
+                                          <p:spTgt spid="6"/>
+                                        </p:tgtEl>
+                                        <p:attrNameLst>
+                                          <p:attrName>style.visibility</p:attrName>
+                                        </p:attrNameLst>
+                                      </p:cBhvr>
+                                      <p:to>
+                                        <p:strVal val="visible"/>
+                                      </p:to>
+                                    </p:set>
+                                  </p:childTnLst>
+                                </p:cTn>
+                              </p:par>
+                            </p:childTnLst>
+                          </p:cTn>
+                        </p:par>
+                        <p:par>
+                          <p:cTn id="16" fill="hold">
+                            <p:stCondLst>
+                              <p:cond delay="1000"/>
+                            </p:stCondLst>
+                            <p:childTnLst>
+                              <p:par>
+                                <p:cTn id="17" presetID="1" presetClass="entr" presetSubtype="0" fill="hold" grpId="0" nodeType="afterEffect">
+                                  <p:stCondLst>
+                                    <p:cond delay="1000"/>
+                                  </p:stCondLst>
+                                  <p:childTnLst>
+                                    <p:set>
+                                      <p:cBhvr>
+                                        <p:cTn id="18" dur="1" fill="hold">
+                                          <p:stCondLst>
+                                            <p:cond delay="0"/>
+                                          </p:stCondLst>
+                                        </p:cTn>
+                                        <p:tgtEl>
+                                          <p:spTgt spid="7"/>
+                                        </p:tgtEl>
+                                        <p:attrNameLst>
+                                          <p:attrName>style.visibility</p:attrName>
+                                        </p:attrNameLst>
+                                      </p:cBhvr>
+                                      <p:to>
+                                        <p:strVal val="visible"/>
+                                      </p:to>
+                                    </p:set>
+                                  </p:childTnLst>
+                                </p:cTn>
+                              </p:par>
+                            </p:childTnLst>
+                          </p:cTn>
+                        </p:par>
+                        <p:par>
+                          <p:cTn id="19" fill="hold">
+                            <p:stCondLst>
+                              <p:cond delay="2000"/>
+                            </p:stCondLst>
+                            <p:childTnLst>
+                              <p:par>
+                                <p:cTn id="20" presetID="1" presetClass="entr" presetSubtype="0" fill="hold" grpId="0" nodeType="afterEffect">
+                                  <p:stCondLst>
+                                    <p:cond delay="1000"/>
+                                  </p:stCondLst>
+                                  <p:childTnLst>
+                                    <p:set>
+                                      <p:cBhvr>
+                                        <p:cTn id="21" dur="1" fill="hold">
+                                          <p:stCondLst>
+                                            <p:cond delay="0"/>
+                                          </p:stCondLst>
+                                        </p:cTn>
+                                        <p:tgtEl>
+                                          <p:spTgt spid="8"/>
+                                        </p:tgtEl>
+                                        <p:attrNameLst>
+                                          <p:attrName>style.visibility</p:attrName>
+                                        </p:attrNameLst>
+                                      </p:cBhvr>
+                                      <p:to>
+                                        <p:strVal val="visible"/>
+                                      </p:to>
+                                    </p:set>
+                                  </p:childTnLst>
+                                </p:cTn>
+                              </p:par>
+                            </p:childTnLst>
+                          </p:cTn>
+                        </p:par>
+                      </p:childTnLst>
+                    </p:cTn>
+                  </p:par>
+                  <p:par>
+                    <p:cTn id="22" fill="hold">
+                      <p:stCondLst>
+                        <p:cond delay="indefinite"/>
+                      </p:stCondLst>
+                      <p:childTnLst>
+                        <p:par>
+                          <p:cTn id="23" fill="hold">
+                            <p:stCondLst>
+                              <p:cond delay="0"/>
+                            </p:stCondLst>
+                            <p:childTnLst>
+                              <p:par>
+                                <p:cTn id="24" presetID="1" presetClass="entr" presetSubtype="0" fill="hold" nodeType="clickEffect">
+                                  <p:stCondLst>
+                                    <p:cond delay="0"/>
+                                  </p:stCondLst>
+                                  <p:childTnLst>
+                                    <p:set>
+                                      <p:cBhvr>
+                                        <p:cTn id="25" dur="1" fill="hold">
+                                          <p:stCondLst>
+                                            <p:cond delay="0"/>
+                                          </p:stCondLst>
+                                        </p:cTn>
+                                        <p:tgtEl>
+                                          <p:spTgt spid="3">
+                                            <p:txEl>
+                                              <p:pRg st="1" end="1"/>
+                                            </p:txEl>
+                                          </p:spTgt>
+                                        </p:tgtEl>
+                                        <p:attrNameLst>
+                                          <p:attrName>style.visibility</p:attrName>
+                                        </p:attrNameLst>
+                                      </p:cBhvr>
+                                      <p:to>
+                                        <p:strVal val="visible"/>
+                                      </p:to>
+                                    </p:set>
+                                  </p:childTnLst>
+                                </p:cTn>
+                              </p:par>
+                            </p:childTnLst>
+                          </p:cTn>
+                        </p:par>
+                      </p:childTnLst>
+                    </p:cTn>
+                  </p:par>
+                </p:childTnLst>
+              </p:cTn>
+              <p:prevCondLst>
+                <p:cond evt="onPrev" delay="0">
+                  <p:tgtEl>
+                    <p:sldTgt/>
+                  </p:tgtEl>
+                </p:cond>
+              </p:prevCondLst>
+              <p:nextCondLst>
+                <p:cond evt="onNext" delay="0">
+                  <p:tgtEl>
+                    <p:sldTgt/>
+                  </p:tgtEl>
+                </p:cond>
+              </p:nextCondLst>
+            </p:seq>
+          </p:childTnLst>
+        </p:cTn>
+      </p:par>
+    </p:tnLst>
+    <p:bldLst>
+      <p:bldP spid="5" grpId="0" animBg="1"/>
+      <p:bldP spid="6" grpId="0" animBg="1"/>
+      <p:bldP spid="7" grpId="0" animBg="1"/>
+      <p:bldP spid="8" grpId="0" animBg="1"/>
+    </p:bldLst>
+  </p:timing>
 </p:sld>
 </file>
 

--- a/Big Data and Analytics/Azure Machine Learning/Session 1 - Introduction and Slides/Azure Machine Learning.pptx
+++ b/Big Data and Analytics/Azure Machine Learning/Session 1 - Introduction and Slides/Azure Machine Learning.pptx
@@ -216,7 +216,7 @@
           <a:p>
             <a:fld id="{49B60EF2-7028-489F-85D8-FE86CD7CF2A0}" type="datetimeFigureOut">
               <a:rPr lang="en-US" smtClean="0"/>
-              <a:t>2017-06-04</a:t>
+              <a:t>2017-06-05</a:t>
             </a:fld>
             <a:endParaRPr lang="en-US"/>
           </a:p>
@@ -2268,7 +2268,7 @@
           <a:p>
             <a:fld id="{0459C166-16D3-4A25-A2F8-C51E0E346B22}" type="datetimeFigureOut">
               <a:rPr lang="en-US" smtClean="0"/>
-              <a:t>2017-06-04</a:t>
+              <a:t>2017-06-05</a:t>
             </a:fld>
             <a:endParaRPr lang="en-US"/>
           </a:p>
@@ -2363,7 +2363,7 @@
           <a:p>
             <a:fld id="{0459C166-16D3-4A25-A2F8-C51E0E346B22}" type="datetimeFigureOut">
               <a:rPr lang="en-US" smtClean="0"/>
-              <a:t>2017-06-04</a:t>
+              <a:t>2017-06-05</a:t>
             </a:fld>
             <a:endParaRPr lang="en-US"/>
           </a:p>
@@ -2638,7 +2638,7 @@
           <a:p>
             <a:fld id="{0459C166-16D3-4A25-A2F8-C51E0E346B22}" type="datetimeFigureOut">
               <a:rPr lang="en-US" smtClean="0"/>
-              <a:t>2017-06-04</a:t>
+              <a:t>2017-06-05</a:t>
             </a:fld>
             <a:endParaRPr lang="en-US"/>
           </a:p>
@@ -2890,7 +2890,7 @@
           <a:p>
             <a:fld id="{0459C166-16D3-4A25-A2F8-C51E0E346B22}" type="datetimeFigureOut">
               <a:rPr lang="en-US" smtClean="0"/>
-              <a:t>2017-06-04</a:t>
+              <a:t>2017-06-05</a:t>
             </a:fld>
             <a:endParaRPr lang="en-US"/>
           </a:p>
@@ -3058,7 +3058,7 @@
           <a:p>
             <a:fld id="{0459C166-16D3-4A25-A2F8-C51E0E346B22}" type="datetimeFigureOut">
               <a:rPr lang="en-US" smtClean="0"/>
-              <a:t>2017-06-04</a:t>
+              <a:t>2017-06-05</a:t>
             </a:fld>
             <a:endParaRPr lang="en-US"/>
           </a:p>
@@ -3236,7 +3236,7 @@
           <a:p>
             <a:fld id="{0459C166-16D3-4A25-A2F8-C51E0E346B22}" type="datetimeFigureOut">
               <a:rPr lang="en-US" smtClean="0"/>
-              <a:t>2017-06-04</a:t>
+              <a:t>2017-06-05</a:t>
             </a:fld>
             <a:endParaRPr lang="en-US"/>
           </a:p>
@@ -5141,7 +5141,7 @@
           <a:p>
             <a:fld id="{0459C166-16D3-4A25-A2F8-C51E0E346B22}" type="datetimeFigureOut">
               <a:rPr lang="en-US" smtClean="0"/>
-              <a:t>2017-06-04</a:t>
+              <a:t>2017-06-05</a:t>
             </a:fld>
             <a:endParaRPr lang="en-US"/>
           </a:p>
@@ -10705,7 +10705,7 @@
             <a:fld id="{0459C166-16D3-4A25-A2F8-C51E0E346B22}" type="datetimeFigureOut">
               <a:rPr lang="en-US" smtClean="0"/>
               <a:pPr/>
-              <a:t>2017-06-04</a:t>
+              <a:t>2017-06-05</a:t>
             </a:fld>
             <a:endParaRPr lang="en-US"/>
           </a:p>
@@ -14626,7 +14626,7 @@
           <a:p>
             <a:fld id="{0459C166-16D3-4A25-A2F8-C51E0E346B22}" type="datetimeFigureOut">
               <a:rPr lang="en-US" smtClean="0"/>
-              <a:t>2017-06-04</a:t>
+              <a:t>2017-06-05</a:t>
             </a:fld>
             <a:endParaRPr lang="en-US"/>
           </a:p>
@@ -14990,7 +14990,7 @@
           <a:p>
             <a:fld id="{0459C166-16D3-4A25-A2F8-C51E0E346B22}" type="datetimeFigureOut">
               <a:rPr lang="en-US" smtClean="0"/>
-              <a:t>2017-06-04</a:t>
+              <a:t>2017-06-05</a:t>
             </a:fld>
             <a:endParaRPr lang="en-US"/>
           </a:p>
@@ -15107,7 +15107,7 @@
           <a:p>
             <a:fld id="{0459C166-16D3-4A25-A2F8-C51E0E346B22}" type="datetimeFigureOut">
               <a:rPr lang="en-US" smtClean="0"/>
-              <a:t>2017-06-04</a:t>
+              <a:t>2017-06-05</a:t>
             </a:fld>
             <a:endParaRPr lang="en-US"/>
           </a:p>
@@ -15318,7 +15318,7 @@
           <a:p>
             <a:fld id="{0459C166-16D3-4A25-A2F8-C51E0E346B22}" type="datetimeFigureOut">
               <a:rPr lang="en-US" smtClean="0"/>
-              <a:t>2017-06-04</a:t>
+              <a:t>2017-06-05</a:t>
             </a:fld>
             <a:endParaRPr lang="en-US"/>
           </a:p>
@@ -17505,11 +17505,11 @@
   <p:clrMapOvr>
     <a:masterClrMapping/>
   </p:clrMapOvr>
-  <mc:AlternateContent xmlns:mc="http://schemas.openxmlformats.org/markup-compatibility/2006">
-    <mc:Choice xmlns:p14="http://schemas.microsoft.com/office/powerpoint/2010/main" Requires="p14">
+  <mc:AlternateContent xmlns:mc="http://schemas.openxmlformats.org/markup-compatibility/2006" xmlns:p14="http://schemas.microsoft.com/office/powerpoint/2010/main">
+    <mc:Choice Requires="p14">
       <p:transition p14:dur="0"/>
     </mc:Choice>
-    <mc:Fallback>
+    <mc:Fallback xmlns="">
       <p:transition/>
     </mc:Fallback>
   </mc:AlternateContent>
@@ -17543,11 +17543,11 @@
   <p:clrMapOvr>
     <a:masterClrMapping/>
   </p:clrMapOvr>
-  <mc:AlternateContent xmlns:mc="http://schemas.openxmlformats.org/markup-compatibility/2006">
-    <mc:Choice xmlns:p14="http://schemas.microsoft.com/office/powerpoint/2010/main" Requires="p14">
+  <mc:AlternateContent xmlns:mc="http://schemas.openxmlformats.org/markup-compatibility/2006" xmlns:p14="http://schemas.microsoft.com/office/powerpoint/2010/main">
+    <mc:Choice Requires="p14">
       <p:transition p14:dur="0"/>
     </mc:Choice>
-    <mc:Fallback>
+    <mc:Fallback xmlns="">
       <p:transition/>
     </mc:Fallback>
   </mc:AlternateContent>
@@ -17588,7 +17588,7 @@
           <a:p>
             <a:r>
               <a:rPr lang="en-US" dirty="0"/>
-              <a:t>Bio</a:t>
+              <a:t>Bio </a:t>
             </a:r>
           </a:p>
         </p:txBody>
@@ -17686,6 +17686,36 @@
           <a:p>
             <a:pPr lvl="1"/>
             <a:endParaRPr lang="en-US" dirty="0"/>
+          </a:p>
+        </p:txBody>
+      </p:sp>
+      <p:sp>
+        <p:nvSpPr>
+          <p:cNvPr id="4" name="TextBox 3"/>
+          <p:cNvSpPr txBox="1"/>
+          <p:nvPr/>
+        </p:nvSpPr>
+        <p:spPr>
+          <a:xfrm>
+            <a:off x="1921789" y="766296"/>
+            <a:ext cx="5371983" cy="523220"/>
+          </a:xfrm>
+          <a:prstGeom prst="rect">
+            <a:avLst/>
+          </a:prstGeom>
+          <a:noFill/>
+        </p:spPr>
+        <p:txBody>
+          <a:bodyPr wrap="none" rtlCol="0">
+            <a:spAutoFit/>
+          </a:bodyPr>
+          <a:lstStyle/>
+          <a:p>
+            <a:r>
+              <a:rPr lang="en-ZA" sz="2800" dirty="0"/>
+              <a:t>(a.k.a. shameless self-promotion)</a:t>
+            </a:r>
+            <a:endParaRPr lang="en-US" sz="2800" dirty="0"/>
           </a:p>
         </p:txBody>
       </p:sp>
@@ -17720,7 +17750,7 @@
                             </p:stCondLst>
                             <p:childTnLst>
                               <p:par>
-                                <p:cTn id="5" presetID="1" presetClass="entr" presetSubtype="0" fill="hold" nodeType="clickEffect">
+                                <p:cTn id="5" presetID="1" presetClass="entr" presetSubtype="0" fill="hold" grpId="0" nodeType="clickEffect">
                                   <p:stCondLst>
                                     <p:cond delay="0"/>
                                   </p:stCondLst>
@@ -17728,6 +17758,51 @@
                                     <p:set>
                                       <p:cBhvr>
                                         <p:cTn id="6" dur="1" fill="hold">
+                                          <p:stCondLst>
+                                            <p:cond delay="0"/>
+                                          </p:stCondLst>
+                                        </p:cTn>
+                                        <p:tgtEl>
+                                          <p:spTgt spid="4"/>
+                                        </p:tgtEl>
+                                        <p:attrNameLst>
+                                          <p:attrName>style.visibility</p:attrName>
+                                        </p:attrNameLst>
+                                      </p:cBhvr>
+                                      <p:to>
+                                        <p:strVal val="visible"/>
+                                      </p:to>
+                                    </p:set>
+                                  </p:childTnLst>
+                                </p:cTn>
+                              </p:par>
+                            </p:childTnLst>
+                          </p:cTn>
+                        </p:par>
+                      </p:childTnLst>
+                    </p:cTn>
+                  </p:par>
+                  <p:par>
+                    <p:cTn id="7" fill="hold">
+                      <p:stCondLst>
+                        <p:cond delay="indefinite"/>
+                      </p:stCondLst>
+                      <p:childTnLst>
+                        <p:par>
+                          <p:cTn id="8" fill="hold">
+                            <p:stCondLst>
+                              <p:cond delay="0"/>
+                            </p:stCondLst>
+                            <p:childTnLst>
+                              <p:par>
+                                <p:cTn id="9" presetID="1" presetClass="entr" presetSubtype="0" fill="hold" nodeType="clickEffect">
+                                  <p:stCondLst>
+                                    <p:cond delay="0"/>
+                                  </p:stCondLst>
+                                  <p:childTnLst>
+                                    <p:set>
+                                      <p:cBhvr>
+                                        <p:cTn id="10" dur="1" fill="hold">
                                           <p:stCondLst>
                                             <p:cond delay="0"/>
                                           </p:stCondLst>
@@ -17751,14 +17826,14 @@
                                 </p:cTn>
                               </p:par>
                               <p:par>
-                                <p:cTn id="7" presetID="1" presetClass="entr" presetSubtype="0" fill="hold" nodeType="withEffect">
+                                <p:cTn id="11" presetID="1" presetClass="entr" presetSubtype="0" fill="hold" nodeType="withEffect">
                                   <p:stCondLst>
                                     <p:cond delay="0"/>
                                   </p:stCondLst>
                                   <p:childTnLst>
                                     <p:set>
                                       <p:cBhvr>
-                                        <p:cTn id="8" dur="1" fill="hold">
+                                        <p:cTn id="12" dur="1" fill="hold">
                                           <p:stCondLst>
                                             <p:cond delay="0"/>
                                           </p:stCondLst>
@@ -17782,14 +17857,14 @@
                                 </p:cTn>
                               </p:par>
                               <p:par>
-                                <p:cTn id="9" presetID="1" presetClass="entr" presetSubtype="0" fill="hold" nodeType="withEffect">
+                                <p:cTn id="13" presetID="1" presetClass="entr" presetSubtype="0" fill="hold" nodeType="withEffect">
                                   <p:stCondLst>
                                     <p:cond delay="0"/>
                                   </p:stCondLst>
                                   <p:childTnLst>
                                     <p:set>
                                       <p:cBhvr>
-                                        <p:cTn id="10" dur="1" fill="hold">
+                                        <p:cTn id="14" dur="1" fill="hold">
                                           <p:stCondLst>
                                             <p:cond delay="0"/>
                                           </p:stCondLst>
@@ -17819,81 +17894,19 @@
                     </p:cTn>
                   </p:par>
                   <p:par>
-                    <p:cTn id="11" fill="hold">
+                    <p:cTn id="15" fill="hold">
                       <p:stCondLst>
                         <p:cond delay="indefinite"/>
                       </p:stCondLst>
                       <p:childTnLst>
                         <p:par>
-                          <p:cTn id="12" fill="hold">
+                          <p:cTn id="16" fill="hold">
                             <p:stCondLst>
                               <p:cond delay="0"/>
                             </p:stCondLst>
                             <p:childTnLst>
                               <p:par>
-                                <p:cTn id="13" presetID="1" presetClass="entr" presetSubtype="0" fill="hold" nodeType="clickEffect">
-                                  <p:stCondLst>
-                                    <p:cond delay="0"/>
-                                  </p:stCondLst>
-                                  <p:childTnLst>
-                                    <p:set>
-                                      <p:cBhvr>
-                                        <p:cTn id="14" dur="1" fill="hold">
-                                          <p:stCondLst>
-                                            <p:cond delay="0"/>
-                                          </p:stCondLst>
-                                        </p:cTn>
-                                        <p:tgtEl>
-                                          <p:spTgt spid="3">
-                                            <p:txEl>
-                                              <p:pRg st="3" end="3"/>
-                                            </p:txEl>
-                                          </p:spTgt>
-                                        </p:tgtEl>
-                                        <p:attrNameLst>
-                                          <p:attrName>style.visibility</p:attrName>
-                                        </p:attrNameLst>
-                                      </p:cBhvr>
-                                      <p:to>
-                                        <p:strVal val="visible"/>
-                                      </p:to>
-                                    </p:set>
-                                  </p:childTnLst>
-                                </p:cTn>
-                              </p:par>
-                              <p:par>
-                                <p:cTn id="15" presetID="1" presetClass="entr" presetSubtype="0" fill="hold" nodeType="withEffect">
-                                  <p:stCondLst>
-                                    <p:cond delay="0"/>
-                                  </p:stCondLst>
-                                  <p:childTnLst>
-                                    <p:set>
-                                      <p:cBhvr>
-                                        <p:cTn id="16" dur="1" fill="hold">
-                                          <p:stCondLst>
-                                            <p:cond delay="0"/>
-                                          </p:stCondLst>
-                                        </p:cTn>
-                                        <p:tgtEl>
-                                          <p:spTgt spid="3">
-                                            <p:txEl>
-                                              <p:pRg st="4" end="4"/>
-                                            </p:txEl>
-                                          </p:spTgt>
-                                        </p:tgtEl>
-                                        <p:attrNameLst>
-                                          <p:attrName>style.visibility</p:attrName>
-                                        </p:attrNameLst>
-                                      </p:cBhvr>
-                                      <p:to>
-                                        <p:strVal val="visible"/>
-                                      </p:to>
-                                    </p:set>
-                                  </p:childTnLst>
-                                </p:cTn>
-                              </p:par>
-                              <p:par>
-                                <p:cTn id="17" presetID="1" presetClass="entr" presetSubtype="0" fill="hold" nodeType="withEffect">
+                                <p:cTn id="17" presetID="1" presetClass="entr" presetSubtype="0" fill="hold" nodeType="clickEffect">
                                   <p:stCondLst>
                                     <p:cond delay="0"/>
                                   </p:stCondLst>
@@ -17908,7 +17921,7 @@
                                         <p:tgtEl>
                                           <p:spTgt spid="3">
                                             <p:txEl>
-                                              <p:pRg st="5" end="5"/>
+                                              <p:pRg st="3" end="3"/>
                                             </p:txEl>
                                           </p:spTgt>
                                         </p:tgtEl>
@@ -17939,7 +17952,7 @@
                                         <p:tgtEl>
                                           <p:spTgt spid="3">
                                             <p:txEl>
-                                              <p:pRg st="6" end="6"/>
+                                              <p:pRg st="4" end="4"/>
                                             </p:txEl>
                                           </p:spTgt>
                                         </p:tgtEl>
@@ -17963,6 +17976,68 @@
                                     <p:set>
                                       <p:cBhvr>
                                         <p:cTn id="22" dur="1" fill="hold">
+                                          <p:stCondLst>
+                                            <p:cond delay="0"/>
+                                          </p:stCondLst>
+                                        </p:cTn>
+                                        <p:tgtEl>
+                                          <p:spTgt spid="3">
+                                            <p:txEl>
+                                              <p:pRg st="5" end="5"/>
+                                            </p:txEl>
+                                          </p:spTgt>
+                                        </p:tgtEl>
+                                        <p:attrNameLst>
+                                          <p:attrName>style.visibility</p:attrName>
+                                        </p:attrNameLst>
+                                      </p:cBhvr>
+                                      <p:to>
+                                        <p:strVal val="visible"/>
+                                      </p:to>
+                                    </p:set>
+                                  </p:childTnLst>
+                                </p:cTn>
+                              </p:par>
+                              <p:par>
+                                <p:cTn id="23" presetID="1" presetClass="entr" presetSubtype="0" fill="hold" nodeType="withEffect">
+                                  <p:stCondLst>
+                                    <p:cond delay="0"/>
+                                  </p:stCondLst>
+                                  <p:childTnLst>
+                                    <p:set>
+                                      <p:cBhvr>
+                                        <p:cTn id="24" dur="1" fill="hold">
+                                          <p:stCondLst>
+                                            <p:cond delay="0"/>
+                                          </p:stCondLst>
+                                        </p:cTn>
+                                        <p:tgtEl>
+                                          <p:spTgt spid="3">
+                                            <p:txEl>
+                                              <p:pRg st="6" end="6"/>
+                                            </p:txEl>
+                                          </p:spTgt>
+                                        </p:tgtEl>
+                                        <p:attrNameLst>
+                                          <p:attrName>style.visibility</p:attrName>
+                                        </p:attrNameLst>
+                                      </p:cBhvr>
+                                      <p:to>
+                                        <p:strVal val="visible"/>
+                                      </p:to>
+                                    </p:set>
+                                  </p:childTnLst>
+                                </p:cTn>
+                              </p:par>
+                              <p:par>
+                                <p:cTn id="25" presetID="1" presetClass="entr" presetSubtype="0" fill="hold" nodeType="withEffect">
+                                  <p:stCondLst>
+                                    <p:cond delay="0"/>
+                                  </p:stCondLst>
+                                  <p:childTnLst>
+                                    <p:set>
+                                      <p:cBhvr>
+                                        <p:cTn id="26" dur="1" fill="hold">
                                           <p:stCondLst>
                                             <p:cond delay="0"/>
                                           </p:stCondLst>
@@ -18012,6 +18087,9 @@
         </p:cTn>
       </p:par>
     </p:tnLst>
+    <p:bldLst>
+      <p:bldP spid="4" grpId="0"/>
+    </p:bldLst>
   </p:timing>
 </p:sld>
 </file>

--- a/Big Data and Analytics/Azure Machine Learning/Session 1 - Introduction and Slides/Azure Machine Learning.pptx
+++ b/Big Data and Analytics/Azure Machine Learning/Session 1 - Introduction and Slides/Azure Machine Learning.pptx
@@ -216,7 +216,7 @@
           <a:p>
             <a:fld id="{49B60EF2-7028-489F-85D8-FE86CD7CF2A0}" type="datetimeFigureOut">
               <a:rPr lang="en-US" smtClean="0"/>
-              <a:t>2017-06-05</a:t>
+              <a:t>2017-06-07</a:t>
             </a:fld>
             <a:endParaRPr lang="en-US"/>
           </a:p>
@@ -2268,7 +2268,7 @@
           <a:p>
             <a:fld id="{0459C166-16D3-4A25-A2F8-C51E0E346B22}" type="datetimeFigureOut">
               <a:rPr lang="en-US" smtClean="0"/>
-              <a:t>2017-06-05</a:t>
+              <a:t>2017-06-07</a:t>
             </a:fld>
             <a:endParaRPr lang="en-US"/>
           </a:p>
@@ -2363,7 +2363,7 @@
           <a:p>
             <a:fld id="{0459C166-16D3-4A25-A2F8-C51E0E346B22}" type="datetimeFigureOut">
               <a:rPr lang="en-US" smtClean="0"/>
-              <a:t>2017-06-05</a:t>
+              <a:t>2017-06-07</a:t>
             </a:fld>
             <a:endParaRPr lang="en-US"/>
           </a:p>
@@ -2638,7 +2638,7 @@
           <a:p>
             <a:fld id="{0459C166-16D3-4A25-A2F8-C51E0E346B22}" type="datetimeFigureOut">
               <a:rPr lang="en-US" smtClean="0"/>
-              <a:t>2017-06-05</a:t>
+              <a:t>2017-06-07</a:t>
             </a:fld>
             <a:endParaRPr lang="en-US"/>
           </a:p>
@@ -2890,7 +2890,7 @@
           <a:p>
             <a:fld id="{0459C166-16D3-4A25-A2F8-C51E0E346B22}" type="datetimeFigureOut">
               <a:rPr lang="en-US" smtClean="0"/>
-              <a:t>2017-06-05</a:t>
+              <a:t>2017-06-07</a:t>
             </a:fld>
             <a:endParaRPr lang="en-US"/>
           </a:p>
@@ -3058,7 +3058,7 @@
           <a:p>
             <a:fld id="{0459C166-16D3-4A25-A2F8-C51E0E346B22}" type="datetimeFigureOut">
               <a:rPr lang="en-US" smtClean="0"/>
-              <a:t>2017-06-05</a:t>
+              <a:t>2017-06-07</a:t>
             </a:fld>
             <a:endParaRPr lang="en-US"/>
           </a:p>
@@ -3236,7 +3236,7 @@
           <a:p>
             <a:fld id="{0459C166-16D3-4A25-A2F8-C51E0E346B22}" type="datetimeFigureOut">
               <a:rPr lang="en-US" smtClean="0"/>
-              <a:t>2017-06-05</a:t>
+              <a:t>2017-06-07</a:t>
             </a:fld>
             <a:endParaRPr lang="en-US"/>
           </a:p>
@@ -5141,7 +5141,7 @@
           <a:p>
             <a:fld id="{0459C166-16D3-4A25-A2F8-C51E0E346B22}" type="datetimeFigureOut">
               <a:rPr lang="en-US" smtClean="0"/>
-              <a:t>2017-06-05</a:t>
+              <a:t>2017-06-07</a:t>
             </a:fld>
             <a:endParaRPr lang="en-US"/>
           </a:p>
@@ -10705,7 +10705,7 @@
             <a:fld id="{0459C166-16D3-4A25-A2F8-C51E0E346B22}" type="datetimeFigureOut">
               <a:rPr lang="en-US" smtClean="0"/>
               <a:pPr/>
-              <a:t>2017-06-05</a:t>
+              <a:t>2017-06-07</a:t>
             </a:fld>
             <a:endParaRPr lang="en-US"/>
           </a:p>
@@ -14626,7 +14626,7 @@
           <a:p>
             <a:fld id="{0459C166-16D3-4A25-A2F8-C51E0E346B22}" type="datetimeFigureOut">
               <a:rPr lang="en-US" smtClean="0"/>
-              <a:t>2017-06-05</a:t>
+              <a:t>2017-06-07</a:t>
             </a:fld>
             <a:endParaRPr lang="en-US"/>
           </a:p>
@@ -14990,7 +14990,7 @@
           <a:p>
             <a:fld id="{0459C166-16D3-4A25-A2F8-C51E0E346B22}" type="datetimeFigureOut">
               <a:rPr lang="en-US" smtClean="0"/>
-              <a:t>2017-06-05</a:t>
+              <a:t>2017-06-07</a:t>
             </a:fld>
             <a:endParaRPr lang="en-US"/>
           </a:p>
@@ -15107,7 +15107,7 @@
           <a:p>
             <a:fld id="{0459C166-16D3-4A25-A2F8-C51E0E346B22}" type="datetimeFigureOut">
               <a:rPr lang="en-US" smtClean="0"/>
-              <a:t>2017-06-05</a:t>
+              <a:t>2017-06-07</a:t>
             </a:fld>
             <a:endParaRPr lang="en-US"/>
           </a:p>
@@ -15318,7 +15318,7 @@
           <a:p>
             <a:fld id="{0459C166-16D3-4A25-A2F8-C51E0E346B22}" type="datetimeFigureOut">
               <a:rPr lang="en-US" smtClean="0"/>
-              <a:t>2017-06-05</a:t>
+              <a:t>2017-06-07</a:t>
             </a:fld>
             <a:endParaRPr lang="en-US"/>
           </a:p>

--- a/Big Data and Analytics/Azure Machine Learning/Session 1 - Introduction and Slides/Azure Machine Learning.pptx
+++ b/Big Data and Analytics/Azure Machine Learning/Session 1 - Introduction and Slides/Azure Machine Learning.pptx
@@ -6,24 +6,23 @@
     <p:sldMasterId id="2147483663" r:id="rId2"/>
   </p:sldMasterIdLst>
   <p:notesMasterIdLst>
-    <p:notesMasterId r:id="rId18"/>
+    <p:notesMasterId r:id="rId17"/>
   </p:notesMasterIdLst>
   <p:sldIdLst>
     <p:sldId id="256" r:id="rId3"/>
-    <p:sldId id="304" r:id="rId4"/>
-    <p:sldId id="287" r:id="rId5"/>
-    <p:sldId id="288" r:id="rId6"/>
-    <p:sldId id="296" r:id="rId7"/>
-    <p:sldId id="303" r:id="rId8"/>
-    <p:sldId id="290" r:id="rId9"/>
-    <p:sldId id="289" r:id="rId10"/>
-    <p:sldId id="292" r:id="rId11"/>
-    <p:sldId id="294" r:id="rId12"/>
-    <p:sldId id="302" r:id="rId13"/>
-    <p:sldId id="293" r:id="rId14"/>
-    <p:sldId id="301" r:id="rId15"/>
-    <p:sldId id="300" r:id="rId16"/>
-    <p:sldId id="299" r:id="rId17"/>
+    <p:sldId id="287" r:id="rId4"/>
+    <p:sldId id="288" r:id="rId5"/>
+    <p:sldId id="296" r:id="rId6"/>
+    <p:sldId id="303" r:id="rId7"/>
+    <p:sldId id="290" r:id="rId8"/>
+    <p:sldId id="289" r:id="rId9"/>
+    <p:sldId id="292" r:id="rId10"/>
+    <p:sldId id="294" r:id="rId11"/>
+    <p:sldId id="302" r:id="rId12"/>
+    <p:sldId id="293" r:id="rId13"/>
+    <p:sldId id="301" r:id="rId14"/>
+    <p:sldId id="300" r:id="rId15"/>
+    <p:sldId id="299" r:id="rId16"/>
   </p:sldIdLst>
   <p:sldSz cx="12192000" cy="6858000"/>
   <p:notesSz cx="6858000" cy="9144000"/>
@@ -612,156 +611,32 @@
           <a:lstStyle/>
           <a:p>
             <a:r>
-              <a:rPr lang="en-US" sz="1200" kern="1200" dirty="0">
-                <a:solidFill>
-                  <a:schemeClr val="tx1"/>
-                </a:solidFill>
-                <a:effectLst/>
-                <a:latin typeface="+mn-lt"/>
-                <a:ea typeface="+mn-ea"/>
-                <a:cs typeface="+mn-cs"/>
-              </a:rPr>
-              <a:t>ML Studio provides canned implementations of 25 of </a:t>
-            </a:r>
-            <a:r>
-              <a:rPr lang="en-US" sz="1200" kern="1200" baseline="0" dirty="0">
-                <a:solidFill>
-                  <a:schemeClr val="tx1"/>
-                </a:solidFill>
-                <a:effectLst/>
-                <a:latin typeface="+mn-lt"/>
-                <a:ea typeface="+mn-ea"/>
-                <a:cs typeface="+mn-cs"/>
-              </a:rPr>
-              <a:t>the classic algorithms used in machine learning.  It divides them into four categories.</a:t>
-            </a:r>
-          </a:p>
-          <a:p>
-            <a:endParaRPr lang="en-US" sz="1200" kern="1200" dirty="0">
-              <a:solidFill>
-                <a:schemeClr val="tx1"/>
-              </a:solidFill>
-              <a:effectLst/>
-              <a:latin typeface="+mn-lt"/>
-              <a:ea typeface="+mn-ea"/>
-              <a:cs typeface="+mn-cs"/>
-            </a:endParaRPr>
-          </a:p>
-          <a:p>
-            <a:r>
-              <a:rPr lang="en-US" sz="1200" kern="1200" dirty="0">
-                <a:solidFill>
-                  <a:schemeClr val="tx1"/>
-                </a:solidFill>
-                <a:effectLst/>
-                <a:latin typeface="+mn-lt"/>
-                <a:ea typeface="+mn-ea"/>
-                <a:cs typeface="+mn-cs"/>
-              </a:rPr>
-              <a:t>Anomaly detection is the identification of items, events, or observations which do not conform to an expected pattern or other items in a dataset. A classic example is examining a dataset representing banking transactions and detecting potentially fraudulent transactions in that group.</a:t>
-            </a:r>
-          </a:p>
-          <a:p>
-            <a:endParaRPr lang="en-US" sz="1200" kern="1200" dirty="0">
-              <a:solidFill>
-                <a:schemeClr val="tx1"/>
-              </a:solidFill>
-              <a:effectLst/>
-              <a:latin typeface="+mn-lt"/>
-              <a:ea typeface="+mn-ea"/>
-              <a:cs typeface="+mn-cs"/>
-            </a:endParaRPr>
-          </a:p>
-          <a:p>
-            <a:r>
-              <a:rPr lang="en-US" sz="1200" kern="1200" dirty="0">
-                <a:solidFill>
-                  <a:schemeClr val="tx1"/>
-                </a:solidFill>
-                <a:effectLst/>
-                <a:latin typeface="+mn-lt"/>
-                <a:ea typeface="+mn-ea"/>
-                <a:cs typeface="+mn-cs"/>
-              </a:rPr>
-              <a:t>Regression algorithms seek to establish and quantify relationships between variables. By establishing a relationship between a dependent variable and one or more independent variables, regression analysis can enable the value of a dependent variable to be predicted given a set of inputs with a quantifiable accuracy. A great example can be seen at </a:t>
-            </a:r>
-            <a:r>
-              <a:rPr lang="en-US" sz="1200" u="sng" kern="1200" dirty="0">
-                <a:solidFill>
-                  <a:schemeClr val="tx1"/>
-                </a:solidFill>
-                <a:effectLst/>
-                <a:latin typeface="+mn-lt"/>
-                <a:ea typeface="+mn-ea"/>
-                <a:cs typeface="+mn-cs"/>
-                <a:hlinkClick r:id="rId3"/>
-              </a:rPr>
-              <a:t>https://how-old.net/#</a:t>
-            </a:r>
-            <a:r>
-              <a:rPr lang="en-US" sz="1200" kern="1200" dirty="0">
-                <a:solidFill>
-                  <a:schemeClr val="tx1"/>
-                </a:solidFill>
-                <a:effectLst/>
-                <a:latin typeface="+mn-lt"/>
-                <a:ea typeface="+mn-ea"/>
-                <a:cs typeface="+mn-cs"/>
-              </a:rPr>
-              <a:t>, a site that lets you upload a photo and then guesses your age with uncanny accuracy. The site uses Azure Machine Learning and combines classic regression with advanced image recognition.</a:t>
-            </a:r>
-          </a:p>
-          <a:p>
-            <a:endParaRPr lang="en-US" sz="1200" kern="1200" dirty="0">
-              <a:solidFill>
-                <a:schemeClr val="tx1"/>
-              </a:solidFill>
-              <a:effectLst/>
-              <a:latin typeface="+mn-lt"/>
-              <a:ea typeface="+mn-ea"/>
-              <a:cs typeface="+mn-cs"/>
-            </a:endParaRPr>
-          </a:p>
-          <a:p>
-            <a:r>
-              <a:rPr lang="en-US" sz="1200" kern="1200" dirty="0">
-                <a:solidFill>
-                  <a:schemeClr val="tx1"/>
-                </a:solidFill>
-                <a:effectLst/>
-                <a:latin typeface="+mn-lt"/>
-                <a:ea typeface="+mn-ea"/>
-                <a:cs typeface="+mn-cs"/>
-              </a:rPr>
-              <a:t>The purpose of classification algorithms is to identify the category to which an observation belongs based on training data consisting of observations which have already been classified (assigned to a category). A great example is determining whether an e-mail belongs to the "spam" category or the "not-spam" category.</a:t>
-            </a:r>
-          </a:p>
-          <a:p>
-            <a:endParaRPr lang="en-US" sz="1200" kern="1200" dirty="0">
-              <a:solidFill>
-                <a:schemeClr val="tx1"/>
-              </a:solidFill>
-              <a:effectLst/>
-              <a:latin typeface="+mn-lt"/>
-              <a:ea typeface="+mn-ea"/>
-              <a:cs typeface="+mn-cs"/>
-            </a:endParaRPr>
-          </a:p>
-          <a:p>
-            <a:r>
-              <a:rPr lang="en-US" sz="1200" kern="1200" dirty="0">
-                <a:solidFill>
-                  <a:schemeClr val="tx1"/>
-                </a:solidFill>
-                <a:effectLst/>
-                <a:latin typeface="+mn-lt"/>
-                <a:ea typeface="+mn-ea"/>
-                <a:cs typeface="+mn-cs"/>
-              </a:rPr>
-              <a:t>Clustering seeks to group a set of objects in such a way that objects in the same group (called a cluster) are more similar to each other than to those in other groups (clusters).</a:t>
-            </a:r>
-          </a:p>
-          <a:p>
+              <a:rPr lang="en-US" dirty="0"/>
+              <a:t>Linear regression has been around for hundreds of years and is widely used in statistical modeling. The simplest form of linear regression (univariate) has one input variable and one output variable. Various</a:t>
+            </a:r>
+            <a:r>
+              <a:rPr lang="en-US" baseline="0" dirty="0"/>
+              <a:t> techniques are used to best-fit a line (hence, LINEAR regression) to the data. Multivariate linear regression is similar, but adds additional terms to the equation (b2, b3, and so on).</a:t>
+            </a:r>
+          </a:p>
+          <a:p>
+            <a:endParaRPr lang="en-US" baseline="0" dirty="0"/>
+          </a:p>
+          <a:p>
+            <a:r>
+              <a:rPr lang="en-US" baseline="0" dirty="0"/>
+              <a:t>Training a linear regression model with millions of values can take time, but once the model is trained, using it to perform predictive analysis is fast because "running" the model involves little more than solving an equation whose coefficients have already been computed (during training).</a:t>
+            </a:r>
+            <a:br>
+              <a:rPr lang="en-US" baseline="0" dirty="0"/>
+            </a:br>
+            <a:br>
+              <a:rPr lang="en-US" baseline="0" dirty="0"/>
+            </a:br>
+            <a:r>
+              <a:rPr lang="en-US" baseline="0" dirty="0"/>
+              <a:t>This illustration can be used to explain why picking the right algorithm is key to building an effective model. If there is not a relatively linear relationship between input variable(s) and output variable(s), then linear regression won't produce a robust predictive model.</a:t>
+            </a:r>
             <a:endParaRPr lang="en-US" dirty="0"/>
           </a:p>
         </p:txBody>
@@ -792,7 +667,7 @@
     </p:spTree>
     <p:extLst>
       <p:ext uri="{BB962C8B-B14F-4D97-AF65-F5344CB8AC3E}">
-        <p14:creationId xmlns:p14="http://schemas.microsoft.com/office/powerpoint/2010/main" val="2218694453"/>
+        <p14:creationId xmlns:p14="http://schemas.microsoft.com/office/powerpoint/2010/main" val="3306435751"/>
       </p:ext>
     </p:extLst>
   </p:cSld>
@@ -846,32 +721,38 @@
           <a:bodyPr/>
           <a:lstStyle/>
           <a:p>
+            <a:pPr marL="0" marR="0" indent="0" algn="l" defTabSz="914400" rtl="0" eaLnBrk="1" fontAlgn="auto" latinLnBrk="0" hangingPunct="1">
+              <a:lnSpc>
+                <a:spcPct val="100000"/>
+              </a:lnSpc>
+              <a:spcBef>
+                <a:spcPts val="0"/>
+              </a:spcBef>
+              <a:spcAft>
+                <a:spcPts val="0"/>
+              </a:spcAft>
+              <a:buClrTx/>
+              <a:buSzTx/>
+              <a:buFontTx/>
+              <a:buNone/>
+              <a:tabLst/>
+              <a:defRPr/>
+            </a:pPr>
             <a:r>
               <a:rPr lang="en-US" dirty="0"/>
-              <a:t>Linear regression has been around for hundreds of years and is widely used in statistical modeling. The simplest form of linear regression (univariate) has one input variable and one output variable. Various</a:t>
+              <a:t>The Azure ML Cheat Sheet helps</a:t>
             </a:r>
             <a:r>
               <a:rPr lang="en-US" baseline="0" dirty="0"/>
-              <a:t> techniques are used to best-fit a line (hence, LINEAR regression) to the data. Multivariate linear regression is similar, but adds additional terms to the equation (b2, b3, and so on).</a:t>
-            </a:r>
-          </a:p>
-          <a:p>
-            <a:endParaRPr lang="en-US" baseline="0" dirty="0"/>
-          </a:p>
-          <a:p>
+              <a:t> you pick the right algorithm for a model, even if you're not a trained data scientist. </a:t>
+            </a:r>
+            <a:r>
+              <a:rPr lang="en-US" dirty="0"/>
+              <a:t>One example is if you want to use a set of input values to predict</a:t>
+            </a:r>
             <a:r>
               <a:rPr lang="en-US" baseline="0" dirty="0"/>
-              <a:t>Training a linear regression model with millions of values can take time, but once the model is trained, using it to perform predictive analysis is fast because "running" the model involves little more than solving an equation whose coefficients have already been computed (during training).</a:t>
-            </a:r>
-            <a:br>
-              <a:rPr lang="en-US" baseline="0" dirty="0"/>
-            </a:br>
-            <a:br>
-              <a:rPr lang="en-US" baseline="0" dirty="0"/>
-            </a:br>
-            <a:r>
-              <a:rPr lang="en-US" baseline="0" dirty="0"/>
-              <a:t>This illustration can be used to explain why picking the right algorithm is key to building an effective model. If there is not a relatively linear relationship between input variable(s) and output variable(s), then linear regression won't produce a robust predictive model.</a:t>
+              <a:t> an output value from a continuous set of values (e.g., a person's age), use linear regression. But if you're more interested in the distribution of the output, you might use fast forest quantile regression instead. An example of when you would use the latter is using growth charts to assess child development. "Abby's height is in the 10% quantile of the heights of kids her age." Classification algorithms, by contrast, are used to predict a value from a discrete set of values -- for example, classifying an e-mail as spam or not spam.</a:t>
             </a:r>
             <a:endParaRPr lang="en-US" dirty="0"/>
           </a:p>
@@ -903,7 +784,7 @@
     </p:spTree>
     <p:extLst>
       <p:ext uri="{BB962C8B-B14F-4D97-AF65-F5344CB8AC3E}">
-        <p14:creationId xmlns:p14="http://schemas.microsoft.com/office/powerpoint/2010/main" val="3306435751"/>
+        <p14:creationId xmlns:p14="http://schemas.microsoft.com/office/powerpoint/2010/main" val="67531957"/>
       </p:ext>
     </p:extLst>
   </p:cSld>
@@ -957,38 +838,13 @@
           <a:bodyPr/>
           <a:lstStyle/>
           <a:p>
-            <a:pPr marL="0" marR="0" indent="0" algn="l" defTabSz="914400" rtl="0" eaLnBrk="1" fontAlgn="auto" latinLnBrk="0" hangingPunct="1">
-              <a:lnSpc>
-                <a:spcPct val="100000"/>
-              </a:lnSpc>
-              <a:spcBef>
-                <a:spcPts val="0"/>
-              </a:spcBef>
-              <a:spcAft>
-                <a:spcPts val="0"/>
-              </a:spcAft>
-              <a:buClrTx/>
-              <a:buSzTx/>
-              <a:buFontTx/>
-              <a:buNone/>
-              <a:tabLst/>
-              <a:defRPr/>
-            </a:pPr>
             <a:r>
               <a:rPr lang="en-US" dirty="0"/>
-              <a:t>The Azure ML Cheat Sheet helps</a:t>
+              <a:t>Once deployed as a Web service, a model can be used</a:t>
             </a:r>
             <a:r>
               <a:rPr lang="en-US" baseline="0" dirty="0"/>
-              <a:t> you pick the right algorithm for a model, even if you're not a trained data scientist. </a:t>
-            </a:r>
-            <a:r>
-              <a:rPr lang="en-US" dirty="0"/>
-              <a:t>One example is if you want to use a set of input values to predict</a:t>
-            </a:r>
-            <a:r>
-              <a:rPr lang="en-US" baseline="0" dirty="0"/>
-              <a:t> an output value from a continuous set of values (e.g., a person's age), use linear regression. But if you're more interested in the distribution of the output, you might use fast forest quantile regression instead. An example of when you would use the latter is using growth charts to assess child development. "Abby's height is in the 10% quantile of the heights of kids her age." Classification algorithms, by contrast, are used to predict a value from a discrete set of values -- for example, classifying an e-mail as spam or not spam.</a:t>
+              <a:t> with simple REST calls over HTTP. This enables developers to build "smart apps" that get their intelligence from ML. In the next lab, students will build and train an ML model, deploy it as a Web service, and then write a client app that uses it.</a:t>
             </a:r>
             <a:endParaRPr lang="en-US" dirty="0"/>
           </a:p>
@@ -1020,7 +876,7 @@
     </p:spTree>
     <p:extLst>
       <p:ext uri="{BB962C8B-B14F-4D97-AF65-F5344CB8AC3E}">
-        <p14:creationId xmlns:p14="http://schemas.microsoft.com/office/powerpoint/2010/main" val="67531957"/>
+        <p14:creationId xmlns:p14="http://schemas.microsoft.com/office/powerpoint/2010/main" val="1999800174"/>
       </p:ext>
     </p:extLst>
   </p:cSld>
@@ -1076,11 +932,11 @@
           <a:p>
             <a:r>
               <a:rPr lang="en-US" dirty="0"/>
-              <a:t>Once deployed as a Web service, a model can be used</a:t>
+              <a:t>Good book -- and free!</a:t>
             </a:r>
             <a:r>
               <a:rPr lang="en-US" baseline="0" dirty="0"/>
-              <a:t> with simple REST calls over HTTP. This enables developers to build "smart apps" that get their intelligence from ML. In the next lab, students will build and train an ML model, deploy it as a Web service, and then write a client app that uses it.</a:t>
+              <a:t> Another recommended book on Azure Machine is Learning is "Predictive Analytics with Microsoft Azure Machine Learning " (https://www.amazon.com/Predictive-Analytics-Microsoft-Machine-Learning/dp/1484212010).</a:t>
             </a:r>
             <a:endParaRPr lang="en-US" dirty="0"/>
           </a:p>
@@ -1101,98 +957,6 @@
           <a:bodyPr/>
           <a:lstStyle/>
           <a:p>
-            <a:fld id="{01283FAC-A721-45A3-BBDE-EAF2B09B7CD9}" type="slidenum">
-              <a:rPr lang="en-US" smtClean="0"/>
-              <a:t>13</a:t>
-            </a:fld>
-            <a:endParaRPr lang="en-US"/>
-          </a:p>
-        </p:txBody>
-      </p:sp>
-    </p:spTree>
-    <p:extLst>
-      <p:ext uri="{BB962C8B-B14F-4D97-AF65-F5344CB8AC3E}">
-        <p14:creationId xmlns:p14="http://schemas.microsoft.com/office/powerpoint/2010/main" val="1999800174"/>
-      </p:ext>
-    </p:extLst>
-  </p:cSld>
-  <p:clrMapOvr>
-    <a:masterClrMapping/>
-  </p:clrMapOvr>
-</p:notes>
-</file>
-
-<file path=ppt/notesSlides/notesSlide14.xml><?xml version="1.0" encoding="utf-8"?>
-<p:notes xmlns:a="http://schemas.openxmlformats.org/drawingml/2006/main" xmlns:r="http://schemas.openxmlformats.org/officeDocument/2006/relationships" xmlns:p="http://schemas.openxmlformats.org/presentationml/2006/main">
-  <p:cSld>
-    <p:spTree>
-      <p:nvGrpSpPr>
-        <p:cNvPr id="1" name=""/>
-        <p:cNvGrpSpPr/>
-        <p:nvPr/>
-      </p:nvGrpSpPr>
-      <p:grpSpPr>
-        <a:xfrm>
-          <a:off x="0" y="0"/>
-          <a:ext cx="0" cy="0"/>
-          <a:chOff x="0" y="0"/>
-          <a:chExt cx="0" cy="0"/>
-        </a:xfrm>
-      </p:grpSpPr>
-      <p:sp>
-        <p:nvSpPr>
-          <p:cNvPr id="2" name="Slide Image Placeholder 1"/>
-          <p:cNvSpPr>
-            <a:spLocks noGrp="1" noRot="1" noChangeAspect="1"/>
-          </p:cNvSpPr>
-          <p:nvPr>
-            <p:ph type="sldImg"/>
-          </p:nvPr>
-        </p:nvSpPr>
-        <p:spPr/>
-      </p:sp>
-      <p:sp>
-        <p:nvSpPr>
-          <p:cNvPr id="3" name="Notes Placeholder 2"/>
-          <p:cNvSpPr>
-            <a:spLocks noGrp="1"/>
-          </p:cNvSpPr>
-          <p:nvPr>
-            <p:ph type="body" idx="1"/>
-          </p:nvPr>
-        </p:nvSpPr>
-        <p:spPr/>
-        <p:txBody>
-          <a:bodyPr/>
-          <a:lstStyle/>
-          <a:p>
-            <a:r>
-              <a:rPr lang="en-US" dirty="0"/>
-              <a:t>Good book -- and free!</a:t>
-            </a:r>
-            <a:r>
-              <a:rPr lang="en-US" baseline="0" dirty="0"/>
-              <a:t> Another recommended book on Azure Machine is Learning is "Predictive Analytics with Microsoft Azure Machine Learning " (https://www.amazon.com/Predictive-Analytics-Microsoft-Machine-Learning/dp/1484212010).</a:t>
-            </a:r>
-            <a:endParaRPr lang="en-US" dirty="0"/>
-          </a:p>
-        </p:txBody>
-      </p:sp>
-      <p:sp>
-        <p:nvSpPr>
-          <p:cNvPr id="4" name="Slide Number Placeholder 3"/>
-          <p:cNvSpPr>
-            <a:spLocks noGrp="1"/>
-          </p:cNvSpPr>
-          <p:nvPr>
-            <p:ph type="sldNum" sz="quarter" idx="10"/>
-          </p:nvPr>
-        </p:nvSpPr>
-        <p:spPr/>
-        <p:txBody>
-          <a:bodyPr/>
-          <a:lstStyle/>
-          <a:p>
             <a:fld id="{BC60BE34-BC89-4C98-A56B-79B7A098D024}" type="slidenum">
               <a:rPr lang="en-US" smtClean="0">
                 <a:solidFill>
@@ -1200,7 +964,7 @@
                 </a:solidFill>
               </a:rPr>
               <a:pPr/>
-              <a:t>14</a:t>
+              <a:t>13</a:t>
             </a:fld>
             <a:endParaRPr lang="en-US">
               <a:solidFill>
@@ -1267,6 +1031,77 @@
           <a:bodyPr/>
           <a:lstStyle/>
           <a:p>
+            <a:pPr marL="0" marR="0" indent="0" algn="l" defTabSz="914400" rtl="0" eaLnBrk="1" fontAlgn="auto" latinLnBrk="0" hangingPunct="1">
+              <a:lnSpc>
+                <a:spcPct val="100000"/>
+              </a:lnSpc>
+              <a:spcBef>
+                <a:spcPts val="0"/>
+              </a:spcBef>
+              <a:spcAft>
+                <a:spcPts val="0"/>
+              </a:spcAft>
+              <a:buClrTx/>
+              <a:buSzTx/>
+              <a:buFontTx/>
+              <a:buNone/>
+              <a:tabLst/>
+              <a:defRPr/>
+            </a:pPr>
+            <a:r>
+              <a:rPr lang="en-US" dirty="0"/>
+              <a:t>Machine Learning finds patterns in large volumes of data and uses those patterns to perform predictive analysis. Microsoft offers</a:t>
+            </a:r>
+            <a:r>
+              <a:rPr lang="en-US" baseline="0" dirty="0"/>
+              <a:t> Azure Machine Learning, while Amazon offers Amazon Machine Learning and Google offers the Google Prediction API. Software products such as MATLAB support traditional, non-cloud-based ML modeling.</a:t>
+            </a:r>
+          </a:p>
+          <a:p>
+            <a:pPr marL="0" marR="0" indent="0" algn="l" defTabSz="914400" rtl="0" eaLnBrk="1" fontAlgn="auto" latinLnBrk="0" hangingPunct="1">
+              <a:lnSpc>
+                <a:spcPct val="100000"/>
+              </a:lnSpc>
+              <a:spcBef>
+                <a:spcPts val="0"/>
+              </a:spcBef>
+              <a:spcAft>
+                <a:spcPts val="0"/>
+              </a:spcAft>
+              <a:buClrTx/>
+              <a:buSzTx/>
+              <a:buFontTx/>
+              <a:buNone/>
+              <a:tabLst/>
+              <a:defRPr/>
+            </a:pPr>
+            <a:endParaRPr lang="en-US" baseline="0" dirty="0"/>
+          </a:p>
+          <a:p>
+            <a:pPr marL="0" marR="0" indent="0" algn="l" defTabSz="914400" rtl="0" eaLnBrk="1" fontAlgn="auto" latinLnBrk="0" hangingPunct="1">
+              <a:lnSpc>
+                <a:spcPct val="100000"/>
+              </a:lnSpc>
+              <a:spcBef>
+                <a:spcPts val="0"/>
+              </a:spcBef>
+              <a:spcAft>
+                <a:spcPts val="0"/>
+              </a:spcAft>
+              <a:buClrTx/>
+              <a:buSzTx/>
+              <a:buFontTx/>
+              <a:buNone/>
+              <a:tabLst/>
+              <a:defRPr/>
+            </a:pPr>
+            <a:r>
+              <a:rPr lang="en-US" baseline="0" dirty="0"/>
+              <a:t>Machine learning models fall into two broad categories: supervised and unsupervised. In supervised learning, the model is "trained" with a large volume of data and algorithms are then used to predict an outcome from future inputs. Most supervised learning models use regression algorithms to compute an outcome from a continuous set of possible outcomes (for example, your score on a test), or classification algorithms to compute the probability of an outcome from a finite set of possible outcomes (for example, the probability that an e-mail is spam or a credit-card transaction is fraudulent). In unsupervised learning, the computer isn't trained, but is presented with a set of data and challenged to find relationships in it. K-Means Clustering is a common unsupervised learning algorithm. For a great explanation of how it works, see https://blog.intercom.io/machine-learning-way-easier-than-it-looks/.</a:t>
+            </a:r>
+            <a:endParaRPr lang="en-US" dirty="0"/>
+          </a:p>
+          <a:p>
             <a:endParaRPr lang="en-US" dirty="0"/>
           </a:p>
         </p:txBody>
@@ -1297,7 +1132,7 @@
     </p:spTree>
     <p:extLst>
       <p:ext uri="{BB962C8B-B14F-4D97-AF65-F5344CB8AC3E}">
-        <p14:creationId xmlns:p14="http://schemas.microsoft.com/office/powerpoint/2010/main" val="558238626"/>
+        <p14:creationId xmlns:p14="http://schemas.microsoft.com/office/powerpoint/2010/main" val="780242760"/>
       </p:ext>
     </p:extLst>
   </p:cSld>
@@ -1351,77 +1186,31 @@
           <a:bodyPr/>
           <a:lstStyle/>
           <a:p>
-            <a:pPr marL="0" marR="0" indent="0" algn="l" defTabSz="914400" rtl="0" eaLnBrk="1" fontAlgn="auto" latinLnBrk="0" hangingPunct="1">
-              <a:lnSpc>
-                <a:spcPct val="100000"/>
-              </a:lnSpc>
-              <a:spcBef>
-                <a:spcPts val="0"/>
-              </a:spcBef>
-              <a:spcAft>
-                <a:spcPts val="0"/>
-              </a:spcAft>
-              <a:buClrTx/>
-              <a:buSzTx/>
-              <a:buFontTx/>
-              <a:buNone/>
-              <a:tabLst/>
-              <a:defRPr/>
-            </a:pPr>
-            <a:r>
-              <a:rPr lang="en-US" dirty="0"/>
-              <a:t>Machine Learning finds patterns in large volumes of data and uses those patterns to perform predictive analysis. Microsoft offers</a:t>
-            </a:r>
-            <a:r>
-              <a:rPr lang="en-US" baseline="0" dirty="0"/>
-              <a:t> Azure Machine Learning, while Amazon offers Amazon Machine Learning and Google offers the Google Prediction API. Software products such as MATLAB support traditional, non-cloud-based ML modeling.</a:t>
-            </a:r>
-          </a:p>
-          <a:p>
-            <a:pPr marL="0" marR="0" indent="0" algn="l" defTabSz="914400" rtl="0" eaLnBrk="1" fontAlgn="auto" latinLnBrk="0" hangingPunct="1">
-              <a:lnSpc>
-                <a:spcPct val="100000"/>
-              </a:lnSpc>
-              <a:spcBef>
-                <a:spcPts val="0"/>
-              </a:spcBef>
-              <a:spcAft>
-                <a:spcPts val="0"/>
-              </a:spcAft>
-              <a:buClrTx/>
-              <a:buSzTx/>
-              <a:buFontTx/>
-              <a:buNone/>
-              <a:tabLst/>
-              <a:defRPr/>
-            </a:pPr>
-            <a:endParaRPr lang="en-US" baseline="0" dirty="0"/>
-          </a:p>
-          <a:p>
-            <a:pPr marL="0" marR="0" indent="0" algn="l" defTabSz="914400" rtl="0" eaLnBrk="1" fontAlgn="auto" latinLnBrk="0" hangingPunct="1">
-              <a:lnSpc>
-                <a:spcPct val="100000"/>
-              </a:lnSpc>
-              <a:spcBef>
-                <a:spcPts val="0"/>
-              </a:spcBef>
-              <a:spcAft>
-                <a:spcPts val="0"/>
-              </a:spcAft>
-              <a:buClrTx/>
-              <a:buSzTx/>
-              <a:buFontTx/>
-              <a:buNone/>
-              <a:tabLst/>
-              <a:defRPr/>
-            </a:pPr>
-            <a:r>
-              <a:rPr lang="en-US" baseline="0" dirty="0"/>
-              <a:t>Machine learning models fall into two broad categories: supervised and unsupervised. In supervised learning, the model is "trained" with a large volume of data and algorithms are then used to predict an outcome from future inputs. Most supervised learning models use regression algorithms to compute an outcome from a continuous set of possible outcomes (for example, your score on a test), or classification algorithms to compute the probability of an outcome from a finite set of possible outcomes (for example, the probability that an e-mail is spam or a credit-card transaction is fraudulent). In unsupervised learning, the computer isn't trained, but is presented with a set of data and challenged to find relationships in it. K-Means Clustering is a common unsupervised learning algorithm. For a great explanation of how it works, see https://blog.intercom.io/machine-learning-way-easier-than-it-looks/.</a:t>
-            </a:r>
-            <a:endParaRPr lang="en-US" dirty="0"/>
-          </a:p>
-          <a:p>
+            <a:r>
+              <a:rPr lang="en-US" sz="1200" u="sng" kern="1200" dirty="0">
+                <a:solidFill>
+                  <a:schemeClr val="tx1"/>
+                </a:solidFill>
+                <a:effectLst/>
+                <a:latin typeface="+mn-lt"/>
+                <a:ea typeface="+mn-ea"/>
+                <a:cs typeface="+mn-cs"/>
+                <a:hlinkClick r:id="rId3"/>
+              </a:rPr>
+              <a:t>https://how-old.net/#</a:t>
+            </a:r>
+            <a:r>
+              <a:rPr lang="en-US" sz="1200" u="none" kern="1200" baseline="0" dirty="0">
+                <a:solidFill>
+                  <a:schemeClr val="tx1"/>
+                </a:solidFill>
+                <a:effectLst/>
+                <a:latin typeface="+mn-lt"/>
+                <a:ea typeface="+mn-ea"/>
+                <a:cs typeface="+mn-cs"/>
+              </a:rPr>
+              <a:t> offers a great example of machine learning in action. Created by Microsoft, the site uses advanced image-recognition techniques to analyze photos you upload and then uses an ML model to "predict" the ages of the people in the photos.</a:t>
+            </a:r>
             <a:endParaRPr lang="en-US" dirty="0"/>
           </a:p>
         </p:txBody>
@@ -1452,7 +1241,7 @@
     </p:spTree>
     <p:extLst>
       <p:ext uri="{BB962C8B-B14F-4D97-AF65-F5344CB8AC3E}">
-        <p14:creationId xmlns:p14="http://schemas.microsoft.com/office/powerpoint/2010/main" val="780242760"/>
+        <p14:creationId xmlns:p14="http://schemas.microsoft.com/office/powerpoint/2010/main" val="3410648990"/>
       </p:ext>
     </p:extLst>
   </p:cSld>
@@ -1507,29 +1296,12 @@
           <a:lstStyle/>
           <a:p>
             <a:r>
-              <a:rPr lang="en-US" sz="1200" u="sng" kern="1200" dirty="0">
-                <a:solidFill>
-                  <a:schemeClr val="tx1"/>
-                </a:solidFill>
-                <a:effectLst/>
-                <a:latin typeface="+mn-lt"/>
-                <a:ea typeface="+mn-ea"/>
-                <a:cs typeface="+mn-cs"/>
-                <a:hlinkClick r:id="rId3"/>
-              </a:rPr>
-              <a:t>https://how-old.net/#</a:t>
-            </a:r>
-            <a:r>
-              <a:rPr lang="en-US" sz="1200" u="none" kern="1200" baseline="0" dirty="0">
-                <a:solidFill>
-                  <a:schemeClr val="tx1"/>
-                </a:solidFill>
-                <a:effectLst/>
-                <a:latin typeface="+mn-lt"/>
-                <a:ea typeface="+mn-ea"/>
-                <a:cs typeface="+mn-cs"/>
-              </a:rPr>
-              <a:t> offers a great example of machine learning in action. Created by Microsoft, the site uses advanced image-recognition techniques to analyze photos you upload and then uses an ML model to "predict" the ages of the people in the photos.</a:t>
+              <a:rPr lang="en-US" dirty="0"/>
+              <a:t>Microsoft has a rich history of employing machine learning in their products, beginning with the Silicon Valley company they purchased in 1999 and created Hotmail from. Hotmail used</a:t>
+            </a:r>
+            <a:r>
+              <a:rPr lang="en-US" baseline="0" dirty="0"/>
+              <a:t> ML to perform advanced spam detection.</a:t>
             </a:r>
             <a:endParaRPr lang="en-US" dirty="0"/>
           </a:p>
@@ -1561,7 +1333,7 @@
     </p:spTree>
     <p:extLst>
       <p:ext uri="{BB962C8B-B14F-4D97-AF65-F5344CB8AC3E}">
-        <p14:creationId xmlns:p14="http://schemas.microsoft.com/office/powerpoint/2010/main" val="3410648990"/>
+        <p14:creationId xmlns:p14="http://schemas.microsoft.com/office/powerpoint/2010/main" val="1604809656"/>
       </p:ext>
     </p:extLst>
   </p:cSld>
@@ -1616,14 +1388,69 @@
           <a:lstStyle/>
           <a:p>
             <a:r>
+              <a:rPr lang="en-US" sz="1200" kern="1200" dirty="0">
+                <a:solidFill>
+                  <a:schemeClr val="tx1"/>
+                </a:solidFill>
+                <a:effectLst/>
+                <a:latin typeface="+mn-lt"/>
+                <a:ea typeface="+mn-ea"/>
+                <a:cs typeface="+mn-cs"/>
+              </a:rPr>
+              <a:t>Azure Machine Learning</a:t>
+            </a:r>
+            <a:r>
               <a:rPr lang="en-US" dirty="0"/>
-              <a:t>Microsoft has a rich history of employing machine learning in their products, beginning with the Silicon Valley company they purchased in 1999 and created Hotmail from. Hotmail used</a:t>
-            </a:r>
-            <a:r>
-              <a:rPr lang="en-US" baseline="0" dirty="0"/>
-              <a:t> ML to perform advanced spam detection.</a:t>
-            </a:r>
-            <a:endParaRPr lang="en-US" dirty="0"/>
+              <a:t> is a cloud-based predictive-analytics service that offers a streamlined experience for data scientists of all skill levels. It's accompanied by the Azure Machine Learning Studio (ML Studio), which is a browser-based tool that provides an easy to use, drag-and-drop interface for building machine-learning models. It comes with a library of time-saving experiments and features best-in-class algorithms developed and tested in the real world by Microsoft businesses such as Bing. And its built-in support for </a:t>
+            </a:r>
+            <a:r>
+              <a:rPr lang="en-US" sz="1200" kern="1200" dirty="0">
+                <a:solidFill>
+                  <a:schemeClr val="tx1"/>
+                </a:solidFill>
+                <a:effectLst/>
+                <a:latin typeface="+mn-lt"/>
+                <a:ea typeface="+mn-ea"/>
+                <a:cs typeface="+mn-cs"/>
+              </a:rPr>
+              <a:t>R</a:t>
+            </a:r>
+            <a:r>
+              <a:rPr lang="en-US" dirty="0"/>
+              <a:t> and </a:t>
+            </a:r>
+            <a:r>
+              <a:rPr lang="en-US" sz="1200" kern="1200" dirty="0">
+                <a:solidFill>
+                  <a:schemeClr val="tx1"/>
+                </a:solidFill>
+                <a:effectLst/>
+                <a:latin typeface="+mn-lt"/>
+                <a:ea typeface="+mn-ea"/>
+                <a:cs typeface="+mn-cs"/>
+              </a:rPr>
+              <a:t>Python</a:t>
+            </a:r>
+            <a:r>
+              <a:rPr lang="en-US" dirty="0"/>
+              <a:t> means you can build custom scripts  to customize your model. Once you've built and trained your model in the ML Studio, you can easily expose it as a Web service that is consumable from a variety of programming languages, or share it with the community by placing it in the </a:t>
+            </a:r>
+            <a:r>
+              <a:rPr lang="en-US" sz="1200" kern="1200" dirty="0">
+                <a:solidFill>
+                  <a:schemeClr val="tx1"/>
+                </a:solidFill>
+                <a:effectLst/>
+                <a:latin typeface="+mn-lt"/>
+                <a:ea typeface="+mn-ea"/>
+                <a:cs typeface="+mn-cs"/>
+              </a:rPr>
+              <a:t>Cortana Intelligence Gallery</a:t>
+            </a:r>
+            <a:r>
+              <a:rPr lang="en-US" dirty="0"/>
+              <a:t>.</a:t>
+            </a:r>
           </a:p>
         </p:txBody>
       </p:sp>
@@ -1653,7 +1480,7 @@
     </p:spTree>
     <p:extLst>
       <p:ext uri="{BB962C8B-B14F-4D97-AF65-F5344CB8AC3E}">
-        <p14:creationId xmlns:p14="http://schemas.microsoft.com/office/powerpoint/2010/main" val="1604809656"/>
+        <p14:creationId xmlns:p14="http://schemas.microsoft.com/office/powerpoint/2010/main" val="1744707974"/>
       </p:ext>
     </p:extLst>
   </p:cSld>
@@ -1707,70 +1534,50 @@
           <a:bodyPr/>
           <a:lstStyle/>
           <a:p>
-            <a:r>
-              <a:rPr lang="en-US" sz="1200" kern="1200" dirty="0">
-                <a:solidFill>
-                  <a:schemeClr val="tx1"/>
-                </a:solidFill>
-                <a:effectLst/>
-                <a:latin typeface="+mn-lt"/>
-                <a:ea typeface="+mn-ea"/>
-                <a:cs typeface="+mn-cs"/>
+            <a:pPr marL="0" marR="0" indent="0" algn="l" defTabSz="914400" rtl="0" eaLnBrk="1" fontAlgn="auto" latinLnBrk="0" hangingPunct="1">
+              <a:lnSpc>
+                <a:spcPct val="100000"/>
+              </a:lnSpc>
+              <a:spcBef>
+                <a:spcPts val="0"/>
+              </a:spcBef>
+              <a:spcAft>
+                <a:spcPts val="0"/>
+              </a:spcAft>
+              <a:buClrTx/>
+              <a:buSzTx/>
+              <a:buFontTx/>
+              <a:buNone/>
+              <a:tabLst/>
+              <a:defRPr/>
+            </a:pPr>
+            <a:r>
+              <a:rPr lang="en-US" dirty="0"/>
+              <a:t>This quote came from a graduate</a:t>
+            </a:r>
+            <a:r>
+              <a:rPr lang="en-US" baseline="0" dirty="0"/>
+              <a:t> student </a:t>
+            </a:r>
+            <a:r>
+              <a:rPr lang="en-US" dirty="0"/>
+              <a:t>who attended this class at UMass. He had already accepted at offer</a:t>
+            </a:r>
+            <a:r>
+              <a:rPr lang="en-US" baseline="0" dirty="0"/>
+              <a:t> to go to work for </a:t>
+            </a:r>
+            <a:r>
+              <a:rPr lang="en-US" dirty="0"/>
+              <a:t>Microsoft post-graduation. </a:t>
+            </a:r>
+            <a:r>
+              <a:rPr lang="en-US" dirty="0">
+                <a:sym typeface="Wingdings" panose="05000000000000000000" pitchFamily="2" charset="2"/>
               </a:rPr>
-              <a:t>Azure Machine Learning</a:t>
-            </a:r>
-            <a:r>
-              <a:rPr lang="en-US" dirty="0"/>
-              <a:t> is a cloud-based predictive-analytics service that offers a streamlined experience for data scientists of all skill levels. It's accompanied by the Azure Machine Learning Studio (ML Studio), which is a browser-based tool that provides an easy to use, drag-and-drop interface for building machine-learning models. It comes with a library of time-saving experiments and features best-in-class algorithms developed and tested in the real world by Microsoft businesses such as Bing. And its built-in support for </a:t>
-            </a:r>
-            <a:r>
-              <a:rPr lang="en-US" sz="1200" kern="1200" dirty="0">
-                <a:solidFill>
-                  <a:schemeClr val="tx1"/>
-                </a:solidFill>
-                <a:effectLst/>
-                <a:latin typeface="+mn-lt"/>
-                <a:ea typeface="+mn-ea"/>
-                <a:cs typeface="+mn-cs"/>
-              </a:rPr>
-              <a:t>R</a:t>
-            </a:r>
-            <a:r>
-              <a:rPr lang="en-US" dirty="0"/>
-              <a:t> and </a:t>
-            </a:r>
-            <a:r>
-              <a:rPr lang="en-US" sz="1200" kern="1200" dirty="0">
-                <a:solidFill>
-                  <a:schemeClr val="tx1"/>
-                </a:solidFill>
-                <a:effectLst/>
-                <a:latin typeface="+mn-lt"/>
-                <a:ea typeface="+mn-ea"/>
-                <a:cs typeface="+mn-cs"/>
-              </a:rPr>
-              <a:t>Python</a:t>
-            </a:r>
-            <a:r>
-              <a:rPr lang="en-US" dirty="0"/>
-              <a:t> means you can build custom scripts  to customize your model. Once you've built and trained your model in the ML Studio, you can easily expose it as a Web service that is consumable from a variety of programming languages, or share it with the community by placing it in the </a:t>
-            </a:r>
-            <a:r>
-              <a:rPr lang="en-US" sz="1200" kern="1200" dirty="0">
-                <a:solidFill>
-                  <a:schemeClr val="tx1"/>
-                </a:solidFill>
-                <a:effectLst/>
-                <a:latin typeface="+mn-lt"/>
-                <a:ea typeface="+mn-ea"/>
-                <a:cs typeface="+mn-cs"/>
-              </a:rPr>
-              <a:t>Cortana Intelligence Gallery</a:t>
-            </a:r>
-            <a:r>
-              <a:rPr lang="en-US" dirty="0"/>
-              <a:t>.</a:t>
-            </a:r>
+              <a:t></a:t>
+            </a:r>
+            <a:endParaRPr lang="en-US" dirty="0"/>
           </a:p>
         </p:txBody>
       </p:sp>
@@ -1800,7 +1607,7 @@
     </p:spTree>
     <p:extLst>
       <p:ext uri="{BB962C8B-B14F-4D97-AF65-F5344CB8AC3E}">
-        <p14:creationId xmlns:p14="http://schemas.microsoft.com/office/powerpoint/2010/main" val="1744707974"/>
+        <p14:creationId xmlns:p14="http://schemas.microsoft.com/office/powerpoint/2010/main" val="438268556"/>
       </p:ext>
     </p:extLst>
   </p:cSld>
@@ -1854,48 +1661,13 @@
           <a:bodyPr/>
           <a:lstStyle/>
           <a:p>
-            <a:pPr marL="0" marR="0" indent="0" algn="l" defTabSz="914400" rtl="0" eaLnBrk="1" fontAlgn="auto" latinLnBrk="0" hangingPunct="1">
-              <a:lnSpc>
-                <a:spcPct val="100000"/>
-              </a:lnSpc>
-              <a:spcBef>
-                <a:spcPts val="0"/>
-              </a:spcBef>
-              <a:spcAft>
-                <a:spcPts val="0"/>
-              </a:spcAft>
-              <a:buClrTx/>
-              <a:buSzTx/>
-              <a:buFontTx/>
-              <a:buNone/>
-              <a:tabLst/>
-              <a:defRPr/>
-            </a:pPr>
             <a:r>
               <a:rPr lang="en-US" dirty="0"/>
-              <a:t>This quote came from a graduate</a:t>
+              <a:t>ML Studio simplifies machine learning by providing a drag-and-drop model in</a:t>
             </a:r>
             <a:r>
               <a:rPr lang="en-US" baseline="0" dirty="0"/>
-              <a:t> student </a:t>
-            </a:r>
-            <a:r>
-              <a:rPr lang="en-US" dirty="0"/>
-              <a:t>who attended this class at UMass. He had already accepted at offer</a:t>
-            </a:r>
-            <a:r>
-              <a:rPr lang="en-US" baseline="0" dirty="0"/>
-              <a:t> to go to work for </a:t>
-            </a:r>
-            <a:r>
-              <a:rPr lang="en-US" dirty="0"/>
-              <a:t>Microsoft post-graduation. </a:t>
-            </a:r>
-            <a:r>
-              <a:rPr lang="en-US" dirty="0">
-                <a:sym typeface="Wingdings" panose="05000000000000000000" pitchFamily="2" charset="2"/>
-              </a:rPr>
-              <a:t></a:t>
+              <a:t> which you build workflow. With ML Studio and the rich of assortment of modules it offers for modeling workflow, you can often build sophisticated models without writing a single line of code. However, it allows you to insert R and Python code anywhere in the workflow, providing infinite flexibility in what you can model.</a:t>
             </a:r>
             <a:endParaRPr lang="en-US" dirty="0"/>
           </a:p>
@@ -1927,7 +1699,7 @@
     </p:spTree>
     <p:extLst>
       <p:ext uri="{BB962C8B-B14F-4D97-AF65-F5344CB8AC3E}">
-        <p14:creationId xmlns:p14="http://schemas.microsoft.com/office/powerpoint/2010/main" val="438268556"/>
+        <p14:creationId xmlns:p14="http://schemas.microsoft.com/office/powerpoint/2010/main" val="3764833112"/>
       </p:ext>
     </p:extLst>
   </p:cSld>
@@ -1983,11 +1755,11 @@
           <a:p>
             <a:r>
               <a:rPr lang="en-US" dirty="0"/>
-              <a:t>ML Studio simplifies machine learning by providing a drag-and-drop model in</a:t>
+              <a:t>ML starts with data, which can come from a variety of sources. The data typically needs to be "cleaned" before</a:t>
             </a:r>
             <a:r>
               <a:rPr lang="en-US" baseline="0" dirty="0"/>
-              <a:t> which you build workflow. With ML Studio and the rich of assortment of modules it offers for modeling workflow, you can often build sophisticated models without writing a single line of code. However, it allows you to insert R and Python code anywhere in the workflow, providing infinite flexibility in what you can model.</a:t>
+              <a:t> it is used, and ML Studio includes modules to help with the cleaning. (Examples of cleaning include removing rows with missing data, replacing missing data algorithmically, removing duplicate rows, and removing rows containing "outliers." In practice, cleaning the data can be very time-intensive and often consumes 50% of the time required to build the model.) Once the data is ready, you select an algorithm and "train" the model by allowing it to iterate over the data and find patterns in it. After that comes scoring and evaluating the model, which tells you how well the model is able to predict outcomes. All of this is performed visually in ML Studio. Once the model is ready, a few button clicks deploy it as a Web service so it can be called from client apps.</a:t>
             </a:r>
             <a:endParaRPr lang="en-US" dirty="0"/>
           </a:p>
@@ -2019,7 +1791,7 @@
     </p:spTree>
     <p:extLst>
       <p:ext uri="{BB962C8B-B14F-4D97-AF65-F5344CB8AC3E}">
-        <p14:creationId xmlns:p14="http://schemas.microsoft.com/office/powerpoint/2010/main" val="3764833112"/>
+        <p14:creationId xmlns:p14="http://schemas.microsoft.com/office/powerpoint/2010/main" val="393542212"/>
       </p:ext>
     </p:extLst>
   </p:cSld>
@@ -2074,13 +1846,156 @@
           <a:lstStyle/>
           <a:p>
             <a:r>
-              <a:rPr lang="en-US" dirty="0"/>
-              <a:t>ML starts with data, which can come from a variety of sources. The data typically needs to be "cleaned" before</a:t>
-            </a:r>
-            <a:r>
-              <a:rPr lang="en-US" baseline="0" dirty="0"/>
-              <a:t> it is used, and ML Studio includes modules to help with the cleaning. (Examples of cleaning include removing rows with missing data, replacing missing data algorithmically, removing duplicate rows, and removing rows containing "outliers." In practice, cleaning the data can be very time-intensive and often consumes 50% of the time required to build the model.) Once the data is ready, you select an algorithm and "train" the model by allowing it to iterate over the data and find patterns in it. After that comes scoring and evaluating the model, which tells you how well the model is able to predict outcomes. All of this is performed visually in ML Studio. Once the model is ready, a few button clicks deploy it as a Web service so it can be called from client apps.</a:t>
-            </a:r>
+              <a:rPr lang="en-US" sz="1200" kern="1200" dirty="0">
+                <a:solidFill>
+                  <a:schemeClr val="tx1"/>
+                </a:solidFill>
+                <a:effectLst/>
+                <a:latin typeface="+mn-lt"/>
+                <a:ea typeface="+mn-ea"/>
+                <a:cs typeface="+mn-cs"/>
+              </a:rPr>
+              <a:t>ML Studio provides canned implementations of 25 of </a:t>
+            </a:r>
+            <a:r>
+              <a:rPr lang="en-US" sz="1200" kern="1200" baseline="0" dirty="0">
+                <a:solidFill>
+                  <a:schemeClr val="tx1"/>
+                </a:solidFill>
+                <a:effectLst/>
+                <a:latin typeface="+mn-lt"/>
+                <a:ea typeface="+mn-ea"/>
+                <a:cs typeface="+mn-cs"/>
+              </a:rPr>
+              <a:t>the classic algorithms used in machine learning.  It divides them into four categories.</a:t>
+            </a:r>
+          </a:p>
+          <a:p>
+            <a:endParaRPr lang="en-US" sz="1200" kern="1200" dirty="0">
+              <a:solidFill>
+                <a:schemeClr val="tx1"/>
+              </a:solidFill>
+              <a:effectLst/>
+              <a:latin typeface="+mn-lt"/>
+              <a:ea typeface="+mn-ea"/>
+              <a:cs typeface="+mn-cs"/>
+            </a:endParaRPr>
+          </a:p>
+          <a:p>
+            <a:r>
+              <a:rPr lang="en-US" sz="1200" kern="1200" dirty="0">
+                <a:solidFill>
+                  <a:schemeClr val="tx1"/>
+                </a:solidFill>
+                <a:effectLst/>
+                <a:latin typeface="+mn-lt"/>
+                <a:ea typeface="+mn-ea"/>
+                <a:cs typeface="+mn-cs"/>
+              </a:rPr>
+              <a:t>Anomaly detection is the identification of items, events, or observations which do not conform to an expected pattern or other items in a dataset. A classic example is examining a dataset representing banking transactions and detecting potentially fraudulent transactions in that group.</a:t>
+            </a:r>
+          </a:p>
+          <a:p>
+            <a:endParaRPr lang="en-US" sz="1200" kern="1200" dirty="0">
+              <a:solidFill>
+                <a:schemeClr val="tx1"/>
+              </a:solidFill>
+              <a:effectLst/>
+              <a:latin typeface="+mn-lt"/>
+              <a:ea typeface="+mn-ea"/>
+              <a:cs typeface="+mn-cs"/>
+            </a:endParaRPr>
+          </a:p>
+          <a:p>
+            <a:r>
+              <a:rPr lang="en-US" sz="1200" kern="1200" dirty="0">
+                <a:solidFill>
+                  <a:schemeClr val="tx1"/>
+                </a:solidFill>
+                <a:effectLst/>
+                <a:latin typeface="+mn-lt"/>
+                <a:ea typeface="+mn-ea"/>
+                <a:cs typeface="+mn-cs"/>
+              </a:rPr>
+              <a:t>Regression algorithms seek to establish and quantify relationships between variables. By establishing a relationship between a dependent variable and one or more independent variables, regression analysis can enable the value of a dependent variable to be predicted given a set of inputs with a quantifiable accuracy. A great example can be seen at </a:t>
+            </a:r>
+            <a:r>
+              <a:rPr lang="en-US" sz="1200" u="sng" kern="1200" dirty="0">
+                <a:solidFill>
+                  <a:schemeClr val="tx1"/>
+                </a:solidFill>
+                <a:effectLst/>
+                <a:latin typeface="+mn-lt"/>
+                <a:ea typeface="+mn-ea"/>
+                <a:cs typeface="+mn-cs"/>
+                <a:hlinkClick r:id="rId3"/>
+              </a:rPr>
+              <a:t>https://how-old.net/#</a:t>
+            </a:r>
+            <a:r>
+              <a:rPr lang="en-US" sz="1200" kern="1200" dirty="0">
+                <a:solidFill>
+                  <a:schemeClr val="tx1"/>
+                </a:solidFill>
+                <a:effectLst/>
+                <a:latin typeface="+mn-lt"/>
+                <a:ea typeface="+mn-ea"/>
+                <a:cs typeface="+mn-cs"/>
+              </a:rPr>
+              <a:t>, a site that lets you upload a photo and then guesses your age with uncanny accuracy. The site uses Azure Machine Learning and combines classic regression with advanced image recognition.</a:t>
+            </a:r>
+          </a:p>
+          <a:p>
+            <a:endParaRPr lang="en-US" sz="1200" kern="1200" dirty="0">
+              <a:solidFill>
+                <a:schemeClr val="tx1"/>
+              </a:solidFill>
+              <a:effectLst/>
+              <a:latin typeface="+mn-lt"/>
+              <a:ea typeface="+mn-ea"/>
+              <a:cs typeface="+mn-cs"/>
+            </a:endParaRPr>
+          </a:p>
+          <a:p>
+            <a:r>
+              <a:rPr lang="en-US" sz="1200" kern="1200" dirty="0">
+                <a:solidFill>
+                  <a:schemeClr val="tx1"/>
+                </a:solidFill>
+                <a:effectLst/>
+                <a:latin typeface="+mn-lt"/>
+                <a:ea typeface="+mn-ea"/>
+                <a:cs typeface="+mn-cs"/>
+              </a:rPr>
+              <a:t>The purpose of classification algorithms is to identify the category to which an observation belongs based on training data consisting of observations which have already been classified (assigned to a category). A great example is determining whether an e-mail belongs to the "spam" category or the "not-spam" category.</a:t>
+            </a:r>
+          </a:p>
+          <a:p>
+            <a:endParaRPr lang="en-US" sz="1200" kern="1200" dirty="0">
+              <a:solidFill>
+                <a:schemeClr val="tx1"/>
+              </a:solidFill>
+              <a:effectLst/>
+              <a:latin typeface="+mn-lt"/>
+              <a:ea typeface="+mn-ea"/>
+              <a:cs typeface="+mn-cs"/>
+            </a:endParaRPr>
+          </a:p>
+          <a:p>
+            <a:r>
+              <a:rPr lang="en-US" sz="1200" kern="1200" dirty="0">
+                <a:solidFill>
+                  <a:schemeClr val="tx1"/>
+                </a:solidFill>
+                <a:effectLst/>
+                <a:latin typeface="+mn-lt"/>
+                <a:ea typeface="+mn-ea"/>
+                <a:cs typeface="+mn-cs"/>
+              </a:rPr>
+              <a:t>Clustering seeks to group a set of objects in such a way that objects in the same group (called a cluster) are more similar to each other than to those in other groups (clusters).</a:t>
+            </a:r>
+          </a:p>
+          <a:p>
             <a:endParaRPr lang="en-US" dirty="0"/>
           </a:p>
         </p:txBody>
@@ -2111,7 +2026,7 @@
     </p:spTree>
     <p:extLst>
       <p:ext uri="{BB962C8B-B14F-4D97-AF65-F5344CB8AC3E}">
-        <p14:creationId xmlns:p14="http://schemas.microsoft.com/office/powerpoint/2010/main" val="393542212"/>
+        <p14:creationId xmlns:p14="http://schemas.microsoft.com/office/powerpoint/2010/main" val="2218694453"/>
       </p:ext>
     </p:extLst>
   </p:cSld>
@@ -16640,6 +16555,29 @@
                   <a:srgbClr val="FFFF00"/>
                 </a:solidFill>
               </a:rPr>
+              <a:t>Software </a:t>
+            </a:r>
+            <a:r>
+              <a:rPr lang="en-US">
+                <a:solidFill>
+                  <a:srgbClr val="FFFF00"/>
+                </a:solidFill>
+              </a:rPr>
+              <a:t>Architect Derivco</a:t>
+            </a:r>
+            <a:endParaRPr lang="en-US" dirty="0">
+              <a:solidFill>
+                <a:srgbClr val="FFFF00"/>
+              </a:solidFill>
+            </a:endParaRPr>
+          </a:p>
+          <a:p>
+            <a:r>
+              <a:rPr lang="en-US" dirty="0">
+                <a:solidFill>
+                  <a:srgbClr val="FFFF00"/>
+                </a:solidFill>
+              </a:rPr>
               <a:t>niels.it.berglund@gmail.com</a:t>
             </a:r>
           </a:p>
@@ -16666,192 +16604,6 @@
 </file>
 
 <file path=ppt/slides/slide10.xml><?xml version="1.0" encoding="utf-8"?>
-<p:sld xmlns:a="http://schemas.openxmlformats.org/drawingml/2006/main" xmlns:r="http://schemas.openxmlformats.org/officeDocument/2006/relationships" xmlns:p="http://schemas.openxmlformats.org/presentationml/2006/main">
-  <p:cSld>
-    <p:spTree>
-      <p:nvGrpSpPr>
-        <p:cNvPr id="1" name=""/>
-        <p:cNvGrpSpPr/>
-        <p:nvPr/>
-      </p:nvGrpSpPr>
-      <p:grpSpPr>
-        <a:xfrm>
-          <a:off x="0" y="0"/>
-          <a:ext cx="0" cy="0"/>
-          <a:chOff x="0" y="0"/>
-          <a:chExt cx="0" cy="0"/>
-        </a:xfrm>
-      </p:grpSpPr>
-      <p:sp>
-        <p:nvSpPr>
-          <p:cNvPr id="2" name="Title 1"/>
-          <p:cNvSpPr>
-            <a:spLocks noGrp="1"/>
-          </p:cNvSpPr>
-          <p:nvPr>
-            <p:ph type="title"/>
-          </p:nvPr>
-        </p:nvSpPr>
-        <p:spPr/>
-        <p:txBody>
-          <a:bodyPr/>
-          <a:lstStyle/>
-          <a:p>
-            <a:r>
-              <a:rPr lang="en-US" dirty="0"/>
-              <a:t>Azure Machine Learning Algorithms</a:t>
-            </a:r>
-          </a:p>
-        </p:txBody>
-      </p:sp>
-      <p:pic>
-        <p:nvPicPr>
-          <p:cNvPr id="5" name="Picture 4"/>
-          <p:cNvPicPr>
-            <a:picLocks noChangeAspect="1"/>
-          </p:cNvPicPr>
-          <p:nvPr/>
-        </p:nvPicPr>
-        <p:blipFill rotWithShape="1">
-          <a:blip r:embed="rId3"/>
-          <a:srcRect b="8857"/>
-          <a:stretch/>
-        </p:blipFill>
-        <p:spPr>
-          <a:xfrm>
-            <a:off x="8709536" y="1869387"/>
-            <a:ext cx="2131076" cy="3146128"/>
-          </a:xfrm>
-          <a:prstGeom prst="rect">
-            <a:avLst/>
-          </a:prstGeom>
-          <a:ln>
-            <a:noFill/>
-          </a:ln>
-          <a:effectLst>
-            <a:outerShdw blurRad="292100" dist="139700" dir="2700000" algn="tl" rotWithShape="0">
-              <a:srgbClr val="333333">
-                <a:alpha val="65000"/>
-              </a:srgbClr>
-            </a:outerShdw>
-          </a:effectLst>
-        </p:spPr>
-      </p:pic>
-      <p:pic>
-        <p:nvPicPr>
-          <p:cNvPr id="6" name="Picture 5"/>
-          <p:cNvPicPr>
-            <a:picLocks noChangeAspect="1"/>
-          </p:cNvPicPr>
-          <p:nvPr/>
-        </p:nvPicPr>
-        <p:blipFill rotWithShape="1">
-          <a:blip r:embed="rId4"/>
-          <a:srcRect b="14976"/>
-          <a:stretch/>
-        </p:blipFill>
-        <p:spPr>
-          <a:xfrm>
-            <a:off x="1229538" y="1849995"/>
-            <a:ext cx="2131075" cy="1743637"/>
-          </a:xfrm>
-          <a:prstGeom prst="rect">
-            <a:avLst/>
-          </a:prstGeom>
-          <a:ln>
-            <a:noFill/>
-          </a:ln>
-          <a:effectLst>
-            <a:outerShdw blurRad="292100" dist="139700" dir="2700000" algn="tl" rotWithShape="0">
-              <a:srgbClr val="333333">
-                <a:alpha val="65000"/>
-              </a:srgbClr>
-            </a:outerShdw>
-          </a:effectLst>
-        </p:spPr>
-      </p:pic>
-      <p:pic>
-        <p:nvPicPr>
-          <p:cNvPr id="7" name="Picture 6"/>
-          <p:cNvPicPr>
-            <a:picLocks noChangeAspect="1"/>
-          </p:cNvPicPr>
-          <p:nvPr/>
-        </p:nvPicPr>
-        <p:blipFill>
-          <a:blip r:embed="rId5"/>
-          <a:stretch>
-            <a:fillRect/>
-          </a:stretch>
-        </p:blipFill>
-        <p:spPr>
-          <a:xfrm>
-            <a:off x="3717166" y="1849995"/>
-            <a:ext cx="2134527" cy="4454943"/>
-          </a:xfrm>
-          <a:prstGeom prst="rect">
-            <a:avLst/>
-          </a:prstGeom>
-          <a:ln>
-            <a:noFill/>
-          </a:ln>
-          <a:effectLst>
-            <a:outerShdw blurRad="292100" dist="139700" dir="2700000" algn="tl" rotWithShape="0">
-              <a:srgbClr val="333333">
-                <a:alpha val="65000"/>
-              </a:srgbClr>
-            </a:outerShdw>
-          </a:effectLst>
-        </p:spPr>
-      </p:pic>
-      <p:pic>
-        <p:nvPicPr>
-          <p:cNvPr id="8" name="Picture 7"/>
-          <p:cNvPicPr>
-            <a:picLocks noChangeAspect="1"/>
-          </p:cNvPicPr>
-          <p:nvPr/>
-        </p:nvPicPr>
-        <p:blipFill>
-          <a:blip r:embed="rId6"/>
-          <a:stretch>
-            <a:fillRect/>
-          </a:stretch>
-        </p:blipFill>
-        <p:spPr>
-          <a:xfrm>
-            <a:off x="6208246" y="1869387"/>
-            <a:ext cx="2144737" cy="1504424"/>
-          </a:xfrm>
-          <a:prstGeom prst="rect">
-            <a:avLst/>
-          </a:prstGeom>
-          <a:ln>
-            <a:noFill/>
-          </a:ln>
-          <a:effectLst>
-            <a:outerShdw blurRad="292100" dist="139700" dir="2700000" algn="tl" rotWithShape="0">
-              <a:srgbClr val="333333">
-                <a:alpha val="65000"/>
-              </a:srgbClr>
-            </a:outerShdw>
-          </a:effectLst>
-        </p:spPr>
-      </p:pic>
-    </p:spTree>
-    <p:extLst>
-      <p:ext uri="{BB962C8B-B14F-4D97-AF65-F5344CB8AC3E}">
-        <p14:creationId xmlns:p14="http://schemas.microsoft.com/office/powerpoint/2010/main" val="2803037992"/>
-      </p:ext>
-    </p:extLst>
-  </p:cSld>
-  <p:clrMapOvr>
-    <a:masterClrMapping/>
-  </p:clrMapOvr>
-</p:sld>
-</file>
-
-<file path=ppt/slides/slide11.xml><?xml version="1.0" encoding="utf-8"?>
 <p:sld xmlns:a="http://schemas.openxmlformats.org/drawingml/2006/main" xmlns:r="http://schemas.openxmlformats.org/officeDocument/2006/relationships" xmlns:p="http://schemas.openxmlformats.org/presentationml/2006/main">
   <p:cSld>
     <p:spTree>
@@ -17073,7 +16825,7 @@
 </p:sld>
 </file>
 
-<file path=ppt/slides/slide12.xml><?xml version="1.0" encoding="utf-8"?>
+<file path=ppt/slides/slide11.xml><?xml version="1.0" encoding="utf-8"?>
 <p:sld xmlns:a="http://schemas.openxmlformats.org/drawingml/2006/main" xmlns:r="http://schemas.openxmlformats.org/officeDocument/2006/relationships" xmlns:p="http://schemas.openxmlformats.org/presentationml/2006/main">
   <p:cSld>
     <p:spTree>
@@ -17185,7 +16937,7 @@
 </p:sld>
 </file>
 
-<file path=ppt/slides/slide13.xml><?xml version="1.0" encoding="utf-8"?>
+<file path=ppt/slides/slide12.xml><?xml version="1.0" encoding="utf-8"?>
 <p:sld xmlns:a="http://schemas.openxmlformats.org/drawingml/2006/main" xmlns:r="http://schemas.openxmlformats.org/officeDocument/2006/relationships" xmlns:p="http://schemas.openxmlformats.org/presentationml/2006/main">
   <p:cSld>
     <p:spTree>
@@ -17283,7 +17035,7 @@
 </p:sld>
 </file>
 
-<file path=ppt/slides/slide14.xml><?xml version="1.0" encoding="utf-8"?>
+<file path=ppt/slides/slide13.xml><?xml version="1.0" encoding="utf-8"?>
 <p:sld xmlns:a="http://schemas.openxmlformats.org/drawingml/2006/main" xmlns:r="http://schemas.openxmlformats.org/officeDocument/2006/relationships" xmlns:p="http://schemas.openxmlformats.org/presentationml/2006/main">
   <p:cSld>
     <p:bg>
@@ -17516,7 +17268,7 @@
 </p:sld>
 </file>
 
-<file path=ppt/slides/slide15.xml><?xml version="1.0" encoding="utf-8"?>
+<file path=ppt/slides/slide14.xml><?xml version="1.0" encoding="utf-8"?>
 <p:sld xmlns:a="http://schemas.openxmlformats.org/drawingml/2006/main" xmlns:r="http://schemas.openxmlformats.org/officeDocument/2006/relationships" xmlns:p="http://schemas.openxmlformats.org/presentationml/2006/main">
   <p:cSld>
     <p:spTree>
@@ -17555,546 +17307,6 @@
 </file>
 
 <file path=ppt/slides/slide2.xml><?xml version="1.0" encoding="utf-8"?>
-<p:sld xmlns:a="http://schemas.openxmlformats.org/drawingml/2006/main" xmlns:r="http://schemas.openxmlformats.org/officeDocument/2006/relationships" xmlns:p="http://schemas.openxmlformats.org/presentationml/2006/main">
-  <p:cSld>
-    <p:spTree>
-      <p:nvGrpSpPr>
-        <p:cNvPr id="1" name=""/>
-        <p:cNvGrpSpPr/>
-        <p:nvPr/>
-      </p:nvGrpSpPr>
-      <p:grpSpPr>
-        <a:xfrm>
-          <a:off x="0" y="0"/>
-          <a:ext cx="0" cy="0"/>
-          <a:chOff x="0" y="0"/>
-          <a:chExt cx="0" cy="0"/>
-        </a:xfrm>
-      </p:grpSpPr>
-      <p:sp>
-        <p:nvSpPr>
-          <p:cNvPr id="2" name="Title 1"/>
-          <p:cNvSpPr>
-            <a:spLocks noGrp="1"/>
-          </p:cNvSpPr>
-          <p:nvPr>
-            <p:ph type="title"/>
-          </p:nvPr>
-        </p:nvSpPr>
-        <p:spPr/>
-        <p:txBody>
-          <a:bodyPr/>
-          <a:lstStyle/>
-          <a:p>
-            <a:r>
-              <a:rPr lang="en-US" dirty="0"/>
-              <a:t>Bio </a:t>
-            </a:r>
-          </a:p>
-        </p:txBody>
-      </p:sp>
-      <p:sp>
-        <p:nvSpPr>
-          <p:cNvPr id="3" name="Content Placeholder 2"/>
-          <p:cNvSpPr>
-            <a:spLocks noGrp="1"/>
-          </p:cNvSpPr>
-          <p:nvPr>
-            <p:ph idx="1"/>
-          </p:nvPr>
-        </p:nvSpPr>
-        <p:spPr/>
-        <p:txBody>
-          <a:bodyPr>
-            <a:normAutofit/>
-          </a:bodyPr>
-          <a:lstStyle/>
-          <a:p>
-            <a:r>
-              <a:rPr lang="en-US" dirty="0"/>
-              <a:t>Software architect @Derivco</a:t>
-            </a:r>
-          </a:p>
-          <a:p>
-            <a:pPr lvl="1"/>
-            <a:r>
-              <a:rPr lang="en-US" dirty="0"/>
-              <a:t>research &amp; development to safeguard existing products, and create new opportunities</a:t>
-            </a:r>
-          </a:p>
-          <a:p>
-            <a:pPr lvl="1"/>
-            <a:r>
-              <a:rPr lang="en-US" dirty="0"/>
-              <a:t>author, conference speaker, “data nerd”</a:t>
-            </a:r>
-          </a:p>
-          <a:p>
-            <a:r>
-              <a:rPr lang="en-US" dirty="0"/>
-              <a:t>Derivco world's leading development house for online gaming software; Casino, Poker, Bingo etc.</a:t>
-            </a:r>
-          </a:p>
-          <a:p>
-            <a:pPr lvl="1"/>
-            <a:r>
-              <a:rPr lang="en-US" dirty="0"/>
-              <a:t>world's largest install base of SQL Server's</a:t>
-            </a:r>
-          </a:p>
-          <a:p>
-            <a:pPr lvl="1"/>
-            <a:r>
-              <a:rPr lang="en-US" dirty="0"/>
-              <a:t>Service Fabric, stream processing, Complex Event Processing</a:t>
-            </a:r>
-          </a:p>
-          <a:p>
-            <a:pPr lvl="1"/>
-            <a:r>
-              <a:rPr lang="en-US" dirty="0"/>
-              <a:t>data science R, Azure ML, etc.</a:t>
-            </a:r>
-          </a:p>
-          <a:p>
-            <a:pPr lvl="1"/>
-            <a:r>
-              <a:rPr lang="en-US" dirty="0" err="1"/>
-              <a:t>RabbitMQ</a:t>
-            </a:r>
-            <a:r>
-              <a:rPr lang="en-US" dirty="0"/>
-              <a:t>, </a:t>
-            </a:r>
-            <a:r>
-              <a:rPr lang="en-US" dirty="0" err="1"/>
-              <a:t>CouchBase</a:t>
-            </a:r>
-            <a:r>
-              <a:rPr lang="en-US" dirty="0"/>
-              <a:t>, </a:t>
-            </a:r>
-            <a:r>
-              <a:rPr lang="en-US" dirty="0" err="1"/>
-              <a:t>Redis</a:t>
-            </a:r>
-            <a:r>
-              <a:rPr lang="en-US" dirty="0"/>
-              <a:t>, in-memory databases, etc.</a:t>
-            </a:r>
-          </a:p>
-          <a:p>
-            <a:pPr lvl="1"/>
-            <a:endParaRPr lang="en-US" dirty="0"/>
-          </a:p>
-        </p:txBody>
-      </p:sp>
-      <p:sp>
-        <p:nvSpPr>
-          <p:cNvPr id="4" name="TextBox 3"/>
-          <p:cNvSpPr txBox="1"/>
-          <p:nvPr/>
-        </p:nvSpPr>
-        <p:spPr>
-          <a:xfrm>
-            <a:off x="1921789" y="766296"/>
-            <a:ext cx="5371983" cy="523220"/>
-          </a:xfrm>
-          <a:prstGeom prst="rect">
-            <a:avLst/>
-          </a:prstGeom>
-          <a:noFill/>
-        </p:spPr>
-        <p:txBody>
-          <a:bodyPr wrap="none" rtlCol="0">
-            <a:spAutoFit/>
-          </a:bodyPr>
-          <a:lstStyle/>
-          <a:p>
-            <a:r>
-              <a:rPr lang="en-ZA" sz="2800" dirty="0"/>
-              <a:t>(a.k.a. shameless self-promotion)</a:t>
-            </a:r>
-            <a:endParaRPr lang="en-US" sz="2800" dirty="0"/>
-          </a:p>
-        </p:txBody>
-      </p:sp>
-    </p:spTree>
-    <p:extLst>
-      <p:ext uri="{BB962C8B-B14F-4D97-AF65-F5344CB8AC3E}">
-        <p14:creationId xmlns:p14="http://schemas.microsoft.com/office/powerpoint/2010/main" val="1293689362"/>
-      </p:ext>
-    </p:extLst>
-  </p:cSld>
-  <p:clrMapOvr>
-    <a:masterClrMapping/>
-  </p:clrMapOvr>
-  <p:timing>
-    <p:tnLst>
-      <p:par>
-        <p:cTn id="1" dur="indefinite" restart="never" nodeType="tmRoot">
-          <p:childTnLst>
-            <p:seq concurrent="1" nextAc="seek">
-              <p:cTn id="2" dur="indefinite" nodeType="mainSeq">
-                <p:childTnLst>
-                  <p:par>
-                    <p:cTn id="3" fill="hold">
-                      <p:stCondLst>
-                        <p:cond delay="indefinite"/>
-                      </p:stCondLst>
-                      <p:childTnLst>
-                        <p:par>
-                          <p:cTn id="4" fill="hold">
-                            <p:stCondLst>
-                              <p:cond delay="0"/>
-                            </p:stCondLst>
-                            <p:childTnLst>
-                              <p:par>
-                                <p:cTn id="5" presetID="1" presetClass="entr" presetSubtype="0" fill="hold" grpId="0" nodeType="clickEffect">
-                                  <p:stCondLst>
-                                    <p:cond delay="0"/>
-                                  </p:stCondLst>
-                                  <p:childTnLst>
-                                    <p:set>
-                                      <p:cBhvr>
-                                        <p:cTn id="6" dur="1" fill="hold">
-                                          <p:stCondLst>
-                                            <p:cond delay="0"/>
-                                          </p:stCondLst>
-                                        </p:cTn>
-                                        <p:tgtEl>
-                                          <p:spTgt spid="4"/>
-                                        </p:tgtEl>
-                                        <p:attrNameLst>
-                                          <p:attrName>style.visibility</p:attrName>
-                                        </p:attrNameLst>
-                                      </p:cBhvr>
-                                      <p:to>
-                                        <p:strVal val="visible"/>
-                                      </p:to>
-                                    </p:set>
-                                  </p:childTnLst>
-                                </p:cTn>
-                              </p:par>
-                            </p:childTnLst>
-                          </p:cTn>
-                        </p:par>
-                      </p:childTnLst>
-                    </p:cTn>
-                  </p:par>
-                  <p:par>
-                    <p:cTn id="7" fill="hold">
-                      <p:stCondLst>
-                        <p:cond delay="indefinite"/>
-                      </p:stCondLst>
-                      <p:childTnLst>
-                        <p:par>
-                          <p:cTn id="8" fill="hold">
-                            <p:stCondLst>
-                              <p:cond delay="0"/>
-                            </p:stCondLst>
-                            <p:childTnLst>
-                              <p:par>
-                                <p:cTn id="9" presetID="1" presetClass="entr" presetSubtype="0" fill="hold" nodeType="clickEffect">
-                                  <p:stCondLst>
-                                    <p:cond delay="0"/>
-                                  </p:stCondLst>
-                                  <p:childTnLst>
-                                    <p:set>
-                                      <p:cBhvr>
-                                        <p:cTn id="10" dur="1" fill="hold">
-                                          <p:stCondLst>
-                                            <p:cond delay="0"/>
-                                          </p:stCondLst>
-                                        </p:cTn>
-                                        <p:tgtEl>
-                                          <p:spTgt spid="3">
-                                            <p:txEl>
-                                              <p:pRg st="0" end="0"/>
-                                            </p:txEl>
-                                          </p:spTgt>
-                                        </p:tgtEl>
-                                        <p:attrNameLst>
-                                          <p:attrName>style.visibility</p:attrName>
-                                        </p:attrNameLst>
-                                      </p:cBhvr>
-                                      <p:to>
-                                        <p:strVal val="visible"/>
-                                      </p:to>
-                                    </p:set>
-                                  </p:childTnLst>
-                                </p:cTn>
-                              </p:par>
-                              <p:par>
-                                <p:cTn id="11" presetID="1" presetClass="entr" presetSubtype="0" fill="hold" nodeType="withEffect">
-                                  <p:stCondLst>
-                                    <p:cond delay="0"/>
-                                  </p:stCondLst>
-                                  <p:childTnLst>
-                                    <p:set>
-                                      <p:cBhvr>
-                                        <p:cTn id="12" dur="1" fill="hold">
-                                          <p:stCondLst>
-                                            <p:cond delay="0"/>
-                                          </p:stCondLst>
-                                        </p:cTn>
-                                        <p:tgtEl>
-                                          <p:spTgt spid="3">
-                                            <p:txEl>
-                                              <p:pRg st="1" end="1"/>
-                                            </p:txEl>
-                                          </p:spTgt>
-                                        </p:tgtEl>
-                                        <p:attrNameLst>
-                                          <p:attrName>style.visibility</p:attrName>
-                                        </p:attrNameLst>
-                                      </p:cBhvr>
-                                      <p:to>
-                                        <p:strVal val="visible"/>
-                                      </p:to>
-                                    </p:set>
-                                  </p:childTnLst>
-                                </p:cTn>
-                              </p:par>
-                              <p:par>
-                                <p:cTn id="13" presetID="1" presetClass="entr" presetSubtype="0" fill="hold" nodeType="withEffect">
-                                  <p:stCondLst>
-                                    <p:cond delay="0"/>
-                                  </p:stCondLst>
-                                  <p:childTnLst>
-                                    <p:set>
-                                      <p:cBhvr>
-                                        <p:cTn id="14" dur="1" fill="hold">
-                                          <p:stCondLst>
-                                            <p:cond delay="0"/>
-                                          </p:stCondLst>
-                                        </p:cTn>
-                                        <p:tgtEl>
-                                          <p:spTgt spid="3">
-                                            <p:txEl>
-                                              <p:pRg st="2" end="2"/>
-                                            </p:txEl>
-                                          </p:spTgt>
-                                        </p:tgtEl>
-                                        <p:attrNameLst>
-                                          <p:attrName>style.visibility</p:attrName>
-                                        </p:attrNameLst>
-                                      </p:cBhvr>
-                                      <p:to>
-                                        <p:strVal val="visible"/>
-                                      </p:to>
-                                    </p:set>
-                                  </p:childTnLst>
-                                </p:cTn>
-                              </p:par>
-                            </p:childTnLst>
-                          </p:cTn>
-                        </p:par>
-                      </p:childTnLst>
-                    </p:cTn>
-                  </p:par>
-                  <p:par>
-                    <p:cTn id="15" fill="hold">
-                      <p:stCondLst>
-                        <p:cond delay="indefinite"/>
-                      </p:stCondLst>
-                      <p:childTnLst>
-                        <p:par>
-                          <p:cTn id="16" fill="hold">
-                            <p:stCondLst>
-                              <p:cond delay="0"/>
-                            </p:stCondLst>
-                            <p:childTnLst>
-                              <p:par>
-                                <p:cTn id="17" presetID="1" presetClass="entr" presetSubtype="0" fill="hold" nodeType="clickEffect">
-                                  <p:stCondLst>
-                                    <p:cond delay="0"/>
-                                  </p:stCondLst>
-                                  <p:childTnLst>
-                                    <p:set>
-                                      <p:cBhvr>
-                                        <p:cTn id="18" dur="1" fill="hold">
-                                          <p:stCondLst>
-                                            <p:cond delay="0"/>
-                                          </p:stCondLst>
-                                        </p:cTn>
-                                        <p:tgtEl>
-                                          <p:spTgt spid="3">
-                                            <p:txEl>
-                                              <p:pRg st="3" end="3"/>
-                                            </p:txEl>
-                                          </p:spTgt>
-                                        </p:tgtEl>
-                                        <p:attrNameLst>
-                                          <p:attrName>style.visibility</p:attrName>
-                                        </p:attrNameLst>
-                                      </p:cBhvr>
-                                      <p:to>
-                                        <p:strVal val="visible"/>
-                                      </p:to>
-                                    </p:set>
-                                  </p:childTnLst>
-                                </p:cTn>
-                              </p:par>
-                              <p:par>
-                                <p:cTn id="19" presetID="1" presetClass="entr" presetSubtype="0" fill="hold" nodeType="withEffect">
-                                  <p:stCondLst>
-                                    <p:cond delay="0"/>
-                                  </p:stCondLst>
-                                  <p:childTnLst>
-                                    <p:set>
-                                      <p:cBhvr>
-                                        <p:cTn id="20" dur="1" fill="hold">
-                                          <p:stCondLst>
-                                            <p:cond delay="0"/>
-                                          </p:stCondLst>
-                                        </p:cTn>
-                                        <p:tgtEl>
-                                          <p:spTgt spid="3">
-                                            <p:txEl>
-                                              <p:pRg st="4" end="4"/>
-                                            </p:txEl>
-                                          </p:spTgt>
-                                        </p:tgtEl>
-                                        <p:attrNameLst>
-                                          <p:attrName>style.visibility</p:attrName>
-                                        </p:attrNameLst>
-                                      </p:cBhvr>
-                                      <p:to>
-                                        <p:strVal val="visible"/>
-                                      </p:to>
-                                    </p:set>
-                                  </p:childTnLst>
-                                </p:cTn>
-                              </p:par>
-                              <p:par>
-                                <p:cTn id="21" presetID="1" presetClass="entr" presetSubtype="0" fill="hold" nodeType="withEffect">
-                                  <p:stCondLst>
-                                    <p:cond delay="0"/>
-                                  </p:stCondLst>
-                                  <p:childTnLst>
-                                    <p:set>
-                                      <p:cBhvr>
-                                        <p:cTn id="22" dur="1" fill="hold">
-                                          <p:stCondLst>
-                                            <p:cond delay="0"/>
-                                          </p:stCondLst>
-                                        </p:cTn>
-                                        <p:tgtEl>
-                                          <p:spTgt spid="3">
-                                            <p:txEl>
-                                              <p:pRg st="5" end="5"/>
-                                            </p:txEl>
-                                          </p:spTgt>
-                                        </p:tgtEl>
-                                        <p:attrNameLst>
-                                          <p:attrName>style.visibility</p:attrName>
-                                        </p:attrNameLst>
-                                      </p:cBhvr>
-                                      <p:to>
-                                        <p:strVal val="visible"/>
-                                      </p:to>
-                                    </p:set>
-                                  </p:childTnLst>
-                                </p:cTn>
-                              </p:par>
-                              <p:par>
-                                <p:cTn id="23" presetID="1" presetClass="entr" presetSubtype="0" fill="hold" nodeType="withEffect">
-                                  <p:stCondLst>
-                                    <p:cond delay="0"/>
-                                  </p:stCondLst>
-                                  <p:childTnLst>
-                                    <p:set>
-                                      <p:cBhvr>
-                                        <p:cTn id="24" dur="1" fill="hold">
-                                          <p:stCondLst>
-                                            <p:cond delay="0"/>
-                                          </p:stCondLst>
-                                        </p:cTn>
-                                        <p:tgtEl>
-                                          <p:spTgt spid="3">
-                                            <p:txEl>
-                                              <p:pRg st="6" end="6"/>
-                                            </p:txEl>
-                                          </p:spTgt>
-                                        </p:tgtEl>
-                                        <p:attrNameLst>
-                                          <p:attrName>style.visibility</p:attrName>
-                                        </p:attrNameLst>
-                                      </p:cBhvr>
-                                      <p:to>
-                                        <p:strVal val="visible"/>
-                                      </p:to>
-                                    </p:set>
-                                  </p:childTnLst>
-                                </p:cTn>
-                              </p:par>
-                              <p:par>
-                                <p:cTn id="25" presetID="1" presetClass="entr" presetSubtype="0" fill="hold" nodeType="withEffect">
-                                  <p:stCondLst>
-                                    <p:cond delay="0"/>
-                                  </p:stCondLst>
-                                  <p:childTnLst>
-                                    <p:set>
-                                      <p:cBhvr>
-                                        <p:cTn id="26" dur="1" fill="hold">
-                                          <p:stCondLst>
-                                            <p:cond delay="0"/>
-                                          </p:stCondLst>
-                                        </p:cTn>
-                                        <p:tgtEl>
-                                          <p:spTgt spid="3">
-                                            <p:txEl>
-                                              <p:pRg st="7" end="7"/>
-                                            </p:txEl>
-                                          </p:spTgt>
-                                        </p:tgtEl>
-                                        <p:attrNameLst>
-                                          <p:attrName>style.visibility</p:attrName>
-                                        </p:attrNameLst>
-                                      </p:cBhvr>
-                                      <p:to>
-                                        <p:strVal val="visible"/>
-                                      </p:to>
-                                    </p:set>
-                                  </p:childTnLst>
-                                </p:cTn>
-                              </p:par>
-                            </p:childTnLst>
-                          </p:cTn>
-                        </p:par>
-                      </p:childTnLst>
-                    </p:cTn>
-                  </p:par>
-                </p:childTnLst>
-              </p:cTn>
-              <p:prevCondLst>
-                <p:cond evt="onPrev" delay="0">
-                  <p:tgtEl>
-                    <p:sldTgt/>
-                  </p:tgtEl>
-                </p:cond>
-              </p:prevCondLst>
-              <p:nextCondLst>
-                <p:cond evt="onNext" delay="0">
-                  <p:tgtEl>
-                    <p:sldTgt/>
-                  </p:tgtEl>
-                </p:cond>
-              </p:nextCondLst>
-            </p:seq>
-          </p:childTnLst>
-        </p:cTn>
-      </p:par>
-    </p:tnLst>
-    <p:bldLst>
-      <p:bldP spid="4" grpId="0"/>
-    </p:bldLst>
-  </p:timing>
-</p:sld>
-</file>
-
-<file path=ppt/slides/slide3.xml><?xml version="1.0" encoding="utf-8"?>
 <p:sld xmlns:a="http://schemas.openxmlformats.org/drawingml/2006/main" xmlns:r="http://schemas.openxmlformats.org/officeDocument/2006/relationships" xmlns:p="http://schemas.openxmlformats.org/presentationml/2006/main">
   <p:cSld>
     <p:spTree>
@@ -18663,7 +17875,7 @@
 </p:sld>
 </file>
 
-<file path=ppt/slides/slide4.xml><?xml version="1.0" encoding="utf-8"?>
+<file path=ppt/slides/slide3.xml><?xml version="1.0" encoding="utf-8"?>
 <p:sld xmlns:a="http://schemas.openxmlformats.org/drawingml/2006/main" xmlns:r="http://schemas.openxmlformats.org/officeDocument/2006/relationships" xmlns:p="http://schemas.openxmlformats.org/presentationml/2006/main">
   <p:cSld>
     <p:spTree>
@@ -18749,7 +17961,7 @@
 </p:sld>
 </file>
 
-<file path=ppt/slides/slide5.xml><?xml version="1.0" encoding="utf-8"?>
+<file path=ppt/slides/slide4.xml><?xml version="1.0" encoding="utf-8"?>
 <p:sld xmlns:a="http://schemas.openxmlformats.org/drawingml/2006/main" xmlns:r="http://schemas.openxmlformats.org/officeDocument/2006/relationships" xmlns:p="http://schemas.openxmlformats.org/presentationml/2006/main">
   <p:cSld>
     <p:spTree>
@@ -19197,7 +18409,7 @@
 </p:sld>
 </file>
 
-<file path=ppt/slides/slide6.xml><?xml version="1.0" encoding="utf-8"?>
+<file path=ppt/slides/slide5.xml><?xml version="1.0" encoding="utf-8"?>
 <p:sld xmlns:a="http://schemas.openxmlformats.org/drawingml/2006/main" xmlns:r="http://schemas.openxmlformats.org/officeDocument/2006/relationships" xmlns:p="http://schemas.openxmlformats.org/presentationml/2006/main">
   <p:cSld>
     <p:spTree>
@@ -20139,7 +19351,7 @@
 </p:sld>
 </file>
 
-<file path=ppt/slides/slide7.xml><?xml version="1.0" encoding="utf-8"?>
+<file path=ppt/slides/slide6.xml><?xml version="1.0" encoding="utf-8"?>
 <p:sld xmlns:a="http://schemas.openxmlformats.org/drawingml/2006/main" xmlns:r="http://schemas.openxmlformats.org/officeDocument/2006/relationships" xmlns:p="http://schemas.openxmlformats.org/presentationml/2006/main">
   <p:cSld>
     <p:spTree>
@@ -20273,7 +19485,7 @@
 </p:sld>
 </file>
 
-<file path=ppt/slides/slide8.xml><?xml version="1.0" encoding="utf-8"?>
+<file path=ppt/slides/slide7.xml><?xml version="1.0" encoding="utf-8"?>
 <p:sld xmlns:a="http://schemas.openxmlformats.org/drawingml/2006/main" xmlns:r="http://schemas.openxmlformats.org/officeDocument/2006/relationships" xmlns:p="http://schemas.openxmlformats.org/presentationml/2006/main">
   <p:cSld>
     <p:spTree>
@@ -20435,7 +19647,7 @@
 </p:sld>
 </file>
 
-<file path=ppt/slides/slide9.xml><?xml version="1.0" encoding="utf-8"?>
+<file path=ppt/slides/slide8.xml><?xml version="1.0" encoding="utf-8"?>
 <p:sld xmlns:a="http://schemas.openxmlformats.org/drawingml/2006/main" xmlns:r="http://schemas.openxmlformats.org/officeDocument/2006/relationships" xmlns:p="http://schemas.openxmlformats.org/presentationml/2006/main">
   <p:cSld>
     <p:spTree>
@@ -20558,6 +19770,192 @@
     <p:extLst>
       <p:ext uri="{BB962C8B-B14F-4D97-AF65-F5344CB8AC3E}">
         <p14:creationId xmlns:p14="http://schemas.microsoft.com/office/powerpoint/2010/main" val="3932678165"/>
+      </p:ext>
+    </p:extLst>
+  </p:cSld>
+  <p:clrMapOvr>
+    <a:masterClrMapping/>
+  </p:clrMapOvr>
+</p:sld>
+</file>
+
+<file path=ppt/slides/slide9.xml><?xml version="1.0" encoding="utf-8"?>
+<p:sld xmlns:a="http://schemas.openxmlformats.org/drawingml/2006/main" xmlns:r="http://schemas.openxmlformats.org/officeDocument/2006/relationships" xmlns:p="http://schemas.openxmlformats.org/presentationml/2006/main">
+  <p:cSld>
+    <p:spTree>
+      <p:nvGrpSpPr>
+        <p:cNvPr id="1" name=""/>
+        <p:cNvGrpSpPr/>
+        <p:nvPr/>
+      </p:nvGrpSpPr>
+      <p:grpSpPr>
+        <a:xfrm>
+          <a:off x="0" y="0"/>
+          <a:ext cx="0" cy="0"/>
+          <a:chOff x="0" y="0"/>
+          <a:chExt cx="0" cy="0"/>
+        </a:xfrm>
+      </p:grpSpPr>
+      <p:sp>
+        <p:nvSpPr>
+          <p:cNvPr id="2" name="Title 1"/>
+          <p:cNvSpPr>
+            <a:spLocks noGrp="1"/>
+          </p:cNvSpPr>
+          <p:nvPr>
+            <p:ph type="title"/>
+          </p:nvPr>
+        </p:nvSpPr>
+        <p:spPr/>
+        <p:txBody>
+          <a:bodyPr/>
+          <a:lstStyle/>
+          <a:p>
+            <a:r>
+              <a:rPr lang="en-US" dirty="0"/>
+              <a:t>Azure Machine Learning Algorithms</a:t>
+            </a:r>
+          </a:p>
+        </p:txBody>
+      </p:sp>
+      <p:pic>
+        <p:nvPicPr>
+          <p:cNvPr id="5" name="Picture 4"/>
+          <p:cNvPicPr>
+            <a:picLocks noChangeAspect="1"/>
+          </p:cNvPicPr>
+          <p:nvPr/>
+        </p:nvPicPr>
+        <p:blipFill rotWithShape="1">
+          <a:blip r:embed="rId3"/>
+          <a:srcRect b="8857"/>
+          <a:stretch/>
+        </p:blipFill>
+        <p:spPr>
+          <a:xfrm>
+            <a:off x="8709536" y="1869387"/>
+            <a:ext cx="2131076" cy="3146128"/>
+          </a:xfrm>
+          <a:prstGeom prst="rect">
+            <a:avLst/>
+          </a:prstGeom>
+          <a:ln>
+            <a:noFill/>
+          </a:ln>
+          <a:effectLst>
+            <a:outerShdw blurRad="292100" dist="139700" dir="2700000" algn="tl" rotWithShape="0">
+              <a:srgbClr val="333333">
+                <a:alpha val="65000"/>
+              </a:srgbClr>
+            </a:outerShdw>
+          </a:effectLst>
+        </p:spPr>
+      </p:pic>
+      <p:pic>
+        <p:nvPicPr>
+          <p:cNvPr id="6" name="Picture 5"/>
+          <p:cNvPicPr>
+            <a:picLocks noChangeAspect="1"/>
+          </p:cNvPicPr>
+          <p:nvPr/>
+        </p:nvPicPr>
+        <p:blipFill rotWithShape="1">
+          <a:blip r:embed="rId4"/>
+          <a:srcRect b="14976"/>
+          <a:stretch/>
+        </p:blipFill>
+        <p:spPr>
+          <a:xfrm>
+            <a:off x="1229538" y="1849995"/>
+            <a:ext cx="2131075" cy="1743637"/>
+          </a:xfrm>
+          <a:prstGeom prst="rect">
+            <a:avLst/>
+          </a:prstGeom>
+          <a:ln>
+            <a:noFill/>
+          </a:ln>
+          <a:effectLst>
+            <a:outerShdw blurRad="292100" dist="139700" dir="2700000" algn="tl" rotWithShape="0">
+              <a:srgbClr val="333333">
+                <a:alpha val="65000"/>
+              </a:srgbClr>
+            </a:outerShdw>
+          </a:effectLst>
+        </p:spPr>
+      </p:pic>
+      <p:pic>
+        <p:nvPicPr>
+          <p:cNvPr id="7" name="Picture 6"/>
+          <p:cNvPicPr>
+            <a:picLocks noChangeAspect="1"/>
+          </p:cNvPicPr>
+          <p:nvPr/>
+        </p:nvPicPr>
+        <p:blipFill>
+          <a:blip r:embed="rId5"/>
+          <a:stretch>
+            <a:fillRect/>
+          </a:stretch>
+        </p:blipFill>
+        <p:spPr>
+          <a:xfrm>
+            <a:off x="3717166" y="1849995"/>
+            <a:ext cx="2134527" cy="4454943"/>
+          </a:xfrm>
+          <a:prstGeom prst="rect">
+            <a:avLst/>
+          </a:prstGeom>
+          <a:ln>
+            <a:noFill/>
+          </a:ln>
+          <a:effectLst>
+            <a:outerShdw blurRad="292100" dist="139700" dir="2700000" algn="tl" rotWithShape="0">
+              <a:srgbClr val="333333">
+                <a:alpha val="65000"/>
+              </a:srgbClr>
+            </a:outerShdw>
+          </a:effectLst>
+        </p:spPr>
+      </p:pic>
+      <p:pic>
+        <p:nvPicPr>
+          <p:cNvPr id="8" name="Picture 7"/>
+          <p:cNvPicPr>
+            <a:picLocks noChangeAspect="1"/>
+          </p:cNvPicPr>
+          <p:nvPr/>
+        </p:nvPicPr>
+        <p:blipFill>
+          <a:blip r:embed="rId6"/>
+          <a:stretch>
+            <a:fillRect/>
+          </a:stretch>
+        </p:blipFill>
+        <p:spPr>
+          <a:xfrm>
+            <a:off x="6208246" y="1869387"/>
+            <a:ext cx="2144737" cy="1504424"/>
+          </a:xfrm>
+          <a:prstGeom prst="rect">
+            <a:avLst/>
+          </a:prstGeom>
+          <a:ln>
+            <a:noFill/>
+          </a:ln>
+          <a:effectLst>
+            <a:outerShdw blurRad="292100" dist="139700" dir="2700000" algn="tl" rotWithShape="0">
+              <a:srgbClr val="333333">
+                <a:alpha val="65000"/>
+              </a:srgbClr>
+            </a:outerShdw>
+          </a:effectLst>
+        </p:spPr>
+      </p:pic>
+    </p:spTree>
+    <p:extLst>
+      <p:ext uri="{BB962C8B-B14F-4D97-AF65-F5344CB8AC3E}">
+        <p14:creationId xmlns:p14="http://schemas.microsoft.com/office/powerpoint/2010/main" val="2803037992"/>
       </p:ext>
     </p:extLst>
   </p:cSld>
